--- a/res/Innovation Day Poll.pptx
+++ b/res/Innovation Day Poll.pptx
@@ -6,6 +6,7 @@
   </p:sldMasterIdLst>
   <p:sldIdLst>
     <p:sldId id="257" r:id="rId2"/>
+    <p:sldId id="259" r:id="rId3"/>
   </p:sldIdLst>
   <p:sldSz cx="12192000" cy="6858000"/>
   <p:notesSz cx="6858000" cy="9144000"/>
@@ -241,7 +242,7 @@
           <a:p>
             <a:fld id="{55538382-1426-4B10-BF4C-891458BF681E}" type="datetimeFigureOut">
               <a:rPr lang="en-US" smtClean="0"/>
-              <a:t>7/19/2017</a:t>
+              <a:t>7/20/2017</a:t>
             </a:fld>
             <a:endParaRPr lang="en-US"/>
           </a:p>
@@ -409,7 +410,7 @@
           <a:p>
             <a:fld id="{55538382-1426-4B10-BF4C-891458BF681E}" type="datetimeFigureOut">
               <a:rPr lang="en-US" smtClean="0"/>
-              <a:t>7/19/2017</a:t>
+              <a:t>7/20/2017</a:t>
             </a:fld>
             <a:endParaRPr lang="en-US"/>
           </a:p>
@@ -587,7 +588,7 @@
           <a:p>
             <a:fld id="{55538382-1426-4B10-BF4C-891458BF681E}" type="datetimeFigureOut">
               <a:rPr lang="en-US" smtClean="0"/>
-              <a:t>7/19/2017</a:t>
+              <a:t>7/20/2017</a:t>
             </a:fld>
             <a:endParaRPr lang="en-US"/>
           </a:p>
@@ -1118,7 +1119,7 @@
           <a:p>
             <a:fld id="{55538382-1426-4B10-BF4C-891458BF681E}" type="datetimeFigureOut">
               <a:rPr lang="en-US" smtClean="0"/>
-              <a:t>7/19/2017</a:t>
+              <a:t>7/20/2017</a:t>
             </a:fld>
             <a:endParaRPr lang="en-US"/>
           </a:p>
@@ -1363,7 +1364,7 @@
           <a:p>
             <a:fld id="{55538382-1426-4B10-BF4C-891458BF681E}" type="datetimeFigureOut">
               <a:rPr lang="en-US" smtClean="0"/>
-              <a:t>7/19/2017</a:t>
+              <a:t>7/20/2017</a:t>
             </a:fld>
             <a:endParaRPr lang="en-US"/>
           </a:p>
@@ -1592,7 +1593,7 @@
           <a:p>
             <a:fld id="{55538382-1426-4B10-BF4C-891458BF681E}" type="datetimeFigureOut">
               <a:rPr lang="en-US" smtClean="0"/>
-              <a:t>7/19/2017</a:t>
+              <a:t>7/20/2017</a:t>
             </a:fld>
             <a:endParaRPr lang="en-US"/>
           </a:p>
@@ -1956,7 +1957,7 @@
           <a:p>
             <a:fld id="{55538382-1426-4B10-BF4C-891458BF681E}" type="datetimeFigureOut">
               <a:rPr lang="en-US" smtClean="0"/>
-              <a:t>7/19/2017</a:t>
+              <a:t>7/20/2017</a:t>
             </a:fld>
             <a:endParaRPr lang="en-US"/>
           </a:p>
@@ -2073,7 +2074,7 @@
           <a:p>
             <a:fld id="{55538382-1426-4B10-BF4C-891458BF681E}" type="datetimeFigureOut">
               <a:rPr lang="en-US" smtClean="0"/>
-              <a:t>7/19/2017</a:t>
+              <a:t>7/20/2017</a:t>
             </a:fld>
             <a:endParaRPr lang="en-US"/>
           </a:p>
@@ -2168,7 +2169,7 @@
           <a:p>
             <a:fld id="{55538382-1426-4B10-BF4C-891458BF681E}" type="datetimeFigureOut">
               <a:rPr lang="en-US" smtClean="0"/>
-              <a:t>7/19/2017</a:t>
+              <a:t>7/20/2017</a:t>
             </a:fld>
             <a:endParaRPr lang="en-US"/>
           </a:p>
@@ -2443,7 +2444,7 @@
           <a:p>
             <a:fld id="{55538382-1426-4B10-BF4C-891458BF681E}" type="datetimeFigureOut">
               <a:rPr lang="en-US" smtClean="0"/>
-              <a:t>7/19/2017</a:t>
+              <a:t>7/20/2017</a:t>
             </a:fld>
             <a:endParaRPr lang="en-US"/>
           </a:p>
@@ -2695,7 +2696,7 @@
           <a:p>
             <a:fld id="{55538382-1426-4B10-BF4C-891458BF681E}" type="datetimeFigureOut">
               <a:rPr lang="en-US" smtClean="0"/>
-              <a:t>7/19/2017</a:t>
+              <a:t>7/20/2017</a:t>
             </a:fld>
             <a:endParaRPr lang="en-US"/>
           </a:p>
@@ -2906,7 +2907,7 @@
           <a:p>
             <a:fld id="{55538382-1426-4B10-BF4C-891458BF681E}" type="datetimeFigureOut">
               <a:rPr lang="en-US" smtClean="0"/>
-              <a:t>7/19/2017</a:t>
+              <a:t>7/20/2017</a:t>
             </a:fld>
             <a:endParaRPr lang="en-US"/>
           </a:p>
@@ -3357,26 +3358,8 @@
             </a:pPr>
             <a:r>
               <a:rPr lang="en-US" dirty="0"/>
-              <a:t>Link: http://bit.ly/2uwxLjC</a:t>
-            </a:r>
-          </a:p>
-        </p:txBody>
-      </p:sp>
-      <p:sp>
-        <p:nvSpPr>
-          <p:cNvPr id="4" name="Subtitle 3"/>
-          <p:cNvSpPr>
-            <a:spLocks noGrp="1"/>
-          </p:cNvSpPr>
-          <p:nvPr>
-            <p:ph type="subTitle" idx="13"/>
-          </p:nvPr>
-        </p:nvSpPr>
-        <p:spPr/>
-        <p:txBody>
-          <a:bodyPr/>
-          <a:lstStyle/>
-          <a:p>
+              <a:t>http://bit.ly/innoday2017</a:t>
+            </a:r>
             <a:endParaRPr lang="en-US" dirty="0"/>
           </a:p>
         </p:txBody>
@@ -3510,6 +3493,396 @@
         </p:cTn>
       </p:par>
     </p:tnLst>
+  </p:timing>
+</p:sld>
+</file>
+
+<file path=ppt/slides/slide2.xml><?xml version="1.0" encoding="utf-8"?>
+<p:sld xmlns:a="http://schemas.openxmlformats.org/drawingml/2006/main" xmlns:r="http://schemas.openxmlformats.org/officeDocument/2006/relationships" xmlns:p="http://schemas.openxmlformats.org/presentationml/2006/main">
+  <p:cSld>
+    <p:spTree>
+      <p:nvGrpSpPr>
+        <p:cNvPr id="1" name=""/>
+        <p:cNvGrpSpPr/>
+        <p:nvPr/>
+      </p:nvGrpSpPr>
+      <p:grpSpPr>
+        <a:xfrm>
+          <a:off x="0" y="0"/>
+          <a:ext cx="0" cy="0"/>
+          <a:chOff x="0" y="0"/>
+          <a:chExt cx="0" cy="0"/>
+        </a:xfrm>
+      </p:grpSpPr>
+      <p:sp>
+        <p:nvSpPr>
+          <p:cNvPr id="2" name="Title 1"/>
+          <p:cNvSpPr>
+            <a:spLocks noGrp="1"/>
+          </p:cNvSpPr>
+          <p:nvPr>
+            <p:ph type="title"/>
+          </p:nvPr>
+        </p:nvSpPr>
+        <p:spPr/>
+        <p:txBody>
+          <a:bodyPr/>
+          <a:lstStyle/>
+          <a:p>
+            <a:pPr algn="ctr"/>
+            <a:r>
+              <a:rPr lang="en-US" dirty="0"/>
+              <a:t>Results</a:t>
+            </a:r>
+          </a:p>
+        </p:txBody>
+      </p:sp>
+      <p:pic>
+        <p:nvPicPr>
+          <p:cNvPr id="12" name="Picture 11"/>
+          <p:cNvPicPr>
+            <a:picLocks noChangeAspect="1"/>
+          </p:cNvPicPr>
+          <p:nvPr/>
+        </p:nvPicPr>
+        <p:blipFill>
+          <a:blip r:embed="rId2">
+            <a:extLst>
+              <a:ext uri="{28A0092B-C50C-407E-A947-70E740481C1C}">
+                <a14:useLocalDpi xmlns:a14="http://schemas.microsoft.com/office/drawing/2010/main" val="0"/>
+              </a:ext>
+            </a:extLst>
+          </a:blip>
+          <a:stretch>
+            <a:fillRect/>
+          </a:stretch>
+        </p:blipFill>
+        <p:spPr>
+          <a:xfrm>
+            <a:off x="690112" y="702805"/>
+            <a:ext cx="5269066" cy="2700396"/>
+          </a:xfrm>
+          <a:prstGeom prst="rect">
+            <a:avLst/>
+          </a:prstGeom>
+        </p:spPr>
+      </p:pic>
+      <p:pic>
+        <p:nvPicPr>
+          <p:cNvPr id="13" name="Picture 12"/>
+          <p:cNvPicPr>
+            <a:picLocks noChangeAspect="1"/>
+          </p:cNvPicPr>
+          <p:nvPr/>
+        </p:nvPicPr>
+        <p:blipFill>
+          <a:blip r:embed="rId3">
+            <a:extLst>
+              <a:ext uri="{28A0092B-C50C-407E-A947-70E740481C1C}">
+                <a14:useLocalDpi xmlns:a14="http://schemas.microsoft.com/office/drawing/2010/main" val="0"/>
+              </a:ext>
+            </a:extLst>
+          </a:blip>
+          <a:stretch>
+            <a:fillRect/>
+          </a:stretch>
+        </p:blipFill>
+        <p:spPr>
+          <a:xfrm>
+            <a:off x="6293132" y="702805"/>
+            <a:ext cx="5269068" cy="2700396"/>
+          </a:xfrm>
+          <a:prstGeom prst="rect">
+            <a:avLst/>
+          </a:prstGeom>
+        </p:spPr>
+      </p:pic>
+      <p:pic>
+        <p:nvPicPr>
+          <p:cNvPr id="14" name="Picture 13"/>
+          <p:cNvPicPr>
+            <a:picLocks noChangeAspect="1"/>
+          </p:cNvPicPr>
+          <p:nvPr/>
+        </p:nvPicPr>
+        <p:blipFill>
+          <a:blip r:embed="rId4">
+            <a:extLst>
+              <a:ext uri="{28A0092B-C50C-407E-A947-70E740481C1C}">
+                <a14:useLocalDpi xmlns:a14="http://schemas.microsoft.com/office/drawing/2010/main" val="0"/>
+              </a:ext>
+            </a:extLst>
+          </a:blip>
+          <a:stretch>
+            <a:fillRect/>
+          </a:stretch>
+        </p:blipFill>
+        <p:spPr>
+          <a:xfrm>
+            <a:off x="690112" y="3574353"/>
+            <a:ext cx="5269068" cy="2700396"/>
+          </a:xfrm>
+          <a:prstGeom prst="rect">
+            <a:avLst/>
+          </a:prstGeom>
+        </p:spPr>
+      </p:pic>
+      <p:pic>
+        <p:nvPicPr>
+          <p:cNvPr id="15" name="Picture 14"/>
+          <p:cNvPicPr>
+            <a:picLocks noChangeAspect="1"/>
+          </p:cNvPicPr>
+          <p:nvPr/>
+        </p:nvPicPr>
+        <p:blipFill>
+          <a:blip r:embed="rId5">
+            <a:extLst>
+              <a:ext uri="{28A0092B-C50C-407E-A947-70E740481C1C}">
+                <a14:useLocalDpi xmlns:a14="http://schemas.microsoft.com/office/drawing/2010/main" val="0"/>
+              </a:ext>
+            </a:extLst>
+          </a:blip>
+          <a:stretch>
+            <a:fillRect/>
+          </a:stretch>
+        </p:blipFill>
+        <p:spPr>
+          <a:xfrm>
+            <a:off x="6293132" y="3574353"/>
+            <a:ext cx="5269066" cy="2700398"/>
+          </a:xfrm>
+          <a:prstGeom prst="rect">
+            <a:avLst/>
+          </a:prstGeom>
+        </p:spPr>
+      </p:pic>
+      <p:sp>
+        <p:nvSpPr>
+          <p:cNvPr id="21" name="Star: 16 Points 20"/>
+          <p:cNvSpPr/>
+          <p:nvPr/>
+        </p:nvSpPr>
+        <p:spPr>
+          <a:xfrm>
+            <a:off x="3675871" y="1258197"/>
+            <a:ext cx="4781725" cy="3808602"/>
+          </a:xfrm>
+          <a:prstGeom prst="star16">
+            <a:avLst/>
+          </a:prstGeom>
+          <a:solidFill>
+            <a:schemeClr val="bg1"/>
+          </a:solidFill>
+        </p:spPr>
+        <p:style>
+          <a:lnRef idx="2">
+            <a:schemeClr val="accent1">
+              <a:shade val="50000"/>
+            </a:schemeClr>
+          </a:lnRef>
+          <a:fillRef idx="1">
+            <a:schemeClr val="accent1"/>
+          </a:fillRef>
+          <a:effectRef idx="0">
+            <a:schemeClr val="accent1"/>
+          </a:effectRef>
+          <a:fontRef idx="minor">
+            <a:schemeClr val="lt1"/>
+          </a:fontRef>
+        </p:style>
+        <p:txBody>
+          <a:bodyPr rtlCol="0" anchor="ctr"/>
+          <a:lstStyle/>
+          <a:p>
+            <a:pPr algn="ctr"/>
+            <a:r>
+              <a:rPr lang="en-US" dirty="0">
+                <a:solidFill>
+                  <a:schemeClr val="tx1"/>
+                </a:solidFill>
+              </a:rPr>
+              <a:t>Winner:</a:t>
+            </a:r>
+          </a:p>
+          <a:p>
+            <a:pPr algn="ctr"/>
+            <a:r>
+              <a:rPr lang="en-US" dirty="0">
+                <a:solidFill>
+                  <a:schemeClr val="tx1"/>
+                </a:solidFill>
+              </a:rPr>
+              <a:t>1</a:t>
+            </a:r>
+            <a:r>
+              <a:rPr lang="en-US" baseline="30000" dirty="0">
+                <a:solidFill>
+                  <a:schemeClr val="tx1"/>
+                </a:solidFill>
+              </a:rPr>
+              <a:t>st</a:t>
+            </a:r>
+            <a:r>
+              <a:rPr lang="en-US" dirty="0">
+                <a:solidFill>
+                  <a:schemeClr val="tx1"/>
+                </a:solidFill>
+              </a:rPr>
+              <a:t>. Team Ares </a:t>
+            </a:r>
+          </a:p>
+          <a:p>
+            <a:pPr algn="ctr"/>
+            <a:r>
+              <a:rPr lang="en-US" dirty="0">
+                <a:solidFill>
+                  <a:schemeClr val="tx1"/>
+                </a:solidFill>
+              </a:rPr>
+              <a:t>2</a:t>
+            </a:r>
+            <a:r>
+              <a:rPr lang="en-US" baseline="30000" dirty="0">
+                <a:solidFill>
+                  <a:schemeClr val="tx1"/>
+                </a:solidFill>
+              </a:rPr>
+              <a:t>nd</a:t>
+            </a:r>
+            <a:r>
+              <a:rPr lang="en-US" dirty="0">
+                <a:solidFill>
+                  <a:schemeClr val="tx1"/>
+                </a:solidFill>
+              </a:rPr>
+              <a:t>. Team Odin</a:t>
+            </a:r>
+          </a:p>
+          <a:p>
+            <a:pPr algn="ctr"/>
+            <a:r>
+              <a:rPr lang="en-US" dirty="0">
+                <a:solidFill>
+                  <a:schemeClr val="tx1"/>
+                </a:solidFill>
+              </a:rPr>
+              <a:t>3</a:t>
+            </a:r>
+            <a:r>
+              <a:rPr lang="en-US" baseline="30000" dirty="0">
+                <a:solidFill>
+                  <a:schemeClr val="tx1"/>
+                </a:solidFill>
+              </a:rPr>
+              <a:t>rd</a:t>
+            </a:r>
+            <a:r>
+              <a:rPr lang="en-US" dirty="0">
+                <a:solidFill>
+                  <a:schemeClr val="tx1"/>
+                </a:solidFill>
+              </a:rPr>
+              <a:t>. Team Zeus</a:t>
+            </a:r>
+          </a:p>
+          <a:p>
+            <a:pPr algn="ctr"/>
+            <a:endParaRPr lang="en-US" dirty="0">
+              <a:solidFill>
+                <a:schemeClr val="tx1"/>
+              </a:solidFill>
+            </a:endParaRPr>
+          </a:p>
+        </p:txBody>
+      </p:sp>
+    </p:spTree>
+    <p:extLst>
+      <p:ext uri="{BB962C8B-B14F-4D97-AF65-F5344CB8AC3E}">
+        <p14:creationId xmlns:p14="http://schemas.microsoft.com/office/powerpoint/2010/main" val="2535631866"/>
+      </p:ext>
+    </p:extLst>
+  </p:cSld>
+  <p:clrMapOvr>
+    <a:masterClrMapping/>
+  </p:clrMapOvr>
+  <p:timing>
+    <p:tnLst>
+      <p:par>
+        <p:cTn id="1" dur="indefinite" restart="never" nodeType="tmRoot">
+          <p:childTnLst>
+            <p:seq concurrent="1" nextAc="seek">
+              <p:cTn id="2" dur="indefinite" nodeType="mainSeq">
+                <p:childTnLst>
+                  <p:par>
+                    <p:cTn id="3" fill="hold">
+                      <p:stCondLst>
+                        <p:cond delay="indefinite"/>
+                      </p:stCondLst>
+                      <p:childTnLst>
+                        <p:par>
+                          <p:cTn id="4" fill="hold">
+                            <p:stCondLst>
+                              <p:cond delay="0"/>
+                            </p:stCondLst>
+                            <p:childTnLst>
+                              <p:par>
+                                <p:cTn id="5" presetID="1" presetClass="entr" presetSubtype="0" fill="hold" grpId="0" nodeType="clickEffect">
+                                  <p:stCondLst>
+                                    <p:cond delay="0"/>
+                                  </p:stCondLst>
+                                  <p:childTnLst>
+                                    <p:set>
+                                      <p:cBhvr>
+                                        <p:cTn id="6" dur="1" fill="hold">
+                                          <p:stCondLst>
+                                            <p:cond delay="0"/>
+                                          </p:stCondLst>
+                                        </p:cTn>
+                                        <p:tgtEl>
+                                          <p:spTgt spid="21"/>
+                                        </p:tgtEl>
+                                        <p:attrNameLst>
+                                          <p:attrName>style.visibility</p:attrName>
+                                        </p:attrNameLst>
+                                      </p:cBhvr>
+                                      <p:to>
+                                        <p:strVal val="visible"/>
+                                      </p:to>
+                                    </p:set>
+                                  </p:childTnLst>
+                                </p:cTn>
+                              </p:par>
+                            </p:childTnLst>
+                          </p:cTn>
+                        </p:par>
+                      </p:childTnLst>
+                    </p:cTn>
+                  </p:par>
+                </p:childTnLst>
+              </p:cTn>
+              <p:prevCondLst>
+                <p:cond evt="onPrev" delay="0">
+                  <p:tgtEl>
+                    <p:sldTgt/>
+                  </p:tgtEl>
+                </p:cond>
+              </p:prevCondLst>
+              <p:nextCondLst>
+                <p:cond evt="onNext" delay="0">
+                  <p:tgtEl>
+                    <p:sldTgt/>
+                  </p:tgtEl>
+                </p:cond>
+              </p:nextCondLst>
+            </p:seq>
+          </p:childTnLst>
+        </p:cTn>
+      </p:par>
+    </p:tnLst>
+    <p:bldLst>
+      <p:bldP spid="21" grpId="0" animBg="1"/>
+    </p:bldLst>
   </p:timing>
 </p:sld>
 </file>

--- a/res/Innovation Day Poll.pptx
+++ b/res/Innovation Day Poll.pptx
@@ -6,7 +6,11 @@
   </p:sldMasterIdLst>
   <p:sldIdLst>
     <p:sldId id="257" r:id="rId2"/>
-    <p:sldId id="259" r:id="rId3"/>
+    <p:sldId id="262" r:id="rId3"/>
+    <p:sldId id="263" r:id="rId4"/>
+    <p:sldId id="264" r:id="rId5"/>
+    <p:sldId id="265" r:id="rId6"/>
+    <p:sldId id="266" r:id="rId7"/>
   </p:sldIdLst>
   <p:sldSz cx="12192000" cy="6858000"/>
   <p:notesSz cx="6858000" cy="9144000"/>
@@ -113,6 +117,4970 @@
 </p:presentation>
 </file>
 
+<file path=ppt/charts/chart1.xml><?xml version="1.0" encoding="utf-8"?>
+<c:chartSpace xmlns:c="http://schemas.openxmlformats.org/drawingml/2006/chart" xmlns:a="http://schemas.openxmlformats.org/drawingml/2006/main" xmlns:r="http://schemas.openxmlformats.org/officeDocument/2006/relationships" xmlns:c16r2="http://schemas.microsoft.com/office/drawing/2015/06/chart">
+  <c:date1904 val="0"/>
+  <c:lang val="en-US"/>
+  <c:roundedCorners val="0"/>
+  <mc:AlternateContent xmlns:mc="http://schemas.openxmlformats.org/markup-compatibility/2006">
+    <mc:Choice xmlns:c14="http://schemas.microsoft.com/office/drawing/2007/8/2/chart" Requires="c14">
+      <c14:style val="102"/>
+    </mc:Choice>
+    <mc:Fallback>
+      <c:style val="2"/>
+    </mc:Fallback>
+  </mc:AlternateContent>
+  <c:chart>
+    <c:autoTitleDeleted val="0"/>
+    <c:pivotFmts>
+      <c:pivotFmt>
+        <c:idx val="0"/>
+        <c:spPr>
+          <a:solidFill>
+            <a:schemeClr val="accent1"/>
+          </a:solidFill>
+          <a:ln>
+            <a:noFill/>
+          </a:ln>
+          <a:effectLst/>
+        </c:spPr>
+        <c:marker>
+          <c:symbol val="none"/>
+        </c:marker>
+      </c:pivotFmt>
+      <c:pivotFmt>
+        <c:idx val="1"/>
+        <c:spPr>
+          <a:solidFill>
+            <a:schemeClr val="accent1"/>
+          </a:solidFill>
+          <a:ln>
+            <a:noFill/>
+          </a:ln>
+          <a:effectLst/>
+        </c:spPr>
+        <c:marker>
+          <c:symbol val="none"/>
+        </c:marker>
+      </c:pivotFmt>
+      <c:pivotFmt>
+        <c:idx val="2"/>
+        <c:spPr>
+          <a:solidFill>
+            <a:schemeClr val="accent1"/>
+          </a:solidFill>
+          <a:ln>
+            <a:noFill/>
+          </a:ln>
+          <a:effectLst/>
+        </c:spPr>
+        <c:marker>
+          <c:symbol val="none"/>
+        </c:marker>
+      </c:pivotFmt>
+      <c:pivotFmt>
+        <c:idx val="3"/>
+        <c:spPr>
+          <a:solidFill>
+            <a:schemeClr val="accent1"/>
+          </a:solidFill>
+          <a:ln>
+            <a:noFill/>
+          </a:ln>
+          <a:effectLst/>
+        </c:spPr>
+        <c:marker>
+          <c:symbol val="none"/>
+        </c:marker>
+      </c:pivotFmt>
+      <c:pivotFmt>
+        <c:idx val="4"/>
+        <c:spPr>
+          <a:solidFill>
+            <a:schemeClr val="accent1"/>
+          </a:solidFill>
+          <a:ln>
+            <a:noFill/>
+          </a:ln>
+          <a:effectLst/>
+        </c:spPr>
+        <c:marker>
+          <c:symbol val="none"/>
+        </c:marker>
+      </c:pivotFmt>
+      <c:pivotFmt>
+        <c:idx val="5"/>
+        <c:spPr>
+          <a:solidFill>
+            <a:schemeClr val="accent1"/>
+          </a:solidFill>
+          <a:ln>
+            <a:noFill/>
+          </a:ln>
+          <a:effectLst/>
+        </c:spPr>
+        <c:marker>
+          <c:symbol val="none"/>
+        </c:marker>
+      </c:pivotFmt>
+      <c:pivotFmt>
+        <c:idx val="6"/>
+        <c:spPr>
+          <a:solidFill>
+            <a:schemeClr val="accent1"/>
+          </a:solidFill>
+          <a:ln>
+            <a:noFill/>
+          </a:ln>
+          <a:effectLst/>
+        </c:spPr>
+        <c:marker>
+          <c:symbol val="none"/>
+        </c:marker>
+      </c:pivotFmt>
+      <c:pivotFmt>
+        <c:idx val="7"/>
+        <c:spPr>
+          <a:solidFill>
+            <a:schemeClr val="accent1"/>
+          </a:solidFill>
+          <a:ln>
+            <a:noFill/>
+          </a:ln>
+          <a:effectLst/>
+        </c:spPr>
+        <c:marker>
+          <c:symbol val="none"/>
+        </c:marker>
+      </c:pivotFmt>
+      <c:pivotFmt>
+        <c:idx val="8"/>
+        <c:spPr>
+          <a:solidFill>
+            <a:schemeClr val="accent1"/>
+          </a:solidFill>
+          <a:ln>
+            <a:noFill/>
+          </a:ln>
+          <a:effectLst/>
+        </c:spPr>
+        <c:marker>
+          <c:symbol val="none"/>
+        </c:marker>
+      </c:pivotFmt>
+      <c:pivotFmt>
+        <c:idx val="9"/>
+        <c:spPr>
+          <a:solidFill>
+            <a:schemeClr val="accent1"/>
+          </a:solidFill>
+          <a:ln>
+            <a:noFill/>
+          </a:ln>
+          <a:effectLst/>
+        </c:spPr>
+        <c:marker>
+          <c:symbol val="none"/>
+        </c:marker>
+      </c:pivotFmt>
+      <c:pivotFmt>
+        <c:idx val="10"/>
+        <c:spPr>
+          <a:solidFill>
+            <a:schemeClr val="accent1"/>
+          </a:solidFill>
+          <a:ln>
+            <a:noFill/>
+          </a:ln>
+          <a:effectLst/>
+        </c:spPr>
+        <c:marker>
+          <c:symbol val="none"/>
+        </c:marker>
+      </c:pivotFmt>
+      <c:pivotFmt>
+        <c:idx val="11"/>
+        <c:spPr>
+          <a:solidFill>
+            <a:schemeClr val="accent1"/>
+          </a:solidFill>
+          <a:ln>
+            <a:noFill/>
+          </a:ln>
+          <a:effectLst/>
+        </c:spPr>
+        <c:marker>
+          <c:symbol val="none"/>
+        </c:marker>
+      </c:pivotFmt>
+    </c:pivotFmts>
+    <c:plotArea>
+      <c:layout/>
+      <c:barChart>
+        <c:barDir val="col"/>
+        <c:grouping val="clustered"/>
+        <c:varyColors val="0"/>
+        <c:ser>
+          <c:idx val="0"/>
+          <c:order val="0"/>
+          <c:tx>
+            <c:strRef>
+              <c:f>"Excellent"</c:f>
+            </c:strRef>
+          </c:tx>
+          <c:spPr>
+            <a:solidFill>
+              <a:schemeClr val="accent1"/>
+            </a:solidFill>
+            <a:ln>
+              <a:noFill/>
+            </a:ln>
+            <a:effectLst/>
+          </c:spPr>
+          <c:invertIfNegative val="0"/>
+          <c:cat>
+            <c:strLit>
+              <c:ptCount val="7"/>
+              <c:pt idx="0">
+                <c:v>Apollo</c:v>
+              </c:pt>
+              <c:pt idx="1">
+                <c:v>Ares</c:v>
+              </c:pt>
+              <c:pt idx="2">
+                <c:v>Freyja</c:v>
+              </c:pt>
+              <c:pt idx="3">
+                <c:v>Hera</c:v>
+              </c:pt>
+              <c:pt idx="4">
+                <c:v>Odin</c:v>
+              </c:pt>
+              <c:pt idx="5">
+                <c:v>Thor</c:v>
+              </c:pt>
+              <c:pt idx="6">
+                <c:v>Zeus</c:v>
+              </c:pt>
+            </c:strLit>
+          </c:cat>
+          <c:val>
+            <c:numLit>
+              <c:formatCode>General</c:formatCode>
+              <c:ptCount val="7"/>
+              <c:pt idx="0">
+                <c:v>0.44186046511627908</c:v>
+              </c:pt>
+              <c:pt idx="1">
+                <c:v>0.70454545454545459</c:v>
+              </c:pt>
+              <c:pt idx="2">
+                <c:v>0.43181818181818182</c:v>
+              </c:pt>
+              <c:pt idx="3">
+                <c:v>0.29545454545454547</c:v>
+              </c:pt>
+              <c:pt idx="4">
+                <c:v>0.70454545454545459</c:v>
+              </c:pt>
+              <c:pt idx="5">
+                <c:v>0.29545454545454547</c:v>
+              </c:pt>
+              <c:pt idx="6">
+                <c:v>0.56818181818181823</c:v>
+              </c:pt>
+            </c:numLit>
+          </c:val>
+          <c:extLst>
+            <c:ext xmlns:c16="http://schemas.microsoft.com/office/drawing/2014/chart" uri="{C3380CC4-5D6E-409C-BE32-E72D297353CC}">
+              <c16:uniqueId val="{00000000-0D46-427C-93A7-09AEF5EBD9D6}"/>
+            </c:ext>
+          </c:extLst>
+        </c:ser>
+        <c:ser>
+          <c:idx val="1"/>
+          <c:order val="1"/>
+          <c:tx>
+            <c:strRef>
+              <c:f>"Good"</c:f>
+            </c:strRef>
+          </c:tx>
+          <c:spPr>
+            <a:solidFill>
+              <a:schemeClr val="accent2"/>
+            </a:solidFill>
+            <a:ln>
+              <a:noFill/>
+            </a:ln>
+            <a:effectLst/>
+          </c:spPr>
+          <c:invertIfNegative val="0"/>
+          <c:cat>
+            <c:strLit>
+              <c:ptCount val="7"/>
+              <c:pt idx="0">
+                <c:v>Apollo</c:v>
+              </c:pt>
+              <c:pt idx="1">
+                <c:v>Ares</c:v>
+              </c:pt>
+              <c:pt idx="2">
+                <c:v>Freyja</c:v>
+              </c:pt>
+              <c:pt idx="3">
+                <c:v>Hera</c:v>
+              </c:pt>
+              <c:pt idx="4">
+                <c:v>Odin</c:v>
+              </c:pt>
+              <c:pt idx="5">
+                <c:v>Thor</c:v>
+              </c:pt>
+              <c:pt idx="6">
+                <c:v>Zeus</c:v>
+              </c:pt>
+            </c:strLit>
+          </c:cat>
+          <c:val>
+            <c:numLit>
+              <c:formatCode>General</c:formatCode>
+              <c:ptCount val="7"/>
+              <c:pt idx="0">
+                <c:v>0.27906976744186046</c:v>
+              </c:pt>
+              <c:pt idx="1">
+                <c:v>0</c:v>
+              </c:pt>
+              <c:pt idx="2">
+                <c:v>0.15909090909090909</c:v>
+              </c:pt>
+              <c:pt idx="3">
+                <c:v>0.27272727272727271</c:v>
+              </c:pt>
+              <c:pt idx="4">
+                <c:v>0</c:v>
+              </c:pt>
+              <c:pt idx="5">
+                <c:v>0.27272727272727271</c:v>
+              </c:pt>
+              <c:pt idx="6">
+                <c:v>0</c:v>
+              </c:pt>
+            </c:numLit>
+          </c:val>
+          <c:extLst>
+            <c:ext xmlns:c16="http://schemas.microsoft.com/office/drawing/2014/chart" uri="{C3380CC4-5D6E-409C-BE32-E72D297353CC}">
+              <c16:uniqueId val="{00000001-0D46-427C-93A7-09AEF5EBD9D6}"/>
+            </c:ext>
+          </c:extLst>
+        </c:ser>
+        <c:ser>
+          <c:idx val="2"/>
+          <c:order val="2"/>
+          <c:tx>
+            <c:strRef>
+              <c:f>"Incomplete (Needs More Investigation)"</c:f>
+            </c:strRef>
+          </c:tx>
+          <c:spPr>
+            <a:solidFill>
+              <a:schemeClr val="accent3"/>
+            </a:solidFill>
+            <a:ln>
+              <a:noFill/>
+            </a:ln>
+            <a:effectLst/>
+          </c:spPr>
+          <c:invertIfNegative val="0"/>
+          <c:cat>
+            <c:strLit>
+              <c:ptCount val="7"/>
+              <c:pt idx="0">
+                <c:v>Apollo</c:v>
+              </c:pt>
+              <c:pt idx="1">
+                <c:v>Ares</c:v>
+              </c:pt>
+              <c:pt idx="2">
+                <c:v>Freyja</c:v>
+              </c:pt>
+              <c:pt idx="3">
+                <c:v>Hera</c:v>
+              </c:pt>
+              <c:pt idx="4">
+                <c:v>Odin</c:v>
+              </c:pt>
+              <c:pt idx="5">
+                <c:v>Thor</c:v>
+              </c:pt>
+              <c:pt idx="6">
+                <c:v>Zeus</c:v>
+              </c:pt>
+            </c:strLit>
+          </c:cat>
+          <c:val>
+            <c:numLit>
+              <c:formatCode>General</c:formatCode>
+              <c:ptCount val="7"/>
+              <c:pt idx="0">
+                <c:v>0</c:v>
+              </c:pt>
+              <c:pt idx="1">
+                <c:v>0</c:v>
+              </c:pt>
+              <c:pt idx="2">
+                <c:v>0.27272727272727271</c:v>
+              </c:pt>
+              <c:pt idx="3">
+                <c:v>0.13636363636363635</c:v>
+              </c:pt>
+              <c:pt idx="4">
+                <c:v>0</c:v>
+              </c:pt>
+              <c:pt idx="5">
+                <c:v>0.15909090909090909</c:v>
+              </c:pt>
+              <c:pt idx="6">
+                <c:v>0.15909090909090909</c:v>
+              </c:pt>
+            </c:numLit>
+          </c:val>
+          <c:extLst>
+            <c:ext xmlns:c16="http://schemas.microsoft.com/office/drawing/2014/chart" uri="{C3380CC4-5D6E-409C-BE32-E72D297353CC}">
+              <c16:uniqueId val="{00000002-0D46-427C-93A7-09AEF5EBD9D6}"/>
+            </c:ext>
+          </c:extLst>
+        </c:ser>
+        <c:ser>
+          <c:idx val="3"/>
+          <c:order val="3"/>
+          <c:tx>
+            <c:strRef>
+              <c:f>"Not Good"</c:f>
+            </c:strRef>
+          </c:tx>
+          <c:spPr>
+            <a:solidFill>
+              <a:schemeClr val="accent4"/>
+            </a:solidFill>
+            <a:ln>
+              <a:noFill/>
+            </a:ln>
+            <a:effectLst/>
+          </c:spPr>
+          <c:invertIfNegative val="0"/>
+          <c:cat>
+            <c:strLit>
+              <c:ptCount val="7"/>
+              <c:pt idx="0">
+                <c:v>Apollo</c:v>
+              </c:pt>
+              <c:pt idx="1">
+                <c:v>Ares</c:v>
+              </c:pt>
+              <c:pt idx="2">
+                <c:v>Freyja</c:v>
+              </c:pt>
+              <c:pt idx="3">
+                <c:v>Hera</c:v>
+              </c:pt>
+              <c:pt idx="4">
+                <c:v>Odin</c:v>
+              </c:pt>
+              <c:pt idx="5">
+                <c:v>Thor</c:v>
+              </c:pt>
+              <c:pt idx="6">
+                <c:v>Zeus</c:v>
+              </c:pt>
+            </c:strLit>
+          </c:cat>
+          <c:val>
+            <c:numLit>
+              <c:formatCode>General</c:formatCode>
+              <c:ptCount val="7"/>
+              <c:pt idx="0">
+                <c:v>0.27906976744186046</c:v>
+              </c:pt>
+              <c:pt idx="1">
+                <c:v>0.29545454545454547</c:v>
+              </c:pt>
+              <c:pt idx="2">
+                <c:v>0.13636363636363635</c:v>
+              </c:pt>
+              <c:pt idx="3">
+                <c:v>0.29545454545454547</c:v>
+              </c:pt>
+              <c:pt idx="4">
+                <c:v>0.29545454545454547</c:v>
+              </c:pt>
+              <c:pt idx="5">
+                <c:v>0.27272727272727271</c:v>
+              </c:pt>
+              <c:pt idx="6">
+                <c:v>0.27272727272727271</c:v>
+              </c:pt>
+            </c:numLit>
+          </c:val>
+          <c:extLst>
+            <c:ext xmlns:c16="http://schemas.microsoft.com/office/drawing/2014/chart" uri="{C3380CC4-5D6E-409C-BE32-E72D297353CC}">
+              <c16:uniqueId val="{00000003-0D46-427C-93A7-09AEF5EBD9D6}"/>
+            </c:ext>
+          </c:extLst>
+        </c:ser>
+        <c:dLbls>
+          <c:showLegendKey val="0"/>
+          <c:showVal val="0"/>
+          <c:showCatName val="0"/>
+          <c:showSerName val="0"/>
+          <c:showPercent val="0"/>
+          <c:showBubbleSize val="0"/>
+        </c:dLbls>
+        <c:gapWidth val="219"/>
+        <c:overlap val="-27"/>
+        <c:axId val="241747608"/>
+        <c:axId val="241747936"/>
+      </c:barChart>
+      <c:catAx>
+        <c:axId val="241747608"/>
+        <c:scaling>
+          <c:orientation val="minMax"/>
+        </c:scaling>
+        <c:delete val="0"/>
+        <c:axPos val="b"/>
+        <c:numFmt formatCode="General" sourceLinked="1"/>
+        <c:majorTickMark val="none"/>
+        <c:minorTickMark val="none"/>
+        <c:tickLblPos val="nextTo"/>
+        <c:spPr>
+          <a:noFill/>
+          <a:ln w="9525" cap="flat" cmpd="sng" algn="ctr">
+            <a:solidFill>
+              <a:schemeClr val="tx1">
+                <a:lumMod val="15000"/>
+                <a:lumOff val="85000"/>
+              </a:schemeClr>
+            </a:solidFill>
+            <a:round/>
+          </a:ln>
+          <a:effectLst/>
+        </c:spPr>
+        <c:txPr>
+          <a:bodyPr rot="-60000000" spcFirstLastPara="1" vertOverflow="ellipsis" vert="horz" wrap="square" anchor="ctr" anchorCtr="1"/>
+          <a:lstStyle/>
+          <a:p>
+            <a:pPr>
+              <a:defRPr sz="900" b="0" i="0" u="none" strike="noStrike" kern="1200" baseline="0">
+                <a:solidFill>
+                  <a:schemeClr val="tx1">
+                    <a:lumMod val="65000"/>
+                    <a:lumOff val="35000"/>
+                  </a:schemeClr>
+                </a:solidFill>
+                <a:latin typeface="+mn-lt"/>
+                <a:ea typeface="+mn-ea"/>
+                <a:cs typeface="+mn-cs"/>
+              </a:defRPr>
+            </a:pPr>
+            <a:endParaRPr lang="en-US"/>
+          </a:p>
+        </c:txPr>
+        <c:crossAx val="241747936"/>
+        <c:crosses val="autoZero"/>
+        <c:auto val="1"/>
+        <c:lblAlgn val="ctr"/>
+        <c:lblOffset val="100"/>
+        <c:noMultiLvlLbl val="0"/>
+      </c:catAx>
+      <c:valAx>
+        <c:axId val="241747936"/>
+        <c:scaling>
+          <c:orientation val="minMax"/>
+        </c:scaling>
+        <c:delete val="0"/>
+        <c:axPos val="l"/>
+        <c:majorGridlines>
+          <c:spPr>
+            <a:ln w="9525" cap="flat" cmpd="sng" algn="ctr">
+              <a:solidFill>
+                <a:schemeClr val="tx1">
+                  <a:lumMod val="15000"/>
+                  <a:lumOff val="85000"/>
+                </a:schemeClr>
+              </a:solidFill>
+              <a:round/>
+            </a:ln>
+            <a:effectLst/>
+          </c:spPr>
+        </c:majorGridlines>
+        <c:numFmt formatCode="0.00%" sourceLinked="1"/>
+        <c:majorTickMark val="none"/>
+        <c:minorTickMark val="none"/>
+        <c:tickLblPos val="nextTo"/>
+        <c:spPr>
+          <a:noFill/>
+          <a:ln>
+            <a:noFill/>
+          </a:ln>
+          <a:effectLst/>
+        </c:spPr>
+        <c:txPr>
+          <a:bodyPr rot="-60000000" spcFirstLastPara="1" vertOverflow="ellipsis" vert="horz" wrap="square" anchor="ctr" anchorCtr="1"/>
+          <a:lstStyle/>
+          <a:p>
+            <a:pPr>
+              <a:defRPr sz="900" b="0" i="0" u="none" strike="noStrike" kern="1200" baseline="0">
+                <a:solidFill>
+                  <a:schemeClr val="tx1">
+                    <a:lumMod val="65000"/>
+                    <a:lumOff val="35000"/>
+                  </a:schemeClr>
+                </a:solidFill>
+                <a:latin typeface="+mn-lt"/>
+                <a:ea typeface="+mn-ea"/>
+                <a:cs typeface="+mn-cs"/>
+              </a:defRPr>
+            </a:pPr>
+            <a:endParaRPr lang="en-US"/>
+          </a:p>
+        </c:txPr>
+        <c:crossAx val="241747608"/>
+        <c:crosses val="autoZero"/>
+        <c:crossBetween val="between"/>
+      </c:valAx>
+      <c:spPr>
+        <a:noFill/>
+        <a:ln>
+          <a:noFill/>
+        </a:ln>
+        <a:effectLst/>
+      </c:spPr>
+    </c:plotArea>
+    <c:legend>
+      <c:legendPos val="r"/>
+      <c:overlay val="0"/>
+      <c:spPr>
+        <a:noFill/>
+        <a:ln>
+          <a:noFill/>
+        </a:ln>
+        <a:effectLst/>
+      </c:spPr>
+      <c:txPr>
+        <a:bodyPr rot="0" spcFirstLastPara="1" vertOverflow="ellipsis" vert="horz" wrap="square" anchor="ctr" anchorCtr="1"/>
+        <a:lstStyle/>
+        <a:p>
+          <a:pPr>
+            <a:defRPr sz="900" b="0" i="0" u="none" strike="noStrike" kern="1200" baseline="0">
+              <a:solidFill>
+                <a:schemeClr val="tx1">
+                  <a:lumMod val="65000"/>
+                  <a:lumOff val="35000"/>
+                </a:schemeClr>
+              </a:solidFill>
+              <a:latin typeface="+mn-lt"/>
+              <a:ea typeface="+mn-ea"/>
+              <a:cs typeface="+mn-cs"/>
+            </a:defRPr>
+          </a:pPr>
+          <a:endParaRPr lang="en-US"/>
+        </a:p>
+      </c:txPr>
+    </c:legend>
+    <c:plotVisOnly val="1"/>
+    <c:dispBlanksAs val="gap"/>
+    <c:showDLblsOverMax val="0"/>
+  </c:chart>
+  <c:spPr>
+    <a:noFill/>
+    <a:ln>
+      <a:noFill/>
+    </a:ln>
+    <a:effectLst/>
+  </c:spPr>
+  <c:txPr>
+    <a:bodyPr/>
+    <a:lstStyle/>
+    <a:p>
+      <a:pPr>
+        <a:defRPr/>
+      </a:pPr>
+      <a:endParaRPr lang="en-US"/>
+    </a:p>
+  </c:txPr>
+  <c:externalData r:id="rId3">
+    <c:autoUpdate val="0"/>
+  </c:externalData>
+  <c:extLst/>
+</c:chartSpace>
+</file>
+
+<file path=ppt/charts/chart2.xml><?xml version="1.0" encoding="utf-8"?>
+<c:chartSpace xmlns:c="http://schemas.openxmlformats.org/drawingml/2006/chart" xmlns:a="http://schemas.openxmlformats.org/drawingml/2006/main" xmlns:r="http://schemas.openxmlformats.org/officeDocument/2006/relationships" xmlns:c16r2="http://schemas.microsoft.com/office/drawing/2015/06/chart">
+  <c:date1904 val="0"/>
+  <c:lang val="en-US"/>
+  <c:roundedCorners val="0"/>
+  <mc:AlternateContent xmlns:mc="http://schemas.openxmlformats.org/markup-compatibility/2006">
+    <mc:Choice xmlns:c14="http://schemas.microsoft.com/office/drawing/2007/8/2/chart" Requires="c14">
+      <c14:style val="102"/>
+    </mc:Choice>
+    <mc:Fallback>
+      <c:style val="2"/>
+    </mc:Fallback>
+  </mc:AlternateContent>
+  <c:chart>
+    <c:autoTitleDeleted val="0"/>
+    <c:pivotFmts>
+      <c:pivotFmt>
+        <c:idx val="0"/>
+        <c:spPr>
+          <a:solidFill>
+            <a:schemeClr val="accent1"/>
+          </a:solidFill>
+          <a:ln>
+            <a:noFill/>
+          </a:ln>
+          <a:effectLst/>
+        </c:spPr>
+        <c:marker>
+          <c:symbol val="none"/>
+        </c:marker>
+      </c:pivotFmt>
+      <c:pivotFmt>
+        <c:idx val="1"/>
+        <c:spPr>
+          <a:solidFill>
+            <a:schemeClr val="accent1"/>
+          </a:solidFill>
+          <a:ln>
+            <a:noFill/>
+          </a:ln>
+          <a:effectLst/>
+        </c:spPr>
+        <c:marker>
+          <c:symbol val="none"/>
+        </c:marker>
+      </c:pivotFmt>
+      <c:pivotFmt>
+        <c:idx val="2"/>
+        <c:spPr>
+          <a:solidFill>
+            <a:schemeClr val="accent1"/>
+          </a:solidFill>
+          <a:ln>
+            <a:noFill/>
+          </a:ln>
+          <a:effectLst/>
+        </c:spPr>
+        <c:marker>
+          <c:symbol val="none"/>
+        </c:marker>
+      </c:pivotFmt>
+      <c:pivotFmt>
+        <c:idx val="3"/>
+        <c:spPr>
+          <a:solidFill>
+            <a:schemeClr val="accent1"/>
+          </a:solidFill>
+          <a:ln>
+            <a:noFill/>
+          </a:ln>
+          <a:effectLst/>
+        </c:spPr>
+        <c:marker>
+          <c:symbol val="none"/>
+        </c:marker>
+      </c:pivotFmt>
+      <c:pivotFmt>
+        <c:idx val="4"/>
+        <c:spPr>
+          <a:solidFill>
+            <a:schemeClr val="accent1"/>
+          </a:solidFill>
+          <a:ln>
+            <a:noFill/>
+          </a:ln>
+          <a:effectLst/>
+        </c:spPr>
+        <c:marker>
+          <c:symbol val="none"/>
+        </c:marker>
+      </c:pivotFmt>
+      <c:pivotFmt>
+        <c:idx val="5"/>
+        <c:spPr>
+          <a:solidFill>
+            <a:schemeClr val="accent1"/>
+          </a:solidFill>
+          <a:ln>
+            <a:noFill/>
+          </a:ln>
+          <a:effectLst/>
+        </c:spPr>
+        <c:marker>
+          <c:symbol val="none"/>
+        </c:marker>
+      </c:pivotFmt>
+      <c:pivotFmt>
+        <c:idx val="6"/>
+        <c:spPr>
+          <a:solidFill>
+            <a:schemeClr val="accent1"/>
+          </a:solidFill>
+          <a:ln>
+            <a:noFill/>
+          </a:ln>
+          <a:effectLst/>
+        </c:spPr>
+        <c:marker>
+          <c:symbol val="none"/>
+        </c:marker>
+      </c:pivotFmt>
+      <c:pivotFmt>
+        <c:idx val="7"/>
+        <c:spPr>
+          <a:solidFill>
+            <a:schemeClr val="accent1"/>
+          </a:solidFill>
+          <a:ln>
+            <a:noFill/>
+          </a:ln>
+          <a:effectLst/>
+        </c:spPr>
+        <c:marker>
+          <c:symbol val="none"/>
+        </c:marker>
+      </c:pivotFmt>
+      <c:pivotFmt>
+        <c:idx val="8"/>
+        <c:spPr>
+          <a:solidFill>
+            <a:schemeClr val="accent1"/>
+          </a:solidFill>
+          <a:ln>
+            <a:noFill/>
+          </a:ln>
+          <a:effectLst/>
+        </c:spPr>
+        <c:marker>
+          <c:symbol val="none"/>
+        </c:marker>
+      </c:pivotFmt>
+      <c:pivotFmt>
+        <c:idx val="9"/>
+        <c:spPr>
+          <a:solidFill>
+            <a:schemeClr val="accent1"/>
+          </a:solidFill>
+          <a:ln>
+            <a:noFill/>
+          </a:ln>
+          <a:effectLst/>
+        </c:spPr>
+        <c:marker>
+          <c:symbol val="none"/>
+        </c:marker>
+      </c:pivotFmt>
+      <c:pivotFmt>
+        <c:idx val="10"/>
+        <c:spPr>
+          <a:solidFill>
+            <a:schemeClr val="accent1"/>
+          </a:solidFill>
+          <a:ln>
+            <a:noFill/>
+          </a:ln>
+          <a:effectLst/>
+        </c:spPr>
+        <c:marker>
+          <c:symbol val="none"/>
+        </c:marker>
+      </c:pivotFmt>
+      <c:pivotFmt>
+        <c:idx val="11"/>
+        <c:spPr>
+          <a:solidFill>
+            <a:schemeClr val="accent1"/>
+          </a:solidFill>
+          <a:ln>
+            <a:noFill/>
+          </a:ln>
+          <a:effectLst/>
+        </c:spPr>
+        <c:marker>
+          <c:symbol val="none"/>
+        </c:marker>
+      </c:pivotFmt>
+    </c:pivotFmts>
+    <c:plotArea>
+      <c:layout/>
+      <c:barChart>
+        <c:barDir val="col"/>
+        <c:grouping val="clustered"/>
+        <c:varyColors val="0"/>
+        <c:ser>
+          <c:idx val="0"/>
+          <c:order val="0"/>
+          <c:tx>
+            <c:strRef>
+              <c:f>"Excellent"</c:f>
+            </c:strRef>
+          </c:tx>
+          <c:spPr>
+            <a:solidFill>
+              <a:schemeClr val="accent1"/>
+            </a:solidFill>
+            <a:ln>
+              <a:noFill/>
+            </a:ln>
+            <a:effectLst/>
+          </c:spPr>
+          <c:invertIfNegative val="0"/>
+          <c:cat>
+            <c:strLit>
+              <c:ptCount val="7"/>
+              <c:pt idx="0">
+                <c:v>Apollo</c:v>
+              </c:pt>
+              <c:pt idx="1">
+                <c:v>Ares</c:v>
+              </c:pt>
+              <c:pt idx="2">
+                <c:v>Freyja</c:v>
+              </c:pt>
+              <c:pt idx="3">
+                <c:v>Hera</c:v>
+              </c:pt>
+              <c:pt idx="4">
+                <c:v>Odin</c:v>
+              </c:pt>
+              <c:pt idx="5">
+                <c:v>Thor</c:v>
+              </c:pt>
+              <c:pt idx="6">
+                <c:v>Zeus</c:v>
+              </c:pt>
+            </c:strLit>
+          </c:cat>
+          <c:val>
+            <c:numLit>
+              <c:formatCode>General</c:formatCode>
+              <c:ptCount val="7"/>
+              <c:pt idx="0">
+                <c:v>0.44186046511627908</c:v>
+              </c:pt>
+              <c:pt idx="1">
+                <c:v>0.70454545454545459</c:v>
+              </c:pt>
+              <c:pt idx="2">
+                <c:v>0.43181818181818182</c:v>
+              </c:pt>
+              <c:pt idx="3">
+                <c:v>0.29545454545454547</c:v>
+              </c:pt>
+              <c:pt idx="4">
+                <c:v>0.70454545454545459</c:v>
+              </c:pt>
+              <c:pt idx="5">
+                <c:v>0.29545454545454547</c:v>
+              </c:pt>
+              <c:pt idx="6">
+                <c:v>0.56818181818181823</c:v>
+              </c:pt>
+            </c:numLit>
+          </c:val>
+          <c:extLst>
+            <c:ext xmlns:c16="http://schemas.microsoft.com/office/drawing/2014/chart" uri="{C3380CC4-5D6E-409C-BE32-E72D297353CC}">
+              <c16:uniqueId val="{00000000-E568-40EC-B2C8-DA8A7B1E737B}"/>
+            </c:ext>
+          </c:extLst>
+        </c:ser>
+        <c:ser>
+          <c:idx val="1"/>
+          <c:order val="1"/>
+          <c:tx>
+            <c:strRef>
+              <c:f>"Good"</c:f>
+            </c:strRef>
+          </c:tx>
+          <c:spPr>
+            <a:solidFill>
+              <a:schemeClr val="accent2"/>
+            </a:solidFill>
+            <a:ln>
+              <a:noFill/>
+            </a:ln>
+            <a:effectLst/>
+          </c:spPr>
+          <c:invertIfNegative val="0"/>
+          <c:cat>
+            <c:strLit>
+              <c:ptCount val="7"/>
+              <c:pt idx="0">
+                <c:v>Apollo</c:v>
+              </c:pt>
+              <c:pt idx="1">
+                <c:v>Ares</c:v>
+              </c:pt>
+              <c:pt idx="2">
+                <c:v>Freyja</c:v>
+              </c:pt>
+              <c:pt idx="3">
+                <c:v>Hera</c:v>
+              </c:pt>
+              <c:pt idx="4">
+                <c:v>Odin</c:v>
+              </c:pt>
+              <c:pt idx="5">
+                <c:v>Thor</c:v>
+              </c:pt>
+              <c:pt idx="6">
+                <c:v>Zeus</c:v>
+              </c:pt>
+            </c:strLit>
+          </c:cat>
+          <c:val>
+            <c:numLit>
+              <c:formatCode>General</c:formatCode>
+              <c:ptCount val="7"/>
+              <c:pt idx="0">
+                <c:v>0.27906976744186046</c:v>
+              </c:pt>
+              <c:pt idx="1">
+                <c:v>0</c:v>
+              </c:pt>
+              <c:pt idx="2">
+                <c:v>0.15909090909090909</c:v>
+              </c:pt>
+              <c:pt idx="3">
+                <c:v>0.27272727272727271</c:v>
+              </c:pt>
+              <c:pt idx="4">
+                <c:v>0</c:v>
+              </c:pt>
+              <c:pt idx="5">
+                <c:v>0.27272727272727271</c:v>
+              </c:pt>
+              <c:pt idx="6">
+                <c:v>0</c:v>
+              </c:pt>
+            </c:numLit>
+          </c:val>
+          <c:extLst>
+            <c:ext xmlns:c16="http://schemas.microsoft.com/office/drawing/2014/chart" uri="{C3380CC4-5D6E-409C-BE32-E72D297353CC}">
+              <c16:uniqueId val="{00000001-E568-40EC-B2C8-DA8A7B1E737B}"/>
+            </c:ext>
+          </c:extLst>
+        </c:ser>
+        <c:ser>
+          <c:idx val="2"/>
+          <c:order val="2"/>
+          <c:tx>
+            <c:strRef>
+              <c:f>"Incomplete (Needs More Investigation)"</c:f>
+            </c:strRef>
+          </c:tx>
+          <c:spPr>
+            <a:solidFill>
+              <a:schemeClr val="accent3"/>
+            </a:solidFill>
+            <a:ln>
+              <a:noFill/>
+            </a:ln>
+            <a:effectLst/>
+          </c:spPr>
+          <c:invertIfNegative val="0"/>
+          <c:cat>
+            <c:strLit>
+              <c:ptCount val="7"/>
+              <c:pt idx="0">
+                <c:v>Apollo</c:v>
+              </c:pt>
+              <c:pt idx="1">
+                <c:v>Ares</c:v>
+              </c:pt>
+              <c:pt idx="2">
+                <c:v>Freyja</c:v>
+              </c:pt>
+              <c:pt idx="3">
+                <c:v>Hera</c:v>
+              </c:pt>
+              <c:pt idx="4">
+                <c:v>Odin</c:v>
+              </c:pt>
+              <c:pt idx="5">
+                <c:v>Thor</c:v>
+              </c:pt>
+              <c:pt idx="6">
+                <c:v>Zeus</c:v>
+              </c:pt>
+            </c:strLit>
+          </c:cat>
+          <c:val>
+            <c:numLit>
+              <c:formatCode>General</c:formatCode>
+              <c:ptCount val="7"/>
+              <c:pt idx="0">
+                <c:v>0</c:v>
+              </c:pt>
+              <c:pt idx="1">
+                <c:v>0</c:v>
+              </c:pt>
+              <c:pt idx="2">
+                <c:v>0.27272727272727271</c:v>
+              </c:pt>
+              <c:pt idx="3">
+                <c:v>0.13636363636363635</c:v>
+              </c:pt>
+              <c:pt idx="4">
+                <c:v>0</c:v>
+              </c:pt>
+              <c:pt idx="5">
+                <c:v>0.15909090909090909</c:v>
+              </c:pt>
+              <c:pt idx="6">
+                <c:v>0.15909090909090909</c:v>
+              </c:pt>
+            </c:numLit>
+          </c:val>
+          <c:extLst>
+            <c:ext xmlns:c16="http://schemas.microsoft.com/office/drawing/2014/chart" uri="{C3380CC4-5D6E-409C-BE32-E72D297353CC}">
+              <c16:uniqueId val="{00000002-E568-40EC-B2C8-DA8A7B1E737B}"/>
+            </c:ext>
+          </c:extLst>
+        </c:ser>
+        <c:ser>
+          <c:idx val="3"/>
+          <c:order val="3"/>
+          <c:tx>
+            <c:strRef>
+              <c:f>"Not Good"</c:f>
+            </c:strRef>
+          </c:tx>
+          <c:spPr>
+            <a:solidFill>
+              <a:schemeClr val="accent4"/>
+            </a:solidFill>
+            <a:ln>
+              <a:noFill/>
+            </a:ln>
+            <a:effectLst/>
+          </c:spPr>
+          <c:invertIfNegative val="0"/>
+          <c:cat>
+            <c:strLit>
+              <c:ptCount val="7"/>
+              <c:pt idx="0">
+                <c:v>Apollo</c:v>
+              </c:pt>
+              <c:pt idx="1">
+                <c:v>Ares</c:v>
+              </c:pt>
+              <c:pt idx="2">
+                <c:v>Freyja</c:v>
+              </c:pt>
+              <c:pt idx="3">
+                <c:v>Hera</c:v>
+              </c:pt>
+              <c:pt idx="4">
+                <c:v>Odin</c:v>
+              </c:pt>
+              <c:pt idx="5">
+                <c:v>Thor</c:v>
+              </c:pt>
+              <c:pt idx="6">
+                <c:v>Zeus</c:v>
+              </c:pt>
+            </c:strLit>
+          </c:cat>
+          <c:val>
+            <c:numLit>
+              <c:formatCode>General</c:formatCode>
+              <c:ptCount val="7"/>
+              <c:pt idx="0">
+                <c:v>0.27906976744186046</c:v>
+              </c:pt>
+              <c:pt idx="1">
+                <c:v>0.29545454545454547</c:v>
+              </c:pt>
+              <c:pt idx="2">
+                <c:v>0.13636363636363635</c:v>
+              </c:pt>
+              <c:pt idx="3">
+                <c:v>0.29545454545454547</c:v>
+              </c:pt>
+              <c:pt idx="4">
+                <c:v>0.29545454545454547</c:v>
+              </c:pt>
+              <c:pt idx="5">
+                <c:v>0.27272727272727271</c:v>
+              </c:pt>
+              <c:pt idx="6">
+                <c:v>0.27272727272727271</c:v>
+              </c:pt>
+            </c:numLit>
+          </c:val>
+          <c:extLst>
+            <c:ext xmlns:c16="http://schemas.microsoft.com/office/drawing/2014/chart" uri="{C3380CC4-5D6E-409C-BE32-E72D297353CC}">
+              <c16:uniqueId val="{00000003-E568-40EC-B2C8-DA8A7B1E737B}"/>
+            </c:ext>
+          </c:extLst>
+        </c:ser>
+        <c:dLbls>
+          <c:showLegendKey val="0"/>
+          <c:showVal val="0"/>
+          <c:showCatName val="0"/>
+          <c:showSerName val="0"/>
+          <c:showPercent val="0"/>
+          <c:showBubbleSize val="0"/>
+        </c:dLbls>
+        <c:gapWidth val="219"/>
+        <c:overlap val="-27"/>
+        <c:axId val="241747608"/>
+        <c:axId val="241747936"/>
+      </c:barChart>
+      <c:catAx>
+        <c:axId val="241747608"/>
+        <c:scaling>
+          <c:orientation val="minMax"/>
+        </c:scaling>
+        <c:delete val="0"/>
+        <c:axPos val="b"/>
+        <c:numFmt formatCode="General" sourceLinked="1"/>
+        <c:majorTickMark val="none"/>
+        <c:minorTickMark val="none"/>
+        <c:tickLblPos val="nextTo"/>
+        <c:spPr>
+          <a:noFill/>
+          <a:ln w="9525" cap="flat" cmpd="sng" algn="ctr">
+            <a:solidFill>
+              <a:schemeClr val="tx1">
+                <a:lumMod val="15000"/>
+                <a:lumOff val="85000"/>
+              </a:schemeClr>
+            </a:solidFill>
+            <a:round/>
+          </a:ln>
+          <a:effectLst/>
+        </c:spPr>
+        <c:txPr>
+          <a:bodyPr rot="-60000000" spcFirstLastPara="1" vertOverflow="ellipsis" vert="horz" wrap="square" anchor="ctr" anchorCtr="1"/>
+          <a:lstStyle/>
+          <a:p>
+            <a:pPr>
+              <a:defRPr sz="900" b="0" i="0" u="none" strike="noStrike" kern="1200" baseline="0">
+                <a:solidFill>
+                  <a:schemeClr val="tx1">
+                    <a:lumMod val="65000"/>
+                    <a:lumOff val="35000"/>
+                  </a:schemeClr>
+                </a:solidFill>
+                <a:latin typeface="+mn-lt"/>
+                <a:ea typeface="+mn-ea"/>
+                <a:cs typeface="+mn-cs"/>
+              </a:defRPr>
+            </a:pPr>
+            <a:endParaRPr lang="en-US"/>
+          </a:p>
+        </c:txPr>
+        <c:crossAx val="241747936"/>
+        <c:crosses val="autoZero"/>
+        <c:auto val="1"/>
+        <c:lblAlgn val="ctr"/>
+        <c:lblOffset val="100"/>
+        <c:noMultiLvlLbl val="0"/>
+      </c:catAx>
+      <c:valAx>
+        <c:axId val="241747936"/>
+        <c:scaling>
+          <c:orientation val="minMax"/>
+        </c:scaling>
+        <c:delete val="0"/>
+        <c:axPos val="l"/>
+        <c:majorGridlines>
+          <c:spPr>
+            <a:ln w="9525" cap="flat" cmpd="sng" algn="ctr">
+              <a:solidFill>
+                <a:schemeClr val="tx1">
+                  <a:lumMod val="15000"/>
+                  <a:lumOff val="85000"/>
+                </a:schemeClr>
+              </a:solidFill>
+              <a:round/>
+            </a:ln>
+            <a:effectLst/>
+          </c:spPr>
+        </c:majorGridlines>
+        <c:numFmt formatCode="0.00%" sourceLinked="1"/>
+        <c:majorTickMark val="none"/>
+        <c:minorTickMark val="none"/>
+        <c:tickLblPos val="nextTo"/>
+        <c:spPr>
+          <a:noFill/>
+          <a:ln>
+            <a:noFill/>
+          </a:ln>
+          <a:effectLst/>
+        </c:spPr>
+        <c:txPr>
+          <a:bodyPr rot="-60000000" spcFirstLastPara="1" vertOverflow="ellipsis" vert="horz" wrap="square" anchor="ctr" anchorCtr="1"/>
+          <a:lstStyle/>
+          <a:p>
+            <a:pPr>
+              <a:defRPr sz="900" b="0" i="0" u="none" strike="noStrike" kern="1200" baseline="0">
+                <a:solidFill>
+                  <a:schemeClr val="tx1">
+                    <a:lumMod val="65000"/>
+                    <a:lumOff val="35000"/>
+                  </a:schemeClr>
+                </a:solidFill>
+                <a:latin typeface="+mn-lt"/>
+                <a:ea typeface="+mn-ea"/>
+                <a:cs typeface="+mn-cs"/>
+              </a:defRPr>
+            </a:pPr>
+            <a:endParaRPr lang="en-US"/>
+          </a:p>
+        </c:txPr>
+        <c:crossAx val="241747608"/>
+        <c:crosses val="autoZero"/>
+        <c:crossBetween val="between"/>
+      </c:valAx>
+      <c:spPr>
+        <a:noFill/>
+        <a:ln>
+          <a:noFill/>
+        </a:ln>
+        <a:effectLst/>
+      </c:spPr>
+    </c:plotArea>
+    <c:legend>
+      <c:legendPos val="r"/>
+      <c:overlay val="0"/>
+      <c:spPr>
+        <a:noFill/>
+        <a:ln>
+          <a:noFill/>
+        </a:ln>
+        <a:effectLst/>
+      </c:spPr>
+      <c:txPr>
+        <a:bodyPr rot="0" spcFirstLastPara="1" vertOverflow="ellipsis" vert="horz" wrap="square" anchor="ctr" anchorCtr="1"/>
+        <a:lstStyle/>
+        <a:p>
+          <a:pPr>
+            <a:defRPr sz="900" b="0" i="0" u="none" strike="noStrike" kern="1200" baseline="0">
+              <a:solidFill>
+                <a:schemeClr val="tx1">
+                  <a:lumMod val="65000"/>
+                  <a:lumOff val="35000"/>
+                </a:schemeClr>
+              </a:solidFill>
+              <a:latin typeface="+mn-lt"/>
+              <a:ea typeface="+mn-ea"/>
+              <a:cs typeface="+mn-cs"/>
+            </a:defRPr>
+          </a:pPr>
+          <a:endParaRPr lang="en-US"/>
+        </a:p>
+      </c:txPr>
+    </c:legend>
+    <c:plotVisOnly val="1"/>
+    <c:dispBlanksAs val="gap"/>
+    <c:showDLblsOverMax val="0"/>
+  </c:chart>
+  <c:spPr>
+    <a:noFill/>
+    <a:ln>
+      <a:noFill/>
+    </a:ln>
+    <a:effectLst/>
+  </c:spPr>
+  <c:txPr>
+    <a:bodyPr/>
+    <a:lstStyle/>
+    <a:p>
+      <a:pPr>
+        <a:defRPr/>
+      </a:pPr>
+      <a:endParaRPr lang="en-US"/>
+    </a:p>
+  </c:txPr>
+  <c:externalData r:id="rId3">
+    <c:autoUpdate val="0"/>
+  </c:externalData>
+  <c:extLst/>
+</c:chartSpace>
+</file>
+
+<file path=ppt/charts/chart3.xml><?xml version="1.0" encoding="utf-8"?>
+<c:chartSpace xmlns:c="http://schemas.openxmlformats.org/drawingml/2006/chart" xmlns:a="http://schemas.openxmlformats.org/drawingml/2006/main" xmlns:r="http://schemas.openxmlformats.org/officeDocument/2006/relationships" xmlns:c16r2="http://schemas.microsoft.com/office/drawing/2015/06/chart">
+  <c:date1904 val="0"/>
+  <c:lang val="en-US"/>
+  <c:roundedCorners val="0"/>
+  <mc:AlternateContent xmlns:mc="http://schemas.openxmlformats.org/markup-compatibility/2006">
+    <mc:Choice xmlns:c14="http://schemas.microsoft.com/office/drawing/2007/8/2/chart" Requires="c14">
+      <c14:style val="102"/>
+    </mc:Choice>
+    <mc:Fallback>
+      <c:style val="2"/>
+    </mc:Fallback>
+  </mc:AlternateContent>
+  <c:chart>
+    <c:autoTitleDeleted val="0"/>
+    <c:pivotFmts>
+      <c:pivotFmt>
+        <c:idx val="0"/>
+        <c:spPr>
+          <a:solidFill>
+            <a:schemeClr val="accent1"/>
+          </a:solidFill>
+          <a:ln>
+            <a:noFill/>
+          </a:ln>
+          <a:effectLst/>
+        </c:spPr>
+        <c:marker>
+          <c:symbol val="none"/>
+        </c:marker>
+      </c:pivotFmt>
+      <c:pivotFmt>
+        <c:idx val="1"/>
+        <c:spPr>
+          <a:solidFill>
+            <a:schemeClr val="accent1"/>
+          </a:solidFill>
+          <a:ln>
+            <a:noFill/>
+          </a:ln>
+          <a:effectLst/>
+        </c:spPr>
+        <c:marker>
+          <c:symbol val="none"/>
+        </c:marker>
+      </c:pivotFmt>
+      <c:pivotFmt>
+        <c:idx val="2"/>
+        <c:spPr>
+          <a:solidFill>
+            <a:schemeClr val="accent1"/>
+          </a:solidFill>
+          <a:ln>
+            <a:noFill/>
+          </a:ln>
+          <a:effectLst/>
+        </c:spPr>
+        <c:marker>
+          <c:symbol val="none"/>
+        </c:marker>
+      </c:pivotFmt>
+      <c:pivotFmt>
+        <c:idx val="3"/>
+        <c:spPr>
+          <a:solidFill>
+            <a:schemeClr val="accent1"/>
+          </a:solidFill>
+          <a:ln>
+            <a:noFill/>
+          </a:ln>
+          <a:effectLst/>
+        </c:spPr>
+        <c:marker>
+          <c:symbol val="none"/>
+        </c:marker>
+      </c:pivotFmt>
+      <c:pivotFmt>
+        <c:idx val="4"/>
+        <c:spPr>
+          <a:solidFill>
+            <a:schemeClr val="accent1"/>
+          </a:solidFill>
+          <a:ln>
+            <a:noFill/>
+          </a:ln>
+          <a:effectLst/>
+        </c:spPr>
+        <c:marker>
+          <c:symbol val="none"/>
+        </c:marker>
+      </c:pivotFmt>
+      <c:pivotFmt>
+        <c:idx val="5"/>
+        <c:spPr>
+          <a:solidFill>
+            <a:schemeClr val="accent1"/>
+          </a:solidFill>
+          <a:ln>
+            <a:noFill/>
+          </a:ln>
+          <a:effectLst/>
+        </c:spPr>
+        <c:marker>
+          <c:symbol val="none"/>
+        </c:marker>
+      </c:pivotFmt>
+      <c:pivotFmt>
+        <c:idx val="6"/>
+        <c:spPr>
+          <a:solidFill>
+            <a:schemeClr val="accent1"/>
+          </a:solidFill>
+          <a:ln>
+            <a:noFill/>
+          </a:ln>
+          <a:effectLst/>
+        </c:spPr>
+        <c:marker>
+          <c:symbol val="none"/>
+        </c:marker>
+      </c:pivotFmt>
+      <c:pivotFmt>
+        <c:idx val="7"/>
+        <c:spPr>
+          <a:solidFill>
+            <a:schemeClr val="accent1"/>
+          </a:solidFill>
+          <a:ln>
+            <a:noFill/>
+          </a:ln>
+          <a:effectLst/>
+        </c:spPr>
+        <c:marker>
+          <c:symbol val="none"/>
+        </c:marker>
+      </c:pivotFmt>
+      <c:pivotFmt>
+        <c:idx val="8"/>
+        <c:spPr>
+          <a:solidFill>
+            <a:schemeClr val="accent1"/>
+          </a:solidFill>
+          <a:ln>
+            <a:noFill/>
+          </a:ln>
+          <a:effectLst/>
+        </c:spPr>
+        <c:marker>
+          <c:symbol val="none"/>
+        </c:marker>
+      </c:pivotFmt>
+      <c:pivotFmt>
+        <c:idx val="9"/>
+        <c:spPr>
+          <a:solidFill>
+            <a:schemeClr val="accent1"/>
+          </a:solidFill>
+          <a:ln>
+            <a:noFill/>
+          </a:ln>
+          <a:effectLst/>
+        </c:spPr>
+        <c:marker>
+          <c:symbol val="none"/>
+        </c:marker>
+      </c:pivotFmt>
+      <c:pivotFmt>
+        <c:idx val="10"/>
+        <c:spPr>
+          <a:solidFill>
+            <a:schemeClr val="accent1"/>
+          </a:solidFill>
+          <a:ln>
+            <a:noFill/>
+          </a:ln>
+          <a:effectLst/>
+        </c:spPr>
+        <c:marker>
+          <c:symbol val="none"/>
+        </c:marker>
+      </c:pivotFmt>
+      <c:pivotFmt>
+        <c:idx val="11"/>
+        <c:spPr>
+          <a:solidFill>
+            <a:schemeClr val="accent1"/>
+          </a:solidFill>
+          <a:ln>
+            <a:noFill/>
+          </a:ln>
+          <a:effectLst/>
+        </c:spPr>
+        <c:marker>
+          <c:symbol val="none"/>
+        </c:marker>
+      </c:pivotFmt>
+    </c:pivotFmts>
+    <c:plotArea>
+      <c:layout/>
+      <c:barChart>
+        <c:barDir val="col"/>
+        <c:grouping val="clustered"/>
+        <c:varyColors val="0"/>
+        <c:ser>
+          <c:idx val="0"/>
+          <c:order val="0"/>
+          <c:tx>
+            <c:strRef>
+              <c:f>"Excellent"</c:f>
+            </c:strRef>
+          </c:tx>
+          <c:spPr>
+            <a:solidFill>
+              <a:schemeClr val="accent1"/>
+            </a:solidFill>
+            <a:ln>
+              <a:noFill/>
+            </a:ln>
+            <a:effectLst/>
+          </c:spPr>
+          <c:invertIfNegative val="0"/>
+          <c:cat>
+            <c:strLit>
+              <c:ptCount val="7"/>
+              <c:pt idx="0">
+                <c:v>Apollo</c:v>
+              </c:pt>
+              <c:pt idx="1">
+                <c:v>Ares</c:v>
+              </c:pt>
+              <c:pt idx="2">
+                <c:v>Freyja</c:v>
+              </c:pt>
+              <c:pt idx="3">
+                <c:v>Hera</c:v>
+              </c:pt>
+              <c:pt idx="4">
+                <c:v>Odin</c:v>
+              </c:pt>
+              <c:pt idx="5">
+                <c:v>Thor</c:v>
+              </c:pt>
+              <c:pt idx="6">
+                <c:v>Zeus</c:v>
+              </c:pt>
+            </c:strLit>
+          </c:cat>
+          <c:val>
+            <c:numLit>
+              <c:formatCode>General</c:formatCode>
+              <c:ptCount val="7"/>
+              <c:pt idx="0">
+                <c:v>0.44186046511627908</c:v>
+              </c:pt>
+              <c:pt idx="1">
+                <c:v>0.70454545454545459</c:v>
+              </c:pt>
+              <c:pt idx="2">
+                <c:v>0.43181818181818182</c:v>
+              </c:pt>
+              <c:pt idx="3">
+                <c:v>0.29545454545454547</c:v>
+              </c:pt>
+              <c:pt idx="4">
+                <c:v>0.70454545454545459</c:v>
+              </c:pt>
+              <c:pt idx="5">
+                <c:v>0.29545454545454547</c:v>
+              </c:pt>
+              <c:pt idx="6">
+                <c:v>0.56818181818181823</c:v>
+              </c:pt>
+            </c:numLit>
+          </c:val>
+          <c:extLst>
+            <c:ext xmlns:c16="http://schemas.microsoft.com/office/drawing/2014/chart" uri="{C3380CC4-5D6E-409C-BE32-E72D297353CC}">
+              <c16:uniqueId val="{00000000-26BE-411A-9446-BFC2480D4618}"/>
+            </c:ext>
+          </c:extLst>
+        </c:ser>
+        <c:ser>
+          <c:idx val="1"/>
+          <c:order val="1"/>
+          <c:tx>
+            <c:strRef>
+              <c:f>"Good"</c:f>
+            </c:strRef>
+          </c:tx>
+          <c:spPr>
+            <a:solidFill>
+              <a:schemeClr val="accent2"/>
+            </a:solidFill>
+            <a:ln>
+              <a:noFill/>
+            </a:ln>
+            <a:effectLst/>
+          </c:spPr>
+          <c:invertIfNegative val="0"/>
+          <c:cat>
+            <c:strLit>
+              <c:ptCount val="7"/>
+              <c:pt idx="0">
+                <c:v>Apollo</c:v>
+              </c:pt>
+              <c:pt idx="1">
+                <c:v>Ares</c:v>
+              </c:pt>
+              <c:pt idx="2">
+                <c:v>Freyja</c:v>
+              </c:pt>
+              <c:pt idx="3">
+                <c:v>Hera</c:v>
+              </c:pt>
+              <c:pt idx="4">
+                <c:v>Odin</c:v>
+              </c:pt>
+              <c:pt idx="5">
+                <c:v>Thor</c:v>
+              </c:pt>
+              <c:pt idx="6">
+                <c:v>Zeus</c:v>
+              </c:pt>
+            </c:strLit>
+          </c:cat>
+          <c:val>
+            <c:numLit>
+              <c:formatCode>General</c:formatCode>
+              <c:ptCount val="7"/>
+              <c:pt idx="0">
+                <c:v>0.27906976744186046</c:v>
+              </c:pt>
+              <c:pt idx="1">
+                <c:v>0</c:v>
+              </c:pt>
+              <c:pt idx="2">
+                <c:v>0.15909090909090909</c:v>
+              </c:pt>
+              <c:pt idx="3">
+                <c:v>0.27272727272727271</c:v>
+              </c:pt>
+              <c:pt idx="4">
+                <c:v>0</c:v>
+              </c:pt>
+              <c:pt idx="5">
+                <c:v>0.27272727272727271</c:v>
+              </c:pt>
+              <c:pt idx="6">
+                <c:v>0</c:v>
+              </c:pt>
+            </c:numLit>
+          </c:val>
+          <c:extLst>
+            <c:ext xmlns:c16="http://schemas.microsoft.com/office/drawing/2014/chart" uri="{C3380CC4-5D6E-409C-BE32-E72D297353CC}">
+              <c16:uniqueId val="{00000001-26BE-411A-9446-BFC2480D4618}"/>
+            </c:ext>
+          </c:extLst>
+        </c:ser>
+        <c:ser>
+          <c:idx val="2"/>
+          <c:order val="2"/>
+          <c:tx>
+            <c:strRef>
+              <c:f>"Incomplete (Needs More Investigation)"</c:f>
+            </c:strRef>
+          </c:tx>
+          <c:spPr>
+            <a:solidFill>
+              <a:schemeClr val="accent3"/>
+            </a:solidFill>
+            <a:ln>
+              <a:noFill/>
+            </a:ln>
+            <a:effectLst/>
+          </c:spPr>
+          <c:invertIfNegative val="0"/>
+          <c:cat>
+            <c:strLit>
+              <c:ptCount val="7"/>
+              <c:pt idx="0">
+                <c:v>Apollo</c:v>
+              </c:pt>
+              <c:pt idx="1">
+                <c:v>Ares</c:v>
+              </c:pt>
+              <c:pt idx="2">
+                <c:v>Freyja</c:v>
+              </c:pt>
+              <c:pt idx="3">
+                <c:v>Hera</c:v>
+              </c:pt>
+              <c:pt idx="4">
+                <c:v>Odin</c:v>
+              </c:pt>
+              <c:pt idx="5">
+                <c:v>Thor</c:v>
+              </c:pt>
+              <c:pt idx="6">
+                <c:v>Zeus</c:v>
+              </c:pt>
+            </c:strLit>
+          </c:cat>
+          <c:val>
+            <c:numLit>
+              <c:formatCode>General</c:formatCode>
+              <c:ptCount val="7"/>
+              <c:pt idx="0">
+                <c:v>0</c:v>
+              </c:pt>
+              <c:pt idx="1">
+                <c:v>0</c:v>
+              </c:pt>
+              <c:pt idx="2">
+                <c:v>0.27272727272727271</c:v>
+              </c:pt>
+              <c:pt idx="3">
+                <c:v>0.13636363636363635</c:v>
+              </c:pt>
+              <c:pt idx="4">
+                <c:v>0</c:v>
+              </c:pt>
+              <c:pt idx="5">
+                <c:v>0.15909090909090909</c:v>
+              </c:pt>
+              <c:pt idx="6">
+                <c:v>0.15909090909090909</c:v>
+              </c:pt>
+            </c:numLit>
+          </c:val>
+          <c:extLst>
+            <c:ext xmlns:c16="http://schemas.microsoft.com/office/drawing/2014/chart" uri="{C3380CC4-5D6E-409C-BE32-E72D297353CC}">
+              <c16:uniqueId val="{00000002-26BE-411A-9446-BFC2480D4618}"/>
+            </c:ext>
+          </c:extLst>
+        </c:ser>
+        <c:ser>
+          <c:idx val="3"/>
+          <c:order val="3"/>
+          <c:tx>
+            <c:strRef>
+              <c:f>"Not Good"</c:f>
+            </c:strRef>
+          </c:tx>
+          <c:spPr>
+            <a:solidFill>
+              <a:schemeClr val="accent4"/>
+            </a:solidFill>
+            <a:ln>
+              <a:noFill/>
+            </a:ln>
+            <a:effectLst/>
+          </c:spPr>
+          <c:invertIfNegative val="0"/>
+          <c:cat>
+            <c:strLit>
+              <c:ptCount val="7"/>
+              <c:pt idx="0">
+                <c:v>Apollo</c:v>
+              </c:pt>
+              <c:pt idx="1">
+                <c:v>Ares</c:v>
+              </c:pt>
+              <c:pt idx="2">
+                <c:v>Freyja</c:v>
+              </c:pt>
+              <c:pt idx="3">
+                <c:v>Hera</c:v>
+              </c:pt>
+              <c:pt idx="4">
+                <c:v>Odin</c:v>
+              </c:pt>
+              <c:pt idx="5">
+                <c:v>Thor</c:v>
+              </c:pt>
+              <c:pt idx="6">
+                <c:v>Zeus</c:v>
+              </c:pt>
+            </c:strLit>
+          </c:cat>
+          <c:val>
+            <c:numLit>
+              <c:formatCode>General</c:formatCode>
+              <c:ptCount val="7"/>
+              <c:pt idx="0">
+                <c:v>0.27906976744186046</c:v>
+              </c:pt>
+              <c:pt idx="1">
+                <c:v>0.29545454545454547</c:v>
+              </c:pt>
+              <c:pt idx="2">
+                <c:v>0.13636363636363635</c:v>
+              </c:pt>
+              <c:pt idx="3">
+                <c:v>0.29545454545454547</c:v>
+              </c:pt>
+              <c:pt idx="4">
+                <c:v>0.29545454545454547</c:v>
+              </c:pt>
+              <c:pt idx="5">
+                <c:v>0.27272727272727271</c:v>
+              </c:pt>
+              <c:pt idx="6">
+                <c:v>0.27272727272727271</c:v>
+              </c:pt>
+            </c:numLit>
+          </c:val>
+          <c:extLst>
+            <c:ext xmlns:c16="http://schemas.microsoft.com/office/drawing/2014/chart" uri="{C3380CC4-5D6E-409C-BE32-E72D297353CC}">
+              <c16:uniqueId val="{00000003-26BE-411A-9446-BFC2480D4618}"/>
+            </c:ext>
+          </c:extLst>
+        </c:ser>
+        <c:dLbls>
+          <c:showLegendKey val="0"/>
+          <c:showVal val="0"/>
+          <c:showCatName val="0"/>
+          <c:showSerName val="0"/>
+          <c:showPercent val="0"/>
+          <c:showBubbleSize val="0"/>
+        </c:dLbls>
+        <c:gapWidth val="219"/>
+        <c:overlap val="-27"/>
+        <c:axId val="241747608"/>
+        <c:axId val="241747936"/>
+      </c:barChart>
+      <c:catAx>
+        <c:axId val="241747608"/>
+        <c:scaling>
+          <c:orientation val="minMax"/>
+        </c:scaling>
+        <c:delete val="0"/>
+        <c:axPos val="b"/>
+        <c:numFmt formatCode="General" sourceLinked="1"/>
+        <c:majorTickMark val="none"/>
+        <c:minorTickMark val="none"/>
+        <c:tickLblPos val="nextTo"/>
+        <c:spPr>
+          <a:noFill/>
+          <a:ln w="9525" cap="flat" cmpd="sng" algn="ctr">
+            <a:solidFill>
+              <a:schemeClr val="tx1">
+                <a:lumMod val="15000"/>
+                <a:lumOff val="85000"/>
+              </a:schemeClr>
+            </a:solidFill>
+            <a:round/>
+          </a:ln>
+          <a:effectLst/>
+        </c:spPr>
+        <c:txPr>
+          <a:bodyPr rot="-60000000" spcFirstLastPara="1" vertOverflow="ellipsis" vert="horz" wrap="square" anchor="ctr" anchorCtr="1"/>
+          <a:lstStyle/>
+          <a:p>
+            <a:pPr>
+              <a:defRPr sz="900" b="0" i="0" u="none" strike="noStrike" kern="1200" baseline="0">
+                <a:solidFill>
+                  <a:schemeClr val="tx1">
+                    <a:lumMod val="65000"/>
+                    <a:lumOff val="35000"/>
+                  </a:schemeClr>
+                </a:solidFill>
+                <a:latin typeface="+mn-lt"/>
+                <a:ea typeface="+mn-ea"/>
+                <a:cs typeface="+mn-cs"/>
+              </a:defRPr>
+            </a:pPr>
+            <a:endParaRPr lang="en-US"/>
+          </a:p>
+        </c:txPr>
+        <c:crossAx val="241747936"/>
+        <c:crosses val="autoZero"/>
+        <c:auto val="1"/>
+        <c:lblAlgn val="ctr"/>
+        <c:lblOffset val="100"/>
+        <c:noMultiLvlLbl val="0"/>
+      </c:catAx>
+      <c:valAx>
+        <c:axId val="241747936"/>
+        <c:scaling>
+          <c:orientation val="minMax"/>
+        </c:scaling>
+        <c:delete val="0"/>
+        <c:axPos val="l"/>
+        <c:majorGridlines>
+          <c:spPr>
+            <a:ln w="9525" cap="flat" cmpd="sng" algn="ctr">
+              <a:solidFill>
+                <a:schemeClr val="tx1">
+                  <a:lumMod val="15000"/>
+                  <a:lumOff val="85000"/>
+                </a:schemeClr>
+              </a:solidFill>
+              <a:round/>
+            </a:ln>
+            <a:effectLst/>
+          </c:spPr>
+        </c:majorGridlines>
+        <c:numFmt formatCode="0.00%" sourceLinked="1"/>
+        <c:majorTickMark val="none"/>
+        <c:minorTickMark val="none"/>
+        <c:tickLblPos val="nextTo"/>
+        <c:spPr>
+          <a:noFill/>
+          <a:ln>
+            <a:noFill/>
+          </a:ln>
+          <a:effectLst/>
+        </c:spPr>
+        <c:txPr>
+          <a:bodyPr rot="-60000000" spcFirstLastPara="1" vertOverflow="ellipsis" vert="horz" wrap="square" anchor="ctr" anchorCtr="1"/>
+          <a:lstStyle/>
+          <a:p>
+            <a:pPr>
+              <a:defRPr sz="900" b="0" i="0" u="none" strike="noStrike" kern="1200" baseline="0">
+                <a:solidFill>
+                  <a:schemeClr val="tx1">
+                    <a:lumMod val="65000"/>
+                    <a:lumOff val="35000"/>
+                  </a:schemeClr>
+                </a:solidFill>
+                <a:latin typeface="+mn-lt"/>
+                <a:ea typeface="+mn-ea"/>
+                <a:cs typeface="+mn-cs"/>
+              </a:defRPr>
+            </a:pPr>
+            <a:endParaRPr lang="en-US"/>
+          </a:p>
+        </c:txPr>
+        <c:crossAx val="241747608"/>
+        <c:crosses val="autoZero"/>
+        <c:crossBetween val="between"/>
+      </c:valAx>
+      <c:spPr>
+        <a:noFill/>
+        <a:ln>
+          <a:noFill/>
+        </a:ln>
+        <a:effectLst/>
+      </c:spPr>
+    </c:plotArea>
+    <c:legend>
+      <c:legendPos val="r"/>
+      <c:overlay val="0"/>
+      <c:spPr>
+        <a:noFill/>
+        <a:ln>
+          <a:noFill/>
+        </a:ln>
+        <a:effectLst/>
+      </c:spPr>
+      <c:txPr>
+        <a:bodyPr rot="0" spcFirstLastPara="1" vertOverflow="ellipsis" vert="horz" wrap="square" anchor="ctr" anchorCtr="1"/>
+        <a:lstStyle/>
+        <a:p>
+          <a:pPr>
+            <a:defRPr sz="900" b="0" i="0" u="none" strike="noStrike" kern="1200" baseline="0">
+              <a:solidFill>
+                <a:schemeClr val="tx1">
+                  <a:lumMod val="65000"/>
+                  <a:lumOff val="35000"/>
+                </a:schemeClr>
+              </a:solidFill>
+              <a:latin typeface="+mn-lt"/>
+              <a:ea typeface="+mn-ea"/>
+              <a:cs typeface="+mn-cs"/>
+            </a:defRPr>
+          </a:pPr>
+          <a:endParaRPr lang="en-US"/>
+        </a:p>
+      </c:txPr>
+    </c:legend>
+    <c:plotVisOnly val="1"/>
+    <c:dispBlanksAs val="gap"/>
+    <c:showDLblsOverMax val="0"/>
+  </c:chart>
+  <c:spPr>
+    <a:noFill/>
+    <a:ln>
+      <a:noFill/>
+    </a:ln>
+    <a:effectLst/>
+  </c:spPr>
+  <c:txPr>
+    <a:bodyPr/>
+    <a:lstStyle/>
+    <a:p>
+      <a:pPr>
+        <a:defRPr/>
+      </a:pPr>
+      <a:endParaRPr lang="en-US"/>
+    </a:p>
+  </c:txPr>
+  <c:externalData r:id="rId3">
+    <c:autoUpdate val="0"/>
+  </c:externalData>
+  <c:extLst/>
+</c:chartSpace>
+</file>
+
+<file path=ppt/charts/chart4.xml><?xml version="1.0" encoding="utf-8"?>
+<c:chartSpace xmlns:c="http://schemas.openxmlformats.org/drawingml/2006/chart" xmlns:a="http://schemas.openxmlformats.org/drawingml/2006/main" xmlns:r="http://schemas.openxmlformats.org/officeDocument/2006/relationships" xmlns:c16r2="http://schemas.microsoft.com/office/drawing/2015/06/chart">
+  <c:date1904 val="0"/>
+  <c:lang val="en-US"/>
+  <c:roundedCorners val="0"/>
+  <mc:AlternateContent xmlns:mc="http://schemas.openxmlformats.org/markup-compatibility/2006">
+    <mc:Choice xmlns:c14="http://schemas.microsoft.com/office/drawing/2007/8/2/chart" Requires="c14">
+      <c14:style val="102"/>
+    </mc:Choice>
+    <mc:Fallback>
+      <c:style val="2"/>
+    </mc:Fallback>
+  </mc:AlternateContent>
+  <c:chart>
+    <c:autoTitleDeleted val="0"/>
+    <c:pivotFmts>
+      <c:pivotFmt>
+        <c:idx val="0"/>
+        <c:spPr>
+          <a:solidFill>
+            <a:schemeClr val="accent1"/>
+          </a:solidFill>
+          <a:ln>
+            <a:noFill/>
+          </a:ln>
+          <a:effectLst/>
+        </c:spPr>
+        <c:marker>
+          <c:symbol val="none"/>
+        </c:marker>
+      </c:pivotFmt>
+      <c:pivotFmt>
+        <c:idx val="1"/>
+        <c:spPr>
+          <a:solidFill>
+            <a:schemeClr val="accent1"/>
+          </a:solidFill>
+          <a:ln>
+            <a:noFill/>
+          </a:ln>
+          <a:effectLst/>
+        </c:spPr>
+        <c:marker>
+          <c:symbol val="none"/>
+        </c:marker>
+      </c:pivotFmt>
+      <c:pivotFmt>
+        <c:idx val="2"/>
+        <c:spPr>
+          <a:solidFill>
+            <a:schemeClr val="accent1"/>
+          </a:solidFill>
+          <a:ln>
+            <a:noFill/>
+          </a:ln>
+          <a:effectLst/>
+        </c:spPr>
+        <c:marker>
+          <c:symbol val="none"/>
+        </c:marker>
+      </c:pivotFmt>
+      <c:pivotFmt>
+        <c:idx val="3"/>
+        <c:spPr>
+          <a:solidFill>
+            <a:schemeClr val="accent1"/>
+          </a:solidFill>
+          <a:ln>
+            <a:noFill/>
+          </a:ln>
+          <a:effectLst/>
+        </c:spPr>
+        <c:marker>
+          <c:symbol val="none"/>
+        </c:marker>
+      </c:pivotFmt>
+      <c:pivotFmt>
+        <c:idx val="4"/>
+        <c:spPr>
+          <a:solidFill>
+            <a:schemeClr val="accent1"/>
+          </a:solidFill>
+          <a:ln>
+            <a:noFill/>
+          </a:ln>
+          <a:effectLst/>
+        </c:spPr>
+        <c:marker>
+          <c:symbol val="none"/>
+        </c:marker>
+      </c:pivotFmt>
+      <c:pivotFmt>
+        <c:idx val="5"/>
+        <c:spPr>
+          <a:solidFill>
+            <a:schemeClr val="accent1"/>
+          </a:solidFill>
+          <a:ln>
+            <a:noFill/>
+          </a:ln>
+          <a:effectLst/>
+        </c:spPr>
+        <c:marker>
+          <c:symbol val="none"/>
+        </c:marker>
+      </c:pivotFmt>
+      <c:pivotFmt>
+        <c:idx val="6"/>
+        <c:spPr>
+          <a:solidFill>
+            <a:schemeClr val="accent1"/>
+          </a:solidFill>
+          <a:ln>
+            <a:noFill/>
+          </a:ln>
+          <a:effectLst/>
+        </c:spPr>
+        <c:marker>
+          <c:symbol val="none"/>
+        </c:marker>
+      </c:pivotFmt>
+      <c:pivotFmt>
+        <c:idx val="7"/>
+        <c:spPr>
+          <a:solidFill>
+            <a:schemeClr val="accent1"/>
+          </a:solidFill>
+          <a:ln>
+            <a:noFill/>
+          </a:ln>
+          <a:effectLst/>
+        </c:spPr>
+        <c:marker>
+          <c:symbol val="none"/>
+        </c:marker>
+      </c:pivotFmt>
+      <c:pivotFmt>
+        <c:idx val="8"/>
+        <c:spPr>
+          <a:solidFill>
+            <a:schemeClr val="accent1"/>
+          </a:solidFill>
+          <a:ln>
+            <a:noFill/>
+          </a:ln>
+          <a:effectLst/>
+        </c:spPr>
+        <c:marker>
+          <c:symbol val="none"/>
+        </c:marker>
+      </c:pivotFmt>
+      <c:pivotFmt>
+        <c:idx val="9"/>
+        <c:spPr>
+          <a:solidFill>
+            <a:schemeClr val="accent1"/>
+          </a:solidFill>
+          <a:ln>
+            <a:noFill/>
+          </a:ln>
+          <a:effectLst/>
+        </c:spPr>
+        <c:marker>
+          <c:symbol val="none"/>
+        </c:marker>
+      </c:pivotFmt>
+      <c:pivotFmt>
+        <c:idx val="10"/>
+        <c:spPr>
+          <a:solidFill>
+            <a:schemeClr val="accent1"/>
+          </a:solidFill>
+          <a:ln>
+            <a:noFill/>
+          </a:ln>
+          <a:effectLst/>
+        </c:spPr>
+        <c:marker>
+          <c:symbol val="none"/>
+        </c:marker>
+      </c:pivotFmt>
+      <c:pivotFmt>
+        <c:idx val="11"/>
+        <c:spPr>
+          <a:solidFill>
+            <a:schemeClr val="accent1"/>
+          </a:solidFill>
+          <a:ln>
+            <a:noFill/>
+          </a:ln>
+          <a:effectLst/>
+        </c:spPr>
+        <c:marker>
+          <c:symbol val="none"/>
+        </c:marker>
+      </c:pivotFmt>
+    </c:pivotFmts>
+    <c:plotArea>
+      <c:layout/>
+      <c:barChart>
+        <c:barDir val="col"/>
+        <c:grouping val="clustered"/>
+        <c:varyColors val="0"/>
+        <c:ser>
+          <c:idx val="0"/>
+          <c:order val="0"/>
+          <c:tx>
+            <c:strRef>
+              <c:f>"Excellent"</c:f>
+            </c:strRef>
+          </c:tx>
+          <c:spPr>
+            <a:solidFill>
+              <a:schemeClr val="accent1"/>
+            </a:solidFill>
+            <a:ln>
+              <a:noFill/>
+            </a:ln>
+            <a:effectLst/>
+          </c:spPr>
+          <c:invertIfNegative val="0"/>
+          <c:cat>
+            <c:strLit>
+              <c:ptCount val="7"/>
+              <c:pt idx="0">
+                <c:v>Apollo</c:v>
+              </c:pt>
+              <c:pt idx="1">
+                <c:v>Ares</c:v>
+              </c:pt>
+              <c:pt idx="2">
+                <c:v>Freyja</c:v>
+              </c:pt>
+              <c:pt idx="3">
+                <c:v>Hera</c:v>
+              </c:pt>
+              <c:pt idx="4">
+                <c:v>Odin</c:v>
+              </c:pt>
+              <c:pt idx="5">
+                <c:v>Thor</c:v>
+              </c:pt>
+              <c:pt idx="6">
+                <c:v>Zeus</c:v>
+              </c:pt>
+            </c:strLit>
+          </c:cat>
+          <c:val>
+            <c:numLit>
+              <c:formatCode>General</c:formatCode>
+              <c:ptCount val="7"/>
+              <c:pt idx="0">
+                <c:v>0.44186046511627908</c:v>
+              </c:pt>
+              <c:pt idx="1">
+                <c:v>0.70454545454545459</c:v>
+              </c:pt>
+              <c:pt idx="2">
+                <c:v>0.43181818181818182</c:v>
+              </c:pt>
+              <c:pt idx="3">
+                <c:v>0.29545454545454547</c:v>
+              </c:pt>
+              <c:pt idx="4">
+                <c:v>0.70454545454545459</c:v>
+              </c:pt>
+              <c:pt idx="5">
+                <c:v>0.29545454545454547</c:v>
+              </c:pt>
+              <c:pt idx="6">
+                <c:v>0.56818181818181823</c:v>
+              </c:pt>
+            </c:numLit>
+          </c:val>
+          <c:extLst>
+            <c:ext xmlns:c16="http://schemas.microsoft.com/office/drawing/2014/chart" uri="{C3380CC4-5D6E-409C-BE32-E72D297353CC}">
+              <c16:uniqueId val="{00000000-6FC2-47E4-B80E-D8E456614277}"/>
+            </c:ext>
+          </c:extLst>
+        </c:ser>
+        <c:ser>
+          <c:idx val="1"/>
+          <c:order val="1"/>
+          <c:tx>
+            <c:strRef>
+              <c:f>"Good"</c:f>
+            </c:strRef>
+          </c:tx>
+          <c:spPr>
+            <a:solidFill>
+              <a:schemeClr val="accent2"/>
+            </a:solidFill>
+            <a:ln>
+              <a:noFill/>
+            </a:ln>
+            <a:effectLst/>
+          </c:spPr>
+          <c:invertIfNegative val="0"/>
+          <c:cat>
+            <c:strLit>
+              <c:ptCount val="7"/>
+              <c:pt idx="0">
+                <c:v>Apollo</c:v>
+              </c:pt>
+              <c:pt idx="1">
+                <c:v>Ares</c:v>
+              </c:pt>
+              <c:pt idx="2">
+                <c:v>Freyja</c:v>
+              </c:pt>
+              <c:pt idx="3">
+                <c:v>Hera</c:v>
+              </c:pt>
+              <c:pt idx="4">
+                <c:v>Odin</c:v>
+              </c:pt>
+              <c:pt idx="5">
+                <c:v>Thor</c:v>
+              </c:pt>
+              <c:pt idx="6">
+                <c:v>Zeus</c:v>
+              </c:pt>
+            </c:strLit>
+          </c:cat>
+          <c:val>
+            <c:numLit>
+              <c:formatCode>General</c:formatCode>
+              <c:ptCount val="7"/>
+              <c:pt idx="0">
+                <c:v>0.27906976744186046</c:v>
+              </c:pt>
+              <c:pt idx="1">
+                <c:v>0</c:v>
+              </c:pt>
+              <c:pt idx="2">
+                <c:v>0.15909090909090909</c:v>
+              </c:pt>
+              <c:pt idx="3">
+                <c:v>0.27272727272727271</c:v>
+              </c:pt>
+              <c:pt idx="4">
+                <c:v>0</c:v>
+              </c:pt>
+              <c:pt idx="5">
+                <c:v>0.27272727272727271</c:v>
+              </c:pt>
+              <c:pt idx="6">
+                <c:v>0</c:v>
+              </c:pt>
+            </c:numLit>
+          </c:val>
+          <c:extLst>
+            <c:ext xmlns:c16="http://schemas.microsoft.com/office/drawing/2014/chart" uri="{C3380CC4-5D6E-409C-BE32-E72D297353CC}">
+              <c16:uniqueId val="{00000001-6FC2-47E4-B80E-D8E456614277}"/>
+            </c:ext>
+          </c:extLst>
+        </c:ser>
+        <c:ser>
+          <c:idx val="2"/>
+          <c:order val="2"/>
+          <c:tx>
+            <c:strRef>
+              <c:f>"Incomplete (Needs More Investigation)"</c:f>
+            </c:strRef>
+          </c:tx>
+          <c:spPr>
+            <a:solidFill>
+              <a:schemeClr val="accent3"/>
+            </a:solidFill>
+            <a:ln>
+              <a:noFill/>
+            </a:ln>
+            <a:effectLst/>
+          </c:spPr>
+          <c:invertIfNegative val="0"/>
+          <c:cat>
+            <c:strLit>
+              <c:ptCount val="7"/>
+              <c:pt idx="0">
+                <c:v>Apollo</c:v>
+              </c:pt>
+              <c:pt idx="1">
+                <c:v>Ares</c:v>
+              </c:pt>
+              <c:pt idx="2">
+                <c:v>Freyja</c:v>
+              </c:pt>
+              <c:pt idx="3">
+                <c:v>Hera</c:v>
+              </c:pt>
+              <c:pt idx="4">
+                <c:v>Odin</c:v>
+              </c:pt>
+              <c:pt idx="5">
+                <c:v>Thor</c:v>
+              </c:pt>
+              <c:pt idx="6">
+                <c:v>Zeus</c:v>
+              </c:pt>
+            </c:strLit>
+          </c:cat>
+          <c:val>
+            <c:numLit>
+              <c:formatCode>General</c:formatCode>
+              <c:ptCount val="7"/>
+              <c:pt idx="0">
+                <c:v>0</c:v>
+              </c:pt>
+              <c:pt idx="1">
+                <c:v>0</c:v>
+              </c:pt>
+              <c:pt idx="2">
+                <c:v>0.27272727272727271</c:v>
+              </c:pt>
+              <c:pt idx="3">
+                <c:v>0.13636363636363635</c:v>
+              </c:pt>
+              <c:pt idx="4">
+                <c:v>0</c:v>
+              </c:pt>
+              <c:pt idx="5">
+                <c:v>0.15909090909090909</c:v>
+              </c:pt>
+              <c:pt idx="6">
+                <c:v>0.15909090909090909</c:v>
+              </c:pt>
+            </c:numLit>
+          </c:val>
+          <c:extLst>
+            <c:ext xmlns:c16="http://schemas.microsoft.com/office/drawing/2014/chart" uri="{C3380CC4-5D6E-409C-BE32-E72D297353CC}">
+              <c16:uniqueId val="{00000002-6FC2-47E4-B80E-D8E456614277}"/>
+            </c:ext>
+          </c:extLst>
+        </c:ser>
+        <c:ser>
+          <c:idx val="3"/>
+          <c:order val="3"/>
+          <c:tx>
+            <c:strRef>
+              <c:f>"Not Good"</c:f>
+            </c:strRef>
+          </c:tx>
+          <c:spPr>
+            <a:solidFill>
+              <a:schemeClr val="accent4"/>
+            </a:solidFill>
+            <a:ln>
+              <a:noFill/>
+            </a:ln>
+            <a:effectLst/>
+          </c:spPr>
+          <c:invertIfNegative val="0"/>
+          <c:cat>
+            <c:strLit>
+              <c:ptCount val="7"/>
+              <c:pt idx="0">
+                <c:v>Apollo</c:v>
+              </c:pt>
+              <c:pt idx="1">
+                <c:v>Ares</c:v>
+              </c:pt>
+              <c:pt idx="2">
+                <c:v>Freyja</c:v>
+              </c:pt>
+              <c:pt idx="3">
+                <c:v>Hera</c:v>
+              </c:pt>
+              <c:pt idx="4">
+                <c:v>Odin</c:v>
+              </c:pt>
+              <c:pt idx="5">
+                <c:v>Thor</c:v>
+              </c:pt>
+              <c:pt idx="6">
+                <c:v>Zeus</c:v>
+              </c:pt>
+            </c:strLit>
+          </c:cat>
+          <c:val>
+            <c:numLit>
+              <c:formatCode>General</c:formatCode>
+              <c:ptCount val="7"/>
+              <c:pt idx="0">
+                <c:v>0.27906976744186046</c:v>
+              </c:pt>
+              <c:pt idx="1">
+                <c:v>0.29545454545454547</c:v>
+              </c:pt>
+              <c:pt idx="2">
+                <c:v>0.13636363636363635</c:v>
+              </c:pt>
+              <c:pt idx="3">
+                <c:v>0.29545454545454547</c:v>
+              </c:pt>
+              <c:pt idx="4">
+                <c:v>0.29545454545454547</c:v>
+              </c:pt>
+              <c:pt idx="5">
+                <c:v>0.27272727272727271</c:v>
+              </c:pt>
+              <c:pt idx="6">
+                <c:v>0.27272727272727271</c:v>
+              </c:pt>
+            </c:numLit>
+          </c:val>
+          <c:extLst>
+            <c:ext xmlns:c16="http://schemas.microsoft.com/office/drawing/2014/chart" uri="{C3380CC4-5D6E-409C-BE32-E72D297353CC}">
+              <c16:uniqueId val="{00000003-6FC2-47E4-B80E-D8E456614277}"/>
+            </c:ext>
+          </c:extLst>
+        </c:ser>
+        <c:dLbls>
+          <c:showLegendKey val="0"/>
+          <c:showVal val="0"/>
+          <c:showCatName val="0"/>
+          <c:showSerName val="0"/>
+          <c:showPercent val="0"/>
+          <c:showBubbleSize val="0"/>
+        </c:dLbls>
+        <c:gapWidth val="219"/>
+        <c:overlap val="-27"/>
+        <c:axId val="241747608"/>
+        <c:axId val="241747936"/>
+      </c:barChart>
+      <c:catAx>
+        <c:axId val="241747608"/>
+        <c:scaling>
+          <c:orientation val="minMax"/>
+        </c:scaling>
+        <c:delete val="0"/>
+        <c:axPos val="b"/>
+        <c:numFmt formatCode="General" sourceLinked="1"/>
+        <c:majorTickMark val="none"/>
+        <c:minorTickMark val="none"/>
+        <c:tickLblPos val="nextTo"/>
+        <c:spPr>
+          <a:noFill/>
+          <a:ln w="9525" cap="flat" cmpd="sng" algn="ctr">
+            <a:solidFill>
+              <a:schemeClr val="tx1">
+                <a:lumMod val="15000"/>
+                <a:lumOff val="85000"/>
+              </a:schemeClr>
+            </a:solidFill>
+            <a:round/>
+          </a:ln>
+          <a:effectLst/>
+        </c:spPr>
+        <c:txPr>
+          <a:bodyPr rot="-60000000" spcFirstLastPara="1" vertOverflow="ellipsis" vert="horz" wrap="square" anchor="ctr" anchorCtr="1"/>
+          <a:lstStyle/>
+          <a:p>
+            <a:pPr>
+              <a:defRPr sz="900" b="0" i="0" u="none" strike="noStrike" kern="1200" baseline="0">
+                <a:solidFill>
+                  <a:schemeClr val="tx1">
+                    <a:lumMod val="65000"/>
+                    <a:lumOff val="35000"/>
+                  </a:schemeClr>
+                </a:solidFill>
+                <a:latin typeface="+mn-lt"/>
+                <a:ea typeface="+mn-ea"/>
+                <a:cs typeface="+mn-cs"/>
+              </a:defRPr>
+            </a:pPr>
+            <a:endParaRPr lang="en-US"/>
+          </a:p>
+        </c:txPr>
+        <c:crossAx val="241747936"/>
+        <c:crosses val="autoZero"/>
+        <c:auto val="1"/>
+        <c:lblAlgn val="ctr"/>
+        <c:lblOffset val="100"/>
+        <c:noMultiLvlLbl val="0"/>
+      </c:catAx>
+      <c:valAx>
+        <c:axId val="241747936"/>
+        <c:scaling>
+          <c:orientation val="minMax"/>
+        </c:scaling>
+        <c:delete val="0"/>
+        <c:axPos val="l"/>
+        <c:majorGridlines>
+          <c:spPr>
+            <a:ln w="9525" cap="flat" cmpd="sng" algn="ctr">
+              <a:solidFill>
+                <a:schemeClr val="tx1">
+                  <a:lumMod val="15000"/>
+                  <a:lumOff val="85000"/>
+                </a:schemeClr>
+              </a:solidFill>
+              <a:round/>
+            </a:ln>
+            <a:effectLst/>
+          </c:spPr>
+        </c:majorGridlines>
+        <c:numFmt formatCode="0.00%" sourceLinked="1"/>
+        <c:majorTickMark val="none"/>
+        <c:minorTickMark val="none"/>
+        <c:tickLblPos val="nextTo"/>
+        <c:spPr>
+          <a:noFill/>
+          <a:ln>
+            <a:noFill/>
+          </a:ln>
+          <a:effectLst/>
+        </c:spPr>
+        <c:txPr>
+          <a:bodyPr rot="-60000000" spcFirstLastPara="1" vertOverflow="ellipsis" vert="horz" wrap="square" anchor="ctr" anchorCtr="1"/>
+          <a:lstStyle/>
+          <a:p>
+            <a:pPr>
+              <a:defRPr sz="900" b="0" i="0" u="none" strike="noStrike" kern="1200" baseline="0">
+                <a:solidFill>
+                  <a:schemeClr val="tx1">
+                    <a:lumMod val="65000"/>
+                    <a:lumOff val="35000"/>
+                  </a:schemeClr>
+                </a:solidFill>
+                <a:latin typeface="+mn-lt"/>
+                <a:ea typeface="+mn-ea"/>
+                <a:cs typeface="+mn-cs"/>
+              </a:defRPr>
+            </a:pPr>
+            <a:endParaRPr lang="en-US"/>
+          </a:p>
+        </c:txPr>
+        <c:crossAx val="241747608"/>
+        <c:crosses val="autoZero"/>
+        <c:crossBetween val="between"/>
+      </c:valAx>
+      <c:spPr>
+        <a:noFill/>
+        <a:ln>
+          <a:noFill/>
+        </a:ln>
+        <a:effectLst/>
+      </c:spPr>
+    </c:plotArea>
+    <c:legend>
+      <c:legendPos val="r"/>
+      <c:overlay val="0"/>
+      <c:spPr>
+        <a:noFill/>
+        <a:ln>
+          <a:noFill/>
+        </a:ln>
+        <a:effectLst/>
+      </c:spPr>
+      <c:txPr>
+        <a:bodyPr rot="0" spcFirstLastPara="1" vertOverflow="ellipsis" vert="horz" wrap="square" anchor="ctr" anchorCtr="1"/>
+        <a:lstStyle/>
+        <a:p>
+          <a:pPr>
+            <a:defRPr sz="900" b="0" i="0" u="none" strike="noStrike" kern="1200" baseline="0">
+              <a:solidFill>
+                <a:schemeClr val="tx1">
+                  <a:lumMod val="65000"/>
+                  <a:lumOff val="35000"/>
+                </a:schemeClr>
+              </a:solidFill>
+              <a:latin typeface="+mn-lt"/>
+              <a:ea typeface="+mn-ea"/>
+              <a:cs typeface="+mn-cs"/>
+            </a:defRPr>
+          </a:pPr>
+          <a:endParaRPr lang="en-US"/>
+        </a:p>
+      </c:txPr>
+    </c:legend>
+    <c:plotVisOnly val="1"/>
+    <c:dispBlanksAs val="gap"/>
+    <c:showDLblsOverMax val="0"/>
+  </c:chart>
+  <c:spPr>
+    <a:noFill/>
+    <a:ln>
+      <a:noFill/>
+    </a:ln>
+    <a:effectLst/>
+  </c:spPr>
+  <c:txPr>
+    <a:bodyPr/>
+    <a:lstStyle/>
+    <a:p>
+      <a:pPr>
+        <a:defRPr/>
+      </a:pPr>
+      <a:endParaRPr lang="en-US"/>
+    </a:p>
+  </c:txPr>
+  <c:externalData r:id="rId3">
+    <c:autoUpdate val="0"/>
+  </c:externalData>
+  <c:extLst/>
+</c:chartSpace>
+</file>
+
+<file path=ppt/charts/colors1.xml><?xml version="1.0" encoding="utf-8"?>
+<cs:colorStyle xmlns:cs="http://schemas.microsoft.com/office/drawing/2012/chartStyle" xmlns:a="http://schemas.openxmlformats.org/drawingml/2006/main" meth="cycle" id="10">
+  <a:schemeClr val="accent1"/>
+  <a:schemeClr val="accent2"/>
+  <a:schemeClr val="accent3"/>
+  <a:schemeClr val="accent4"/>
+  <a:schemeClr val="accent5"/>
+  <a:schemeClr val="accent6"/>
+  <cs:variation/>
+  <cs:variation>
+    <a:lumMod val="60000"/>
+  </cs:variation>
+  <cs:variation>
+    <a:lumMod val="80000"/>
+    <a:lumOff val="20000"/>
+  </cs:variation>
+  <cs:variation>
+    <a:lumMod val="80000"/>
+  </cs:variation>
+  <cs:variation>
+    <a:lumMod val="60000"/>
+    <a:lumOff val="40000"/>
+  </cs:variation>
+  <cs:variation>
+    <a:lumMod val="50000"/>
+  </cs:variation>
+  <cs:variation>
+    <a:lumMod val="70000"/>
+    <a:lumOff val="30000"/>
+  </cs:variation>
+  <cs:variation>
+    <a:lumMod val="70000"/>
+  </cs:variation>
+  <cs:variation>
+    <a:lumMod val="50000"/>
+    <a:lumOff val="50000"/>
+  </cs:variation>
+</cs:colorStyle>
+</file>
+
+<file path=ppt/charts/colors2.xml><?xml version="1.0" encoding="utf-8"?>
+<cs:colorStyle xmlns:cs="http://schemas.microsoft.com/office/drawing/2012/chartStyle" xmlns:a="http://schemas.openxmlformats.org/drawingml/2006/main" meth="cycle" id="10">
+  <a:schemeClr val="accent1"/>
+  <a:schemeClr val="accent2"/>
+  <a:schemeClr val="accent3"/>
+  <a:schemeClr val="accent4"/>
+  <a:schemeClr val="accent5"/>
+  <a:schemeClr val="accent6"/>
+  <cs:variation/>
+  <cs:variation>
+    <a:lumMod val="60000"/>
+  </cs:variation>
+  <cs:variation>
+    <a:lumMod val="80000"/>
+    <a:lumOff val="20000"/>
+  </cs:variation>
+  <cs:variation>
+    <a:lumMod val="80000"/>
+  </cs:variation>
+  <cs:variation>
+    <a:lumMod val="60000"/>
+    <a:lumOff val="40000"/>
+  </cs:variation>
+  <cs:variation>
+    <a:lumMod val="50000"/>
+  </cs:variation>
+  <cs:variation>
+    <a:lumMod val="70000"/>
+    <a:lumOff val="30000"/>
+  </cs:variation>
+  <cs:variation>
+    <a:lumMod val="70000"/>
+  </cs:variation>
+  <cs:variation>
+    <a:lumMod val="50000"/>
+    <a:lumOff val="50000"/>
+  </cs:variation>
+</cs:colorStyle>
+</file>
+
+<file path=ppt/charts/colors3.xml><?xml version="1.0" encoding="utf-8"?>
+<cs:colorStyle xmlns:cs="http://schemas.microsoft.com/office/drawing/2012/chartStyle" xmlns:a="http://schemas.openxmlformats.org/drawingml/2006/main" meth="cycle" id="10">
+  <a:schemeClr val="accent1"/>
+  <a:schemeClr val="accent2"/>
+  <a:schemeClr val="accent3"/>
+  <a:schemeClr val="accent4"/>
+  <a:schemeClr val="accent5"/>
+  <a:schemeClr val="accent6"/>
+  <cs:variation/>
+  <cs:variation>
+    <a:lumMod val="60000"/>
+  </cs:variation>
+  <cs:variation>
+    <a:lumMod val="80000"/>
+    <a:lumOff val="20000"/>
+  </cs:variation>
+  <cs:variation>
+    <a:lumMod val="80000"/>
+  </cs:variation>
+  <cs:variation>
+    <a:lumMod val="60000"/>
+    <a:lumOff val="40000"/>
+  </cs:variation>
+  <cs:variation>
+    <a:lumMod val="50000"/>
+  </cs:variation>
+  <cs:variation>
+    <a:lumMod val="70000"/>
+    <a:lumOff val="30000"/>
+  </cs:variation>
+  <cs:variation>
+    <a:lumMod val="70000"/>
+  </cs:variation>
+  <cs:variation>
+    <a:lumMod val="50000"/>
+    <a:lumOff val="50000"/>
+  </cs:variation>
+</cs:colorStyle>
+</file>
+
+<file path=ppt/charts/colors4.xml><?xml version="1.0" encoding="utf-8"?>
+<cs:colorStyle xmlns:cs="http://schemas.microsoft.com/office/drawing/2012/chartStyle" xmlns:a="http://schemas.openxmlformats.org/drawingml/2006/main" meth="cycle" id="10">
+  <a:schemeClr val="accent1"/>
+  <a:schemeClr val="accent2"/>
+  <a:schemeClr val="accent3"/>
+  <a:schemeClr val="accent4"/>
+  <a:schemeClr val="accent5"/>
+  <a:schemeClr val="accent6"/>
+  <cs:variation/>
+  <cs:variation>
+    <a:lumMod val="60000"/>
+  </cs:variation>
+  <cs:variation>
+    <a:lumMod val="80000"/>
+    <a:lumOff val="20000"/>
+  </cs:variation>
+  <cs:variation>
+    <a:lumMod val="80000"/>
+  </cs:variation>
+  <cs:variation>
+    <a:lumMod val="60000"/>
+    <a:lumOff val="40000"/>
+  </cs:variation>
+  <cs:variation>
+    <a:lumMod val="50000"/>
+  </cs:variation>
+  <cs:variation>
+    <a:lumMod val="70000"/>
+    <a:lumOff val="30000"/>
+  </cs:variation>
+  <cs:variation>
+    <a:lumMod val="70000"/>
+  </cs:variation>
+  <cs:variation>
+    <a:lumMod val="50000"/>
+    <a:lumOff val="50000"/>
+  </cs:variation>
+</cs:colorStyle>
+</file>
+
+<file path=ppt/charts/style1.xml><?xml version="1.0" encoding="utf-8"?>
+<cs:chartStyle xmlns:cs="http://schemas.microsoft.com/office/drawing/2012/chartStyle" xmlns:a="http://schemas.openxmlformats.org/drawingml/2006/main" id="201">
+  <cs:axisTitle>
+    <cs:lnRef idx="0"/>
+    <cs:fillRef idx="0"/>
+    <cs:effectRef idx="0"/>
+    <cs:fontRef idx="minor">
+      <a:schemeClr val="tx1">
+        <a:lumMod val="65000"/>
+        <a:lumOff val="35000"/>
+      </a:schemeClr>
+    </cs:fontRef>
+    <cs:defRPr sz="1000" kern="1200"/>
+  </cs:axisTitle>
+  <cs:categoryAxis>
+    <cs:lnRef idx="0"/>
+    <cs:fillRef idx="0"/>
+    <cs:effectRef idx="0"/>
+    <cs:fontRef idx="minor">
+      <a:schemeClr val="tx1">
+        <a:lumMod val="65000"/>
+        <a:lumOff val="35000"/>
+      </a:schemeClr>
+    </cs:fontRef>
+    <cs:spPr>
+      <a:ln w="9525" cap="flat" cmpd="sng" algn="ctr">
+        <a:solidFill>
+          <a:schemeClr val="tx1">
+            <a:lumMod val="15000"/>
+            <a:lumOff val="85000"/>
+          </a:schemeClr>
+        </a:solidFill>
+        <a:round/>
+      </a:ln>
+    </cs:spPr>
+    <cs:defRPr sz="900" kern="1200"/>
+  </cs:categoryAxis>
+  <cs:chartArea mods="allowNoFillOverride allowNoLineOverride">
+    <cs:lnRef idx="0"/>
+    <cs:fillRef idx="0"/>
+    <cs:effectRef idx="0"/>
+    <cs:fontRef idx="minor">
+      <a:schemeClr val="tx1"/>
+    </cs:fontRef>
+    <cs:spPr>
+      <a:solidFill>
+        <a:schemeClr val="bg1"/>
+      </a:solidFill>
+      <a:ln w="9525" cap="flat" cmpd="sng" algn="ctr">
+        <a:solidFill>
+          <a:schemeClr val="tx1">
+            <a:lumMod val="15000"/>
+            <a:lumOff val="85000"/>
+          </a:schemeClr>
+        </a:solidFill>
+        <a:round/>
+      </a:ln>
+    </cs:spPr>
+    <cs:defRPr sz="1000" kern="1200"/>
+  </cs:chartArea>
+  <cs:dataLabel>
+    <cs:lnRef idx="0"/>
+    <cs:fillRef idx="0"/>
+    <cs:effectRef idx="0"/>
+    <cs:fontRef idx="minor">
+      <a:schemeClr val="tx1">
+        <a:lumMod val="75000"/>
+        <a:lumOff val="25000"/>
+      </a:schemeClr>
+    </cs:fontRef>
+    <cs:defRPr sz="900" kern="1200"/>
+  </cs:dataLabel>
+  <cs:dataLabelCallout>
+    <cs:lnRef idx="0"/>
+    <cs:fillRef idx="0"/>
+    <cs:effectRef idx="0"/>
+    <cs:fontRef idx="minor">
+      <a:schemeClr val="dk1">
+        <a:lumMod val="65000"/>
+        <a:lumOff val="35000"/>
+      </a:schemeClr>
+    </cs:fontRef>
+    <cs:spPr>
+      <a:solidFill>
+        <a:schemeClr val="lt1"/>
+      </a:solidFill>
+      <a:ln>
+        <a:solidFill>
+          <a:schemeClr val="dk1">
+            <a:lumMod val="25000"/>
+            <a:lumOff val="75000"/>
+          </a:schemeClr>
+        </a:solidFill>
+      </a:ln>
+    </cs:spPr>
+    <cs:defRPr sz="900" kern="1200"/>
+    <cs:bodyPr rot="0" spcFirstLastPara="1" vertOverflow="clip" horzOverflow="clip" vert="horz" wrap="square" lIns="36576" tIns="18288" rIns="36576" bIns="18288" anchor="ctr" anchorCtr="1">
+      <a:spAutoFit/>
+    </cs:bodyPr>
+  </cs:dataLabelCallout>
+  <cs:dataPoint>
+    <cs:lnRef idx="0"/>
+    <cs:fillRef idx="1">
+      <cs:styleClr val="auto"/>
+    </cs:fillRef>
+    <cs:effectRef idx="0"/>
+    <cs:fontRef idx="minor">
+      <a:schemeClr val="tx1"/>
+    </cs:fontRef>
+  </cs:dataPoint>
+  <cs:dataPoint3D>
+    <cs:lnRef idx="0"/>
+    <cs:fillRef idx="1">
+      <cs:styleClr val="auto"/>
+    </cs:fillRef>
+    <cs:effectRef idx="0"/>
+    <cs:fontRef idx="minor">
+      <a:schemeClr val="tx1"/>
+    </cs:fontRef>
+  </cs:dataPoint3D>
+  <cs:dataPointLine>
+    <cs:lnRef idx="0">
+      <cs:styleClr val="auto"/>
+    </cs:lnRef>
+    <cs:fillRef idx="1"/>
+    <cs:effectRef idx="0"/>
+    <cs:fontRef idx="minor">
+      <a:schemeClr val="tx1"/>
+    </cs:fontRef>
+    <cs:spPr>
+      <a:ln w="28575" cap="rnd">
+        <a:solidFill>
+          <a:schemeClr val="phClr"/>
+        </a:solidFill>
+        <a:round/>
+      </a:ln>
+    </cs:spPr>
+  </cs:dataPointLine>
+  <cs:dataPointMarker>
+    <cs:lnRef idx="0">
+      <cs:styleClr val="auto"/>
+    </cs:lnRef>
+    <cs:fillRef idx="1">
+      <cs:styleClr val="auto"/>
+    </cs:fillRef>
+    <cs:effectRef idx="0"/>
+    <cs:fontRef idx="minor">
+      <a:schemeClr val="tx1"/>
+    </cs:fontRef>
+    <cs:spPr>
+      <a:ln w="9525">
+        <a:solidFill>
+          <a:schemeClr val="phClr"/>
+        </a:solidFill>
+      </a:ln>
+    </cs:spPr>
+  </cs:dataPointMarker>
+  <cs:dataPointMarkerLayout symbol="circle" size="5"/>
+  <cs:dataPointWireframe>
+    <cs:lnRef idx="0">
+      <cs:styleClr val="auto"/>
+    </cs:lnRef>
+    <cs:fillRef idx="1"/>
+    <cs:effectRef idx="0"/>
+    <cs:fontRef idx="minor">
+      <a:schemeClr val="tx1"/>
+    </cs:fontRef>
+    <cs:spPr>
+      <a:ln w="9525" cap="rnd">
+        <a:solidFill>
+          <a:schemeClr val="phClr"/>
+        </a:solidFill>
+        <a:round/>
+      </a:ln>
+    </cs:spPr>
+  </cs:dataPointWireframe>
+  <cs:dataTable>
+    <cs:lnRef idx="0"/>
+    <cs:fillRef idx="0"/>
+    <cs:effectRef idx="0"/>
+    <cs:fontRef idx="minor">
+      <a:schemeClr val="tx1">
+        <a:lumMod val="65000"/>
+        <a:lumOff val="35000"/>
+      </a:schemeClr>
+    </cs:fontRef>
+    <cs:spPr>
+      <a:noFill/>
+      <a:ln w="9525" cap="flat" cmpd="sng" algn="ctr">
+        <a:solidFill>
+          <a:schemeClr val="tx1">
+            <a:lumMod val="15000"/>
+            <a:lumOff val="85000"/>
+          </a:schemeClr>
+        </a:solidFill>
+        <a:round/>
+      </a:ln>
+    </cs:spPr>
+    <cs:defRPr sz="900" kern="1200"/>
+  </cs:dataTable>
+  <cs:downBar>
+    <cs:lnRef idx="0"/>
+    <cs:fillRef idx="0"/>
+    <cs:effectRef idx="0"/>
+    <cs:fontRef idx="minor">
+      <a:schemeClr val="dk1"/>
+    </cs:fontRef>
+    <cs:spPr>
+      <a:solidFill>
+        <a:schemeClr val="dk1">
+          <a:lumMod val="65000"/>
+          <a:lumOff val="35000"/>
+        </a:schemeClr>
+      </a:solidFill>
+      <a:ln w="9525">
+        <a:solidFill>
+          <a:schemeClr val="tx1">
+            <a:lumMod val="65000"/>
+            <a:lumOff val="35000"/>
+          </a:schemeClr>
+        </a:solidFill>
+      </a:ln>
+    </cs:spPr>
+  </cs:downBar>
+  <cs:dropLine>
+    <cs:lnRef idx="0"/>
+    <cs:fillRef idx="0"/>
+    <cs:effectRef idx="0"/>
+    <cs:fontRef idx="minor">
+      <a:schemeClr val="tx1"/>
+    </cs:fontRef>
+    <cs:spPr>
+      <a:ln w="9525" cap="flat" cmpd="sng" algn="ctr">
+        <a:solidFill>
+          <a:schemeClr val="tx1">
+            <a:lumMod val="35000"/>
+            <a:lumOff val="65000"/>
+          </a:schemeClr>
+        </a:solidFill>
+        <a:round/>
+      </a:ln>
+    </cs:spPr>
+  </cs:dropLine>
+  <cs:errorBar>
+    <cs:lnRef idx="0"/>
+    <cs:fillRef idx="0"/>
+    <cs:effectRef idx="0"/>
+    <cs:fontRef idx="minor">
+      <a:schemeClr val="tx1"/>
+    </cs:fontRef>
+    <cs:spPr>
+      <a:ln w="9525" cap="flat" cmpd="sng" algn="ctr">
+        <a:solidFill>
+          <a:schemeClr val="tx1">
+            <a:lumMod val="65000"/>
+            <a:lumOff val="35000"/>
+          </a:schemeClr>
+        </a:solidFill>
+        <a:round/>
+      </a:ln>
+    </cs:spPr>
+  </cs:errorBar>
+  <cs:floor>
+    <cs:lnRef idx="0"/>
+    <cs:fillRef idx="0"/>
+    <cs:effectRef idx="0"/>
+    <cs:fontRef idx="minor">
+      <a:schemeClr val="tx1"/>
+    </cs:fontRef>
+    <cs:spPr>
+      <a:noFill/>
+      <a:ln>
+        <a:noFill/>
+      </a:ln>
+    </cs:spPr>
+  </cs:floor>
+  <cs:gridlineMajor>
+    <cs:lnRef idx="0"/>
+    <cs:fillRef idx="0"/>
+    <cs:effectRef idx="0"/>
+    <cs:fontRef idx="minor">
+      <a:schemeClr val="tx1"/>
+    </cs:fontRef>
+    <cs:spPr>
+      <a:ln w="9525" cap="flat" cmpd="sng" algn="ctr">
+        <a:solidFill>
+          <a:schemeClr val="tx1">
+            <a:lumMod val="15000"/>
+            <a:lumOff val="85000"/>
+          </a:schemeClr>
+        </a:solidFill>
+        <a:round/>
+      </a:ln>
+    </cs:spPr>
+  </cs:gridlineMajor>
+  <cs:gridlineMinor>
+    <cs:lnRef idx="0"/>
+    <cs:fillRef idx="0"/>
+    <cs:effectRef idx="0"/>
+    <cs:fontRef idx="minor">
+      <a:schemeClr val="tx1"/>
+    </cs:fontRef>
+    <cs:spPr>
+      <a:ln w="9525" cap="flat" cmpd="sng" algn="ctr">
+        <a:solidFill>
+          <a:schemeClr val="tx1">
+            <a:lumMod val="5000"/>
+            <a:lumOff val="95000"/>
+          </a:schemeClr>
+        </a:solidFill>
+        <a:round/>
+      </a:ln>
+    </cs:spPr>
+  </cs:gridlineMinor>
+  <cs:hiLoLine>
+    <cs:lnRef idx="0"/>
+    <cs:fillRef idx="0"/>
+    <cs:effectRef idx="0"/>
+    <cs:fontRef idx="minor">
+      <a:schemeClr val="tx1"/>
+    </cs:fontRef>
+    <cs:spPr>
+      <a:ln w="9525" cap="flat" cmpd="sng" algn="ctr">
+        <a:solidFill>
+          <a:schemeClr val="tx1">
+            <a:lumMod val="75000"/>
+            <a:lumOff val="25000"/>
+          </a:schemeClr>
+        </a:solidFill>
+        <a:round/>
+      </a:ln>
+    </cs:spPr>
+  </cs:hiLoLine>
+  <cs:leaderLine>
+    <cs:lnRef idx="0"/>
+    <cs:fillRef idx="0"/>
+    <cs:effectRef idx="0"/>
+    <cs:fontRef idx="minor">
+      <a:schemeClr val="tx1"/>
+    </cs:fontRef>
+    <cs:spPr>
+      <a:ln w="9525" cap="flat" cmpd="sng" algn="ctr">
+        <a:solidFill>
+          <a:schemeClr val="tx1">
+            <a:lumMod val="35000"/>
+            <a:lumOff val="65000"/>
+          </a:schemeClr>
+        </a:solidFill>
+        <a:round/>
+      </a:ln>
+    </cs:spPr>
+  </cs:leaderLine>
+  <cs:legend>
+    <cs:lnRef idx="0"/>
+    <cs:fillRef idx="0"/>
+    <cs:effectRef idx="0"/>
+    <cs:fontRef idx="minor">
+      <a:schemeClr val="tx1">
+        <a:lumMod val="65000"/>
+        <a:lumOff val="35000"/>
+      </a:schemeClr>
+    </cs:fontRef>
+    <cs:defRPr sz="900" kern="1200"/>
+  </cs:legend>
+  <cs:plotArea mods="allowNoFillOverride allowNoLineOverride">
+    <cs:lnRef idx="0"/>
+    <cs:fillRef idx="0"/>
+    <cs:effectRef idx="0"/>
+    <cs:fontRef idx="minor">
+      <a:schemeClr val="tx1"/>
+    </cs:fontRef>
+  </cs:plotArea>
+  <cs:plotArea3D mods="allowNoFillOverride allowNoLineOverride">
+    <cs:lnRef idx="0"/>
+    <cs:fillRef idx="0"/>
+    <cs:effectRef idx="0"/>
+    <cs:fontRef idx="minor">
+      <a:schemeClr val="tx1"/>
+    </cs:fontRef>
+  </cs:plotArea3D>
+  <cs:seriesAxis>
+    <cs:lnRef idx="0"/>
+    <cs:fillRef idx="0"/>
+    <cs:effectRef idx="0"/>
+    <cs:fontRef idx="minor">
+      <a:schemeClr val="tx1">
+        <a:lumMod val="65000"/>
+        <a:lumOff val="35000"/>
+      </a:schemeClr>
+    </cs:fontRef>
+    <cs:defRPr sz="900" kern="1200"/>
+  </cs:seriesAxis>
+  <cs:seriesLine>
+    <cs:lnRef idx="0"/>
+    <cs:fillRef idx="0"/>
+    <cs:effectRef idx="0"/>
+    <cs:fontRef idx="minor">
+      <a:schemeClr val="tx1"/>
+    </cs:fontRef>
+    <cs:spPr>
+      <a:ln w="9525" cap="flat" cmpd="sng" algn="ctr">
+        <a:solidFill>
+          <a:schemeClr val="tx1">
+            <a:lumMod val="35000"/>
+            <a:lumOff val="65000"/>
+          </a:schemeClr>
+        </a:solidFill>
+        <a:round/>
+      </a:ln>
+    </cs:spPr>
+  </cs:seriesLine>
+  <cs:title>
+    <cs:lnRef idx="0"/>
+    <cs:fillRef idx="0"/>
+    <cs:effectRef idx="0"/>
+    <cs:fontRef idx="minor">
+      <a:schemeClr val="tx1">
+        <a:lumMod val="65000"/>
+        <a:lumOff val="35000"/>
+      </a:schemeClr>
+    </cs:fontRef>
+    <cs:defRPr sz="1400" b="0" kern="1200" spc="0" baseline="0"/>
+  </cs:title>
+  <cs:trendline>
+    <cs:lnRef idx="0">
+      <cs:styleClr val="auto"/>
+    </cs:lnRef>
+    <cs:fillRef idx="0"/>
+    <cs:effectRef idx="0"/>
+    <cs:fontRef idx="minor">
+      <a:schemeClr val="tx1"/>
+    </cs:fontRef>
+    <cs:spPr>
+      <a:ln w="19050" cap="rnd">
+        <a:solidFill>
+          <a:schemeClr val="phClr"/>
+        </a:solidFill>
+        <a:prstDash val="sysDot"/>
+      </a:ln>
+    </cs:spPr>
+  </cs:trendline>
+  <cs:trendlineLabel>
+    <cs:lnRef idx="0"/>
+    <cs:fillRef idx="0"/>
+    <cs:effectRef idx="0"/>
+    <cs:fontRef idx="minor">
+      <a:schemeClr val="tx1">
+        <a:lumMod val="65000"/>
+        <a:lumOff val="35000"/>
+      </a:schemeClr>
+    </cs:fontRef>
+    <cs:defRPr sz="900" kern="1200"/>
+  </cs:trendlineLabel>
+  <cs:upBar>
+    <cs:lnRef idx="0"/>
+    <cs:fillRef idx="0"/>
+    <cs:effectRef idx="0"/>
+    <cs:fontRef idx="minor">
+      <a:schemeClr val="dk1"/>
+    </cs:fontRef>
+    <cs:spPr>
+      <a:solidFill>
+        <a:schemeClr val="lt1"/>
+      </a:solidFill>
+      <a:ln w="9525">
+        <a:solidFill>
+          <a:schemeClr val="tx1">
+            <a:lumMod val="15000"/>
+            <a:lumOff val="85000"/>
+          </a:schemeClr>
+        </a:solidFill>
+      </a:ln>
+    </cs:spPr>
+  </cs:upBar>
+  <cs:valueAxis>
+    <cs:lnRef idx="0"/>
+    <cs:fillRef idx="0"/>
+    <cs:effectRef idx="0"/>
+    <cs:fontRef idx="minor">
+      <a:schemeClr val="tx1">
+        <a:lumMod val="65000"/>
+        <a:lumOff val="35000"/>
+      </a:schemeClr>
+    </cs:fontRef>
+    <cs:defRPr sz="900" kern="1200"/>
+  </cs:valueAxis>
+  <cs:wall>
+    <cs:lnRef idx="0"/>
+    <cs:fillRef idx="0"/>
+    <cs:effectRef idx="0"/>
+    <cs:fontRef idx="minor">
+      <a:schemeClr val="tx1"/>
+    </cs:fontRef>
+    <cs:spPr>
+      <a:noFill/>
+      <a:ln>
+        <a:noFill/>
+      </a:ln>
+    </cs:spPr>
+  </cs:wall>
+</cs:chartStyle>
+</file>
+
+<file path=ppt/charts/style2.xml><?xml version="1.0" encoding="utf-8"?>
+<cs:chartStyle xmlns:cs="http://schemas.microsoft.com/office/drawing/2012/chartStyle" xmlns:a="http://schemas.openxmlformats.org/drawingml/2006/main" id="201">
+  <cs:axisTitle>
+    <cs:lnRef idx="0"/>
+    <cs:fillRef idx="0"/>
+    <cs:effectRef idx="0"/>
+    <cs:fontRef idx="minor">
+      <a:schemeClr val="tx1">
+        <a:lumMod val="65000"/>
+        <a:lumOff val="35000"/>
+      </a:schemeClr>
+    </cs:fontRef>
+    <cs:defRPr sz="1000" kern="1200"/>
+  </cs:axisTitle>
+  <cs:categoryAxis>
+    <cs:lnRef idx="0"/>
+    <cs:fillRef idx="0"/>
+    <cs:effectRef idx="0"/>
+    <cs:fontRef idx="minor">
+      <a:schemeClr val="tx1">
+        <a:lumMod val="65000"/>
+        <a:lumOff val="35000"/>
+      </a:schemeClr>
+    </cs:fontRef>
+    <cs:spPr>
+      <a:ln w="9525" cap="flat" cmpd="sng" algn="ctr">
+        <a:solidFill>
+          <a:schemeClr val="tx1">
+            <a:lumMod val="15000"/>
+            <a:lumOff val="85000"/>
+          </a:schemeClr>
+        </a:solidFill>
+        <a:round/>
+      </a:ln>
+    </cs:spPr>
+    <cs:defRPr sz="900" kern="1200"/>
+  </cs:categoryAxis>
+  <cs:chartArea mods="allowNoFillOverride allowNoLineOverride">
+    <cs:lnRef idx="0"/>
+    <cs:fillRef idx="0"/>
+    <cs:effectRef idx="0"/>
+    <cs:fontRef idx="minor">
+      <a:schemeClr val="tx1"/>
+    </cs:fontRef>
+    <cs:spPr>
+      <a:solidFill>
+        <a:schemeClr val="bg1"/>
+      </a:solidFill>
+      <a:ln w="9525" cap="flat" cmpd="sng" algn="ctr">
+        <a:solidFill>
+          <a:schemeClr val="tx1">
+            <a:lumMod val="15000"/>
+            <a:lumOff val="85000"/>
+          </a:schemeClr>
+        </a:solidFill>
+        <a:round/>
+      </a:ln>
+    </cs:spPr>
+    <cs:defRPr sz="1000" kern="1200"/>
+  </cs:chartArea>
+  <cs:dataLabel>
+    <cs:lnRef idx="0"/>
+    <cs:fillRef idx="0"/>
+    <cs:effectRef idx="0"/>
+    <cs:fontRef idx="minor">
+      <a:schemeClr val="tx1">
+        <a:lumMod val="75000"/>
+        <a:lumOff val="25000"/>
+      </a:schemeClr>
+    </cs:fontRef>
+    <cs:defRPr sz="900" kern="1200"/>
+  </cs:dataLabel>
+  <cs:dataLabelCallout>
+    <cs:lnRef idx="0"/>
+    <cs:fillRef idx="0"/>
+    <cs:effectRef idx="0"/>
+    <cs:fontRef idx="minor">
+      <a:schemeClr val="dk1">
+        <a:lumMod val="65000"/>
+        <a:lumOff val="35000"/>
+      </a:schemeClr>
+    </cs:fontRef>
+    <cs:spPr>
+      <a:solidFill>
+        <a:schemeClr val="lt1"/>
+      </a:solidFill>
+      <a:ln>
+        <a:solidFill>
+          <a:schemeClr val="dk1">
+            <a:lumMod val="25000"/>
+            <a:lumOff val="75000"/>
+          </a:schemeClr>
+        </a:solidFill>
+      </a:ln>
+    </cs:spPr>
+    <cs:defRPr sz="900" kern="1200"/>
+    <cs:bodyPr rot="0" spcFirstLastPara="1" vertOverflow="clip" horzOverflow="clip" vert="horz" wrap="square" lIns="36576" tIns="18288" rIns="36576" bIns="18288" anchor="ctr" anchorCtr="1">
+      <a:spAutoFit/>
+    </cs:bodyPr>
+  </cs:dataLabelCallout>
+  <cs:dataPoint>
+    <cs:lnRef idx="0"/>
+    <cs:fillRef idx="1">
+      <cs:styleClr val="auto"/>
+    </cs:fillRef>
+    <cs:effectRef idx="0"/>
+    <cs:fontRef idx="minor">
+      <a:schemeClr val="tx1"/>
+    </cs:fontRef>
+  </cs:dataPoint>
+  <cs:dataPoint3D>
+    <cs:lnRef idx="0"/>
+    <cs:fillRef idx="1">
+      <cs:styleClr val="auto"/>
+    </cs:fillRef>
+    <cs:effectRef idx="0"/>
+    <cs:fontRef idx="minor">
+      <a:schemeClr val="tx1"/>
+    </cs:fontRef>
+  </cs:dataPoint3D>
+  <cs:dataPointLine>
+    <cs:lnRef idx="0">
+      <cs:styleClr val="auto"/>
+    </cs:lnRef>
+    <cs:fillRef idx="1"/>
+    <cs:effectRef idx="0"/>
+    <cs:fontRef idx="minor">
+      <a:schemeClr val="tx1"/>
+    </cs:fontRef>
+    <cs:spPr>
+      <a:ln w="28575" cap="rnd">
+        <a:solidFill>
+          <a:schemeClr val="phClr"/>
+        </a:solidFill>
+        <a:round/>
+      </a:ln>
+    </cs:spPr>
+  </cs:dataPointLine>
+  <cs:dataPointMarker>
+    <cs:lnRef idx="0">
+      <cs:styleClr val="auto"/>
+    </cs:lnRef>
+    <cs:fillRef idx="1">
+      <cs:styleClr val="auto"/>
+    </cs:fillRef>
+    <cs:effectRef idx="0"/>
+    <cs:fontRef idx="minor">
+      <a:schemeClr val="tx1"/>
+    </cs:fontRef>
+    <cs:spPr>
+      <a:ln w="9525">
+        <a:solidFill>
+          <a:schemeClr val="phClr"/>
+        </a:solidFill>
+      </a:ln>
+    </cs:spPr>
+  </cs:dataPointMarker>
+  <cs:dataPointMarkerLayout symbol="circle" size="5"/>
+  <cs:dataPointWireframe>
+    <cs:lnRef idx="0">
+      <cs:styleClr val="auto"/>
+    </cs:lnRef>
+    <cs:fillRef idx="1"/>
+    <cs:effectRef idx="0"/>
+    <cs:fontRef idx="minor">
+      <a:schemeClr val="tx1"/>
+    </cs:fontRef>
+    <cs:spPr>
+      <a:ln w="9525" cap="rnd">
+        <a:solidFill>
+          <a:schemeClr val="phClr"/>
+        </a:solidFill>
+        <a:round/>
+      </a:ln>
+    </cs:spPr>
+  </cs:dataPointWireframe>
+  <cs:dataTable>
+    <cs:lnRef idx="0"/>
+    <cs:fillRef idx="0"/>
+    <cs:effectRef idx="0"/>
+    <cs:fontRef idx="minor">
+      <a:schemeClr val="tx1">
+        <a:lumMod val="65000"/>
+        <a:lumOff val="35000"/>
+      </a:schemeClr>
+    </cs:fontRef>
+    <cs:spPr>
+      <a:noFill/>
+      <a:ln w="9525" cap="flat" cmpd="sng" algn="ctr">
+        <a:solidFill>
+          <a:schemeClr val="tx1">
+            <a:lumMod val="15000"/>
+            <a:lumOff val="85000"/>
+          </a:schemeClr>
+        </a:solidFill>
+        <a:round/>
+      </a:ln>
+    </cs:spPr>
+    <cs:defRPr sz="900" kern="1200"/>
+  </cs:dataTable>
+  <cs:downBar>
+    <cs:lnRef idx="0"/>
+    <cs:fillRef idx="0"/>
+    <cs:effectRef idx="0"/>
+    <cs:fontRef idx="minor">
+      <a:schemeClr val="dk1"/>
+    </cs:fontRef>
+    <cs:spPr>
+      <a:solidFill>
+        <a:schemeClr val="dk1">
+          <a:lumMod val="65000"/>
+          <a:lumOff val="35000"/>
+        </a:schemeClr>
+      </a:solidFill>
+      <a:ln w="9525">
+        <a:solidFill>
+          <a:schemeClr val="tx1">
+            <a:lumMod val="65000"/>
+            <a:lumOff val="35000"/>
+          </a:schemeClr>
+        </a:solidFill>
+      </a:ln>
+    </cs:spPr>
+  </cs:downBar>
+  <cs:dropLine>
+    <cs:lnRef idx="0"/>
+    <cs:fillRef idx="0"/>
+    <cs:effectRef idx="0"/>
+    <cs:fontRef idx="minor">
+      <a:schemeClr val="tx1"/>
+    </cs:fontRef>
+    <cs:spPr>
+      <a:ln w="9525" cap="flat" cmpd="sng" algn="ctr">
+        <a:solidFill>
+          <a:schemeClr val="tx1">
+            <a:lumMod val="35000"/>
+            <a:lumOff val="65000"/>
+          </a:schemeClr>
+        </a:solidFill>
+        <a:round/>
+      </a:ln>
+    </cs:spPr>
+  </cs:dropLine>
+  <cs:errorBar>
+    <cs:lnRef idx="0"/>
+    <cs:fillRef idx="0"/>
+    <cs:effectRef idx="0"/>
+    <cs:fontRef idx="minor">
+      <a:schemeClr val="tx1"/>
+    </cs:fontRef>
+    <cs:spPr>
+      <a:ln w="9525" cap="flat" cmpd="sng" algn="ctr">
+        <a:solidFill>
+          <a:schemeClr val="tx1">
+            <a:lumMod val="65000"/>
+            <a:lumOff val="35000"/>
+          </a:schemeClr>
+        </a:solidFill>
+        <a:round/>
+      </a:ln>
+    </cs:spPr>
+  </cs:errorBar>
+  <cs:floor>
+    <cs:lnRef idx="0"/>
+    <cs:fillRef idx="0"/>
+    <cs:effectRef idx="0"/>
+    <cs:fontRef idx="minor">
+      <a:schemeClr val="tx1"/>
+    </cs:fontRef>
+    <cs:spPr>
+      <a:noFill/>
+      <a:ln>
+        <a:noFill/>
+      </a:ln>
+    </cs:spPr>
+  </cs:floor>
+  <cs:gridlineMajor>
+    <cs:lnRef idx="0"/>
+    <cs:fillRef idx="0"/>
+    <cs:effectRef idx="0"/>
+    <cs:fontRef idx="minor">
+      <a:schemeClr val="tx1"/>
+    </cs:fontRef>
+    <cs:spPr>
+      <a:ln w="9525" cap="flat" cmpd="sng" algn="ctr">
+        <a:solidFill>
+          <a:schemeClr val="tx1">
+            <a:lumMod val="15000"/>
+            <a:lumOff val="85000"/>
+          </a:schemeClr>
+        </a:solidFill>
+        <a:round/>
+      </a:ln>
+    </cs:spPr>
+  </cs:gridlineMajor>
+  <cs:gridlineMinor>
+    <cs:lnRef idx="0"/>
+    <cs:fillRef idx="0"/>
+    <cs:effectRef idx="0"/>
+    <cs:fontRef idx="minor">
+      <a:schemeClr val="tx1"/>
+    </cs:fontRef>
+    <cs:spPr>
+      <a:ln w="9525" cap="flat" cmpd="sng" algn="ctr">
+        <a:solidFill>
+          <a:schemeClr val="tx1">
+            <a:lumMod val="5000"/>
+            <a:lumOff val="95000"/>
+          </a:schemeClr>
+        </a:solidFill>
+        <a:round/>
+      </a:ln>
+    </cs:spPr>
+  </cs:gridlineMinor>
+  <cs:hiLoLine>
+    <cs:lnRef idx="0"/>
+    <cs:fillRef idx="0"/>
+    <cs:effectRef idx="0"/>
+    <cs:fontRef idx="minor">
+      <a:schemeClr val="tx1"/>
+    </cs:fontRef>
+    <cs:spPr>
+      <a:ln w="9525" cap="flat" cmpd="sng" algn="ctr">
+        <a:solidFill>
+          <a:schemeClr val="tx1">
+            <a:lumMod val="75000"/>
+            <a:lumOff val="25000"/>
+          </a:schemeClr>
+        </a:solidFill>
+        <a:round/>
+      </a:ln>
+    </cs:spPr>
+  </cs:hiLoLine>
+  <cs:leaderLine>
+    <cs:lnRef idx="0"/>
+    <cs:fillRef idx="0"/>
+    <cs:effectRef idx="0"/>
+    <cs:fontRef idx="minor">
+      <a:schemeClr val="tx1"/>
+    </cs:fontRef>
+    <cs:spPr>
+      <a:ln w="9525" cap="flat" cmpd="sng" algn="ctr">
+        <a:solidFill>
+          <a:schemeClr val="tx1">
+            <a:lumMod val="35000"/>
+            <a:lumOff val="65000"/>
+          </a:schemeClr>
+        </a:solidFill>
+        <a:round/>
+      </a:ln>
+    </cs:spPr>
+  </cs:leaderLine>
+  <cs:legend>
+    <cs:lnRef idx="0"/>
+    <cs:fillRef idx="0"/>
+    <cs:effectRef idx="0"/>
+    <cs:fontRef idx="minor">
+      <a:schemeClr val="tx1">
+        <a:lumMod val="65000"/>
+        <a:lumOff val="35000"/>
+      </a:schemeClr>
+    </cs:fontRef>
+    <cs:defRPr sz="900" kern="1200"/>
+  </cs:legend>
+  <cs:plotArea mods="allowNoFillOverride allowNoLineOverride">
+    <cs:lnRef idx="0"/>
+    <cs:fillRef idx="0"/>
+    <cs:effectRef idx="0"/>
+    <cs:fontRef idx="minor">
+      <a:schemeClr val="tx1"/>
+    </cs:fontRef>
+  </cs:plotArea>
+  <cs:plotArea3D mods="allowNoFillOverride allowNoLineOverride">
+    <cs:lnRef idx="0"/>
+    <cs:fillRef idx="0"/>
+    <cs:effectRef idx="0"/>
+    <cs:fontRef idx="minor">
+      <a:schemeClr val="tx1"/>
+    </cs:fontRef>
+  </cs:plotArea3D>
+  <cs:seriesAxis>
+    <cs:lnRef idx="0"/>
+    <cs:fillRef idx="0"/>
+    <cs:effectRef idx="0"/>
+    <cs:fontRef idx="minor">
+      <a:schemeClr val="tx1">
+        <a:lumMod val="65000"/>
+        <a:lumOff val="35000"/>
+      </a:schemeClr>
+    </cs:fontRef>
+    <cs:defRPr sz="900" kern="1200"/>
+  </cs:seriesAxis>
+  <cs:seriesLine>
+    <cs:lnRef idx="0"/>
+    <cs:fillRef idx="0"/>
+    <cs:effectRef idx="0"/>
+    <cs:fontRef idx="minor">
+      <a:schemeClr val="tx1"/>
+    </cs:fontRef>
+    <cs:spPr>
+      <a:ln w="9525" cap="flat" cmpd="sng" algn="ctr">
+        <a:solidFill>
+          <a:schemeClr val="tx1">
+            <a:lumMod val="35000"/>
+            <a:lumOff val="65000"/>
+          </a:schemeClr>
+        </a:solidFill>
+        <a:round/>
+      </a:ln>
+    </cs:spPr>
+  </cs:seriesLine>
+  <cs:title>
+    <cs:lnRef idx="0"/>
+    <cs:fillRef idx="0"/>
+    <cs:effectRef idx="0"/>
+    <cs:fontRef idx="minor">
+      <a:schemeClr val="tx1">
+        <a:lumMod val="65000"/>
+        <a:lumOff val="35000"/>
+      </a:schemeClr>
+    </cs:fontRef>
+    <cs:defRPr sz="1400" b="0" kern="1200" spc="0" baseline="0"/>
+  </cs:title>
+  <cs:trendline>
+    <cs:lnRef idx="0">
+      <cs:styleClr val="auto"/>
+    </cs:lnRef>
+    <cs:fillRef idx="0"/>
+    <cs:effectRef idx="0"/>
+    <cs:fontRef idx="minor">
+      <a:schemeClr val="tx1"/>
+    </cs:fontRef>
+    <cs:spPr>
+      <a:ln w="19050" cap="rnd">
+        <a:solidFill>
+          <a:schemeClr val="phClr"/>
+        </a:solidFill>
+        <a:prstDash val="sysDot"/>
+      </a:ln>
+    </cs:spPr>
+  </cs:trendline>
+  <cs:trendlineLabel>
+    <cs:lnRef idx="0"/>
+    <cs:fillRef idx="0"/>
+    <cs:effectRef idx="0"/>
+    <cs:fontRef idx="minor">
+      <a:schemeClr val="tx1">
+        <a:lumMod val="65000"/>
+        <a:lumOff val="35000"/>
+      </a:schemeClr>
+    </cs:fontRef>
+    <cs:defRPr sz="900" kern="1200"/>
+  </cs:trendlineLabel>
+  <cs:upBar>
+    <cs:lnRef idx="0"/>
+    <cs:fillRef idx="0"/>
+    <cs:effectRef idx="0"/>
+    <cs:fontRef idx="minor">
+      <a:schemeClr val="dk1"/>
+    </cs:fontRef>
+    <cs:spPr>
+      <a:solidFill>
+        <a:schemeClr val="lt1"/>
+      </a:solidFill>
+      <a:ln w="9525">
+        <a:solidFill>
+          <a:schemeClr val="tx1">
+            <a:lumMod val="15000"/>
+            <a:lumOff val="85000"/>
+          </a:schemeClr>
+        </a:solidFill>
+      </a:ln>
+    </cs:spPr>
+  </cs:upBar>
+  <cs:valueAxis>
+    <cs:lnRef idx="0"/>
+    <cs:fillRef idx="0"/>
+    <cs:effectRef idx="0"/>
+    <cs:fontRef idx="minor">
+      <a:schemeClr val="tx1">
+        <a:lumMod val="65000"/>
+        <a:lumOff val="35000"/>
+      </a:schemeClr>
+    </cs:fontRef>
+    <cs:defRPr sz="900" kern="1200"/>
+  </cs:valueAxis>
+  <cs:wall>
+    <cs:lnRef idx="0"/>
+    <cs:fillRef idx="0"/>
+    <cs:effectRef idx="0"/>
+    <cs:fontRef idx="minor">
+      <a:schemeClr val="tx1"/>
+    </cs:fontRef>
+    <cs:spPr>
+      <a:noFill/>
+      <a:ln>
+        <a:noFill/>
+      </a:ln>
+    </cs:spPr>
+  </cs:wall>
+</cs:chartStyle>
+</file>
+
+<file path=ppt/charts/style3.xml><?xml version="1.0" encoding="utf-8"?>
+<cs:chartStyle xmlns:cs="http://schemas.microsoft.com/office/drawing/2012/chartStyle" xmlns:a="http://schemas.openxmlformats.org/drawingml/2006/main" id="201">
+  <cs:axisTitle>
+    <cs:lnRef idx="0"/>
+    <cs:fillRef idx="0"/>
+    <cs:effectRef idx="0"/>
+    <cs:fontRef idx="minor">
+      <a:schemeClr val="tx1">
+        <a:lumMod val="65000"/>
+        <a:lumOff val="35000"/>
+      </a:schemeClr>
+    </cs:fontRef>
+    <cs:defRPr sz="1000" kern="1200"/>
+  </cs:axisTitle>
+  <cs:categoryAxis>
+    <cs:lnRef idx="0"/>
+    <cs:fillRef idx="0"/>
+    <cs:effectRef idx="0"/>
+    <cs:fontRef idx="minor">
+      <a:schemeClr val="tx1">
+        <a:lumMod val="65000"/>
+        <a:lumOff val="35000"/>
+      </a:schemeClr>
+    </cs:fontRef>
+    <cs:spPr>
+      <a:ln w="9525" cap="flat" cmpd="sng" algn="ctr">
+        <a:solidFill>
+          <a:schemeClr val="tx1">
+            <a:lumMod val="15000"/>
+            <a:lumOff val="85000"/>
+          </a:schemeClr>
+        </a:solidFill>
+        <a:round/>
+      </a:ln>
+    </cs:spPr>
+    <cs:defRPr sz="900" kern="1200"/>
+  </cs:categoryAxis>
+  <cs:chartArea mods="allowNoFillOverride allowNoLineOverride">
+    <cs:lnRef idx="0"/>
+    <cs:fillRef idx="0"/>
+    <cs:effectRef idx="0"/>
+    <cs:fontRef idx="minor">
+      <a:schemeClr val="tx1"/>
+    </cs:fontRef>
+    <cs:spPr>
+      <a:solidFill>
+        <a:schemeClr val="bg1"/>
+      </a:solidFill>
+      <a:ln w="9525" cap="flat" cmpd="sng" algn="ctr">
+        <a:solidFill>
+          <a:schemeClr val="tx1">
+            <a:lumMod val="15000"/>
+            <a:lumOff val="85000"/>
+          </a:schemeClr>
+        </a:solidFill>
+        <a:round/>
+      </a:ln>
+    </cs:spPr>
+    <cs:defRPr sz="1000" kern="1200"/>
+  </cs:chartArea>
+  <cs:dataLabel>
+    <cs:lnRef idx="0"/>
+    <cs:fillRef idx="0"/>
+    <cs:effectRef idx="0"/>
+    <cs:fontRef idx="minor">
+      <a:schemeClr val="tx1">
+        <a:lumMod val="75000"/>
+        <a:lumOff val="25000"/>
+      </a:schemeClr>
+    </cs:fontRef>
+    <cs:defRPr sz="900" kern="1200"/>
+  </cs:dataLabel>
+  <cs:dataLabelCallout>
+    <cs:lnRef idx="0"/>
+    <cs:fillRef idx="0"/>
+    <cs:effectRef idx="0"/>
+    <cs:fontRef idx="minor">
+      <a:schemeClr val="dk1">
+        <a:lumMod val="65000"/>
+        <a:lumOff val="35000"/>
+      </a:schemeClr>
+    </cs:fontRef>
+    <cs:spPr>
+      <a:solidFill>
+        <a:schemeClr val="lt1"/>
+      </a:solidFill>
+      <a:ln>
+        <a:solidFill>
+          <a:schemeClr val="dk1">
+            <a:lumMod val="25000"/>
+            <a:lumOff val="75000"/>
+          </a:schemeClr>
+        </a:solidFill>
+      </a:ln>
+    </cs:spPr>
+    <cs:defRPr sz="900" kern="1200"/>
+    <cs:bodyPr rot="0" spcFirstLastPara="1" vertOverflow="clip" horzOverflow="clip" vert="horz" wrap="square" lIns="36576" tIns="18288" rIns="36576" bIns="18288" anchor="ctr" anchorCtr="1">
+      <a:spAutoFit/>
+    </cs:bodyPr>
+  </cs:dataLabelCallout>
+  <cs:dataPoint>
+    <cs:lnRef idx="0"/>
+    <cs:fillRef idx="1">
+      <cs:styleClr val="auto"/>
+    </cs:fillRef>
+    <cs:effectRef idx="0"/>
+    <cs:fontRef idx="minor">
+      <a:schemeClr val="tx1"/>
+    </cs:fontRef>
+  </cs:dataPoint>
+  <cs:dataPoint3D>
+    <cs:lnRef idx="0"/>
+    <cs:fillRef idx="1">
+      <cs:styleClr val="auto"/>
+    </cs:fillRef>
+    <cs:effectRef idx="0"/>
+    <cs:fontRef idx="minor">
+      <a:schemeClr val="tx1"/>
+    </cs:fontRef>
+  </cs:dataPoint3D>
+  <cs:dataPointLine>
+    <cs:lnRef idx="0">
+      <cs:styleClr val="auto"/>
+    </cs:lnRef>
+    <cs:fillRef idx="1"/>
+    <cs:effectRef idx="0"/>
+    <cs:fontRef idx="minor">
+      <a:schemeClr val="tx1"/>
+    </cs:fontRef>
+    <cs:spPr>
+      <a:ln w="28575" cap="rnd">
+        <a:solidFill>
+          <a:schemeClr val="phClr"/>
+        </a:solidFill>
+        <a:round/>
+      </a:ln>
+    </cs:spPr>
+  </cs:dataPointLine>
+  <cs:dataPointMarker>
+    <cs:lnRef idx="0">
+      <cs:styleClr val="auto"/>
+    </cs:lnRef>
+    <cs:fillRef idx="1">
+      <cs:styleClr val="auto"/>
+    </cs:fillRef>
+    <cs:effectRef idx="0"/>
+    <cs:fontRef idx="minor">
+      <a:schemeClr val="tx1"/>
+    </cs:fontRef>
+    <cs:spPr>
+      <a:ln w="9525">
+        <a:solidFill>
+          <a:schemeClr val="phClr"/>
+        </a:solidFill>
+      </a:ln>
+    </cs:spPr>
+  </cs:dataPointMarker>
+  <cs:dataPointMarkerLayout symbol="circle" size="5"/>
+  <cs:dataPointWireframe>
+    <cs:lnRef idx="0">
+      <cs:styleClr val="auto"/>
+    </cs:lnRef>
+    <cs:fillRef idx="1"/>
+    <cs:effectRef idx="0"/>
+    <cs:fontRef idx="minor">
+      <a:schemeClr val="tx1"/>
+    </cs:fontRef>
+    <cs:spPr>
+      <a:ln w="9525" cap="rnd">
+        <a:solidFill>
+          <a:schemeClr val="phClr"/>
+        </a:solidFill>
+        <a:round/>
+      </a:ln>
+    </cs:spPr>
+  </cs:dataPointWireframe>
+  <cs:dataTable>
+    <cs:lnRef idx="0"/>
+    <cs:fillRef idx="0"/>
+    <cs:effectRef idx="0"/>
+    <cs:fontRef idx="minor">
+      <a:schemeClr val="tx1">
+        <a:lumMod val="65000"/>
+        <a:lumOff val="35000"/>
+      </a:schemeClr>
+    </cs:fontRef>
+    <cs:spPr>
+      <a:noFill/>
+      <a:ln w="9525" cap="flat" cmpd="sng" algn="ctr">
+        <a:solidFill>
+          <a:schemeClr val="tx1">
+            <a:lumMod val="15000"/>
+            <a:lumOff val="85000"/>
+          </a:schemeClr>
+        </a:solidFill>
+        <a:round/>
+      </a:ln>
+    </cs:spPr>
+    <cs:defRPr sz="900" kern="1200"/>
+  </cs:dataTable>
+  <cs:downBar>
+    <cs:lnRef idx="0"/>
+    <cs:fillRef idx="0"/>
+    <cs:effectRef idx="0"/>
+    <cs:fontRef idx="minor">
+      <a:schemeClr val="dk1"/>
+    </cs:fontRef>
+    <cs:spPr>
+      <a:solidFill>
+        <a:schemeClr val="dk1">
+          <a:lumMod val="65000"/>
+          <a:lumOff val="35000"/>
+        </a:schemeClr>
+      </a:solidFill>
+      <a:ln w="9525">
+        <a:solidFill>
+          <a:schemeClr val="tx1">
+            <a:lumMod val="65000"/>
+            <a:lumOff val="35000"/>
+          </a:schemeClr>
+        </a:solidFill>
+      </a:ln>
+    </cs:spPr>
+  </cs:downBar>
+  <cs:dropLine>
+    <cs:lnRef idx="0"/>
+    <cs:fillRef idx="0"/>
+    <cs:effectRef idx="0"/>
+    <cs:fontRef idx="minor">
+      <a:schemeClr val="tx1"/>
+    </cs:fontRef>
+    <cs:spPr>
+      <a:ln w="9525" cap="flat" cmpd="sng" algn="ctr">
+        <a:solidFill>
+          <a:schemeClr val="tx1">
+            <a:lumMod val="35000"/>
+            <a:lumOff val="65000"/>
+          </a:schemeClr>
+        </a:solidFill>
+        <a:round/>
+      </a:ln>
+    </cs:spPr>
+  </cs:dropLine>
+  <cs:errorBar>
+    <cs:lnRef idx="0"/>
+    <cs:fillRef idx="0"/>
+    <cs:effectRef idx="0"/>
+    <cs:fontRef idx="minor">
+      <a:schemeClr val="tx1"/>
+    </cs:fontRef>
+    <cs:spPr>
+      <a:ln w="9525" cap="flat" cmpd="sng" algn="ctr">
+        <a:solidFill>
+          <a:schemeClr val="tx1">
+            <a:lumMod val="65000"/>
+            <a:lumOff val="35000"/>
+          </a:schemeClr>
+        </a:solidFill>
+        <a:round/>
+      </a:ln>
+    </cs:spPr>
+  </cs:errorBar>
+  <cs:floor>
+    <cs:lnRef idx="0"/>
+    <cs:fillRef idx="0"/>
+    <cs:effectRef idx="0"/>
+    <cs:fontRef idx="minor">
+      <a:schemeClr val="tx1"/>
+    </cs:fontRef>
+    <cs:spPr>
+      <a:noFill/>
+      <a:ln>
+        <a:noFill/>
+      </a:ln>
+    </cs:spPr>
+  </cs:floor>
+  <cs:gridlineMajor>
+    <cs:lnRef idx="0"/>
+    <cs:fillRef idx="0"/>
+    <cs:effectRef idx="0"/>
+    <cs:fontRef idx="minor">
+      <a:schemeClr val="tx1"/>
+    </cs:fontRef>
+    <cs:spPr>
+      <a:ln w="9525" cap="flat" cmpd="sng" algn="ctr">
+        <a:solidFill>
+          <a:schemeClr val="tx1">
+            <a:lumMod val="15000"/>
+            <a:lumOff val="85000"/>
+          </a:schemeClr>
+        </a:solidFill>
+        <a:round/>
+      </a:ln>
+    </cs:spPr>
+  </cs:gridlineMajor>
+  <cs:gridlineMinor>
+    <cs:lnRef idx="0"/>
+    <cs:fillRef idx="0"/>
+    <cs:effectRef idx="0"/>
+    <cs:fontRef idx="minor">
+      <a:schemeClr val="tx1"/>
+    </cs:fontRef>
+    <cs:spPr>
+      <a:ln w="9525" cap="flat" cmpd="sng" algn="ctr">
+        <a:solidFill>
+          <a:schemeClr val="tx1">
+            <a:lumMod val="5000"/>
+            <a:lumOff val="95000"/>
+          </a:schemeClr>
+        </a:solidFill>
+        <a:round/>
+      </a:ln>
+    </cs:spPr>
+  </cs:gridlineMinor>
+  <cs:hiLoLine>
+    <cs:lnRef idx="0"/>
+    <cs:fillRef idx="0"/>
+    <cs:effectRef idx="0"/>
+    <cs:fontRef idx="minor">
+      <a:schemeClr val="tx1"/>
+    </cs:fontRef>
+    <cs:spPr>
+      <a:ln w="9525" cap="flat" cmpd="sng" algn="ctr">
+        <a:solidFill>
+          <a:schemeClr val="tx1">
+            <a:lumMod val="75000"/>
+            <a:lumOff val="25000"/>
+          </a:schemeClr>
+        </a:solidFill>
+        <a:round/>
+      </a:ln>
+    </cs:spPr>
+  </cs:hiLoLine>
+  <cs:leaderLine>
+    <cs:lnRef idx="0"/>
+    <cs:fillRef idx="0"/>
+    <cs:effectRef idx="0"/>
+    <cs:fontRef idx="minor">
+      <a:schemeClr val="tx1"/>
+    </cs:fontRef>
+    <cs:spPr>
+      <a:ln w="9525" cap="flat" cmpd="sng" algn="ctr">
+        <a:solidFill>
+          <a:schemeClr val="tx1">
+            <a:lumMod val="35000"/>
+            <a:lumOff val="65000"/>
+          </a:schemeClr>
+        </a:solidFill>
+        <a:round/>
+      </a:ln>
+    </cs:spPr>
+  </cs:leaderLine>
+  <cs:legend>
+    <cs:lnRef idx="0"/>
+    <cs:fillRef idx="0"/>
+    <cs:effectRef idx="0"/>
+    <cs:fontRef idx="minor">
+      <a:schemeClr val="tx1">
+        <a:lumMod val="65000"/>
+        <a:lumOff val="35000"/>
+      </a:schemeClr>
+    </cs:fontRef>
+    <cs:defRPr sz="900" kern="1200"/>
+  </cs:legend>
+  <cs:plotArea mods="allowNoFillOverride allowNoLineOverride">
+    <cs:lnRef idx="0"/>
+    <cs:fillRef idx="0"/>
+    <cs:effectRef idx="0"/>
+    <cs:fontRef idx="minor">
+      <a:schemeClr val="tx1"/>
+    </cs:fontRef>
+  </cs:plotArea>
+  <cs:plotArea3D mods="allowNoFillOverride allowNoLineOverride">
+    <cs:lnRef idx="0"/>
+    <cs:fillRef idx="0"/>
+    <cs:effectRef idx="0"/>
+    <cs:fontRef idx="minor">
+      <a:schemeClr val="tx1"/>
+    </cs:fontRef>
+  </cs:plotArea3D>
+  <cs:seriesAxis>
+    <cs:lnRef idx="0"/>
+    <cs:fillRef idx="0"/>
+    <cs:effectRef idx="0"/>
+    <cs:fontRef idx="minor">
+      <a:schemeClr val="tx1">
+        <a:lumMod val="65000"/>
+        <a:lumOff val="35000"/>
+      </a:schemeClr>
+    </cs:fontRef>
+    <cs:defRPr sz="900" kern="1200"/>
+  </cs:seriesAxis>
+  <cs:seriesLine>
+    <cs:lnRef idx="0"/>
+    <cs:fillRef idx="0"/>
+    <cs:effectRef idx="0"/>
+    <cs:fontRef idx="minor">
+      <a:schemeClr val="tx1"/>
+    </cs:fontRef>
+    <cs:spPr>
+      <a:ln w="9525" cap="flat" cmpd="sng" algn="ctr">
+        <a:solidFill>
+          <a:schemeClr val="tx1">
+            <a:lumMod val="35000"/>
+            <a:lumOff val="65000"/>
+          </a:schemeClr>
+        </a:solidFill>
+        <a:round/>
+      </a:ln>
+    </cs:spPr>
+  </cs:seriesLine>
+  <cs:title>
+    <cs:lnRef idx="0"/>
+    <cs:fillRef idx="0"/>
+    <cs:effectRef idx="0"/>
+    <cs:fontRef idx="minor">
+      <a:schemeClr val="tx1">
+        <a:lumMod val="65000"/>
+        <a:lumOff val="35000"/>
+      </a:schemeClr>
+    </cs:fontRef>
+    <cs:defRPr sz="1400" b="0" kern="1200" spc="0" baseline="0"/>
+  </cs:title>
+  <cs:trendline>
+    <cs:lnRef idx="0">
+      <cs:styleClr val="auto"/>
+    </cs:lnRef>
+    <cs:fillRef idx="0"/>
+    <cs:effectRef idx="0"/>
+    <cs:fontRef idx="minor">
+      <a:schemeClr val="tx1"/>
+    </cs:fontRef>
+    <cs:spPr>
+      <a:ln w="19050" cap="rnd">
+        <a:solidFill>
+          <a:schemeClr val="phClr"/>
+        </a:solidFill>
+        <a:prstDash val="sysDot"/>
+      </a:ln>
+    </cs:spPr>
+  </cs:trendline>
+  <cs:trendlineLabel>
+    <cs:lnRef idx="0"/>
+    <cs:fillRef idx="0"/>
+    <cs:effectRef idx="0"/>
+    <cs:fontRef idx="minor">
+      <a:schemeClr val="tx1">
+        <a:lumMod val="65000"/>
+        <a:lumOff val="35000"/>
+      </a:schemeClr>
+    </cs:fontRef>
+    <cs:defRPr sz="900" kern="1200"/>
+  </cs:trendlineLabel>
+  <cs:upBar>
+    <cs:lnRef idx="0"/>
+    <cs:fillRef idx="0"/>
+    <cs:effectRef idx="0"/>
+    <cs:fontRef idx="minor">
+      <a:schemeClr val="dk1"/>
+    </cs:fontRef>
+    <cs:spPr>
+      <a:solidFill>
+        <a:schemeClr val="lt1"/>
+      </a:solidFill>
+      <a:ln w="9525">
+        <a:solidFill>
+          <a:schemeClr val="tx1">
+            <a:lumMod val="15000"/>
+            <a:lumOff val="85000"/>
+          </a:schemeClr>
+        </a:solidFill>
+      </a:ln>
+    </cs:spPr>
+  </cs:upBar>
+  <cs:valueAxis>
+    <cs:lnRef idx="0"/>
+    <cs:fillRef idx="0"/>
+    <cs:effectRef idx="0"/>
+    <cs:fontRef idx="minor">
+      <a:schemeClr val="tx1">
+        <a:lumMod val="65000"/>
+        <a:lumOff val="35000"/>
+      </a:schemeClr>
+    </cs:fontRef>
+    <cs:defRPr sz="900" kern="1200"/>
+  </cs:valueAxis>
+  <cs:wall>
+    <cs:lnRef idx="0"/>
+    <cs:fillRef idx="0"/>
+    <cs:effectRef idx="0"/>
+    <cs:fontRef idx="minor">
+      <a:schemeClr val="tx1"/>
+    </cs:fontRef>
+    <cs:spPr>
+      <a:noFill/>
+      <a:ln>
+        <a:noFill/>
+      </a:ln>
+    </cs:spPr>
+  </cs:wall>
+</cs:chartStyle>
+</file>
+
+<file path=ppt/charts/style4.xml><?xml version="1.0" encoding="utf-8"?>
+<cs:chartStyle xmlns:cs="http://schemas.microsoft.com/office/drawing/2012/chartStyle" xmlns:a="http://schemas.openxmlformats.org/drawingml/2006/main" id="201">
+  <cs:axisTitle>
+    <cs:lnRef idx="0"/>
+    <cs:fillRef idx="0"/>
+    <cs:effectRef idx="0"/>
+    <cs:fontRef idx="minor">
+      <a:schemeClr val="tx1">
+        <a:lumMod val="65000"/>
+        <a:lumOff val="35000"/>
+      </a:schemeClr>
+    </cs:fontRef>
+    <cs:defRPr sz="1000" kern="1200"/>
+  </cs:axisTitle>
+  <cs:categoryAxis>
+    <cs:lnRef idx="0"/>
+    <cs:fillRef idx="0"/>
+    <cs:effectRef idx="0"/>
+    <cs:fontRef idx="minor">
+      <a:schemeClr val="tx1">
+        <a:lumMod val="65000"/>
+        <a:lumOff val="35000"/>
+      </a:schemeClr>
+    </cs:fontRef>
+    <cs:spPr>
+      <a:ln w="9525" cap="flat" cmpd="sng" algn="ctr">
+        <a:solidFill>
+          <a:schemeClr val="tx1">
+            <a:lumMod val="15000"/>
+            <a:lumOff val="85000"/>
+          </a:schemeClr>
+        </a:solidFill>
+        <a:round/>
+      </a:ln>
+    </cs:spPr>
+    <cs:defRPr sz="900" kern="1200"/>
+  </cs:categoryAxis>
+  <cs:chartArea mods="allowNoFillOverride allowNoLineOverride">
+    <cs:lnRef idx="0"/>
+    <cs:fillRef idx="0"/>
+    <cs:effectRef idx="0"/>
+    <cs:fontRef idx="minor">
+      <a:schemeClr val="tx1"/>
+    </cs:fontRef>
+    <cs:spPr>
+      <a:solidFill>
+        <a:schemeClr val="bg1"/>
+      </a:solidFill>
+      <a:ln w="9525" cap="flat" cmpd="sng" algn="ctr">
+        <a:solidFill>
+          <a:schemeClr val="tx1">
+            <a:lumMod val="15000"/>
+            <a:lumOff val="85000"/>
+          </a:schemeClr>
+        </a:solidFill>
+        <a:round/>
+      </a:ln>
+    </cs:spPr>
+    <cs:defRPr sz="1000" kern="1200"/>
+  </cs:chartArea>
+  <cs:dataLabel>
+    <cs:lnRef idx="0"/>
+    <cs:fillRef idx="0"/>
+    <cs:effectRef idx="0"/>
+    <cs:fontRef idx="minor">
+      <a:schemeClr val="tx1">
+        <a:lumMod val="75000"/>
+        <a:lumOff val="25000"/>
+      </a:schemeClr>
+    </cs:fontRef>
+    <cs:defRPr sz="900" kern="1200"/>
+  </cs:dataLabel>
+  <cs:dataLabelCallout>
+    <cs:lnRef idx="0"/>
+    <cs:fillRef idx="0"/>
+    <cs:effectRef idx="0"/>
+    <cs:fontRef idx="minor">
+      <a:schemeClr val="dk1">
+        <a:lumMod val="65000"/>
+        <a:lumOff val="35000"/>
+      </a:schemeClr>
+    </cs:fontRef>
+    <cs:spPr>
+      <a:solidFill>
+        <a:schemeClr val="lt1"/>
+      </a:solidFill>
+      <a:ln>
+        <a:solidFill>
+          <a:schemeClr val="dk1">
+            <a:lumMod val="25000"/>
+            <a:lumOff val="75000"/>
+          </a:schemeClr>
+        </a:solidFill>
+      </a:ln>
+    </cs:spPr>
+    <cs:defRPr sz="900" kern="1200"/>
+    <cs:bodyPr rot="0" spcFirstLastPara="1" vertOverflow="clip" horzOverflow="clip" vert="horz" wrap="square" lIns="36576" tIns="18288" rIns="36576" bIns="18288" anchor="ctr" anchorCtr="1">
+      <a:spAutoFit/>
+    </cs:bodyPr>
+  </cs:dataLabelCallout>
+  <cs:dataPoint>
+    <cs:lnRef idx="0"/>
+    <cs:fillRef idx="1">
+      <cs:styleClr val="auto"/>
+    </cs:fillRef>
+    <cs:effectRef idx="0"/>
+    <cs:fontRef idx="minor">
+      <a:schemeClr val="tx1"/>
+    </cs:fontRef>
+  </cs:dataPoint>
+  <cs:dataPoint3D>
+    <cs:lnRef idx="0"/>
+    <cs:fillRef idx="1">
+      <cs:styleClr val="auto"/>
+    </cs:fillRef>
+    <cs:effectRef idx="0"/>
+    <cs:fontRef idx="minor">
+      <a:schemeClr val="tx1"/>
+    </cs:fontRef>
+  </cs:dataPoint3D>
+  <cs:dataPointLine>
+    <cs:lnRef idx="0">
+      <cs:styleClr val="auto"/>
+    </cs:lnRef>
+    <cs:fillRef idx="1"/>
+    <cs:effectRef idx="0"/>
+    <cs:fontRef idx="minor">
+      <a:schemeClr val="tx1"/>
+    </cs:fontRef>
+    <cs:spPr>
+      <a:ln w="28575" cap="rnd">
+        <a:solidFill>
+          <a:schemeClr val="phClr"/>
+        </a:solidFill>
+        <a:round/>
+      </a:ln>
+    </cs:spPr>
+  </cs:dataPointLine>
+  <cs:dataPointMarker>
+    <cs:lnRef idx="0">
+      <cs:styleClr val="auto"/>
+    </cs:lnRef>
+    <cs:fillRef idx="1">
+      <cs:styleClr val="auto"/>
+    </cs:fillRef>
+    <cs:effectRef idx="0"/>
+    <cs:fontRef idx="minor">
+      <a:schemeClr val="tx1"/>
+    </cs:fontRef>
+    <cs:spPr>
+      <a:ln w="9525">
+        <a:solidFill>
+          <a:schemeClr val="phClr"/>
+        </a:solidFill>
+      </a:ln>
+    </cs:spPr>
+  </cs:dataPointMarker>
+  <cs:dataPointMarkerLayout symbol="circle" size="5"/>
+  <cs:dataPointWireframe>
+    <cs:lnRef idx="0">
+      <cs:styleClr val="auto"/>
+    </cs:lnRef>
+    <cs:fillRef idx="1"/>
+    <cs:effectRef idx="0"/>
+    <cs:fontRef idx="minor">
+      <a:schemeClr val="tx1"/>
+    </cs:fontRef>
+    <cs:spPr>
+      <a:ln w="9525" cap="rnd">
+        <a:solidFill>
+          <a:schemeClr val="phClr"/>
+        </a:solidFill>
+        <a:round/>
+      </a:ln>
+    </cs:spPr>
+  </cs:dataPointWireframe>
+  <cs:dataTable>
+    <cs:lnRef idx="0"/>
+    <cs:fillRef idx="0"/>
+    <cs:effectRef idx="0"/>
+    <cs:fontRef idx="minor">
+      <a:schemeClr val="tx1">
+        <a:lumMod val="65000"/>
+        <a:lumOff val="35000"/>
+      </a:schemeClr>
+    </cs:fontRef>
+    <cs:spPr>
+      <a:noFill/>
+      <a:ln w="9525" cap="flat" cmpd="sng" algn="ctr">
+        <a:solidFill>
+          <a:schemeClr val="tx1">
+            <a:lumMod val="15000"/>
+            <a:lumOff val="85000"/>
+          </a:schemeClr>
+        </a:solidFill>
+        <a:round/>
+      </a:ln>
+    </cs:spPr>
+    <cs:defRPr sz="900" kern="1200"/>
+  </cs:dataTable>
+  <cs:downBar>
+    <cs:lnRef idx="0"/>
+    <cs:fillRef idx="0"/>
+    <cs:effectRef idx="0"/>
+    <cs:fontRef idx="minor">
+      <a:schemeClr val="dk1"/>
+    </cs:fontRef>
+    <cs:spPr>
+      <a:solidFill>
+        <a:schemeClr val="dk1">
+          <a:lumMod val="65000"/>
+          <a:lumOff val="35000"/>
+        </a:schemeClr>
+      </a:solidFill>
+      <a:ln w="9525">
+        <a:solidFill>
+          <a:schemeClr val="tx1">
+            <a:lumMod val="65000"/>
+            <a:lumOff val="35000"/>
+          </a:schemeClr>
+        </a:solidFill>
+      </a:ln>
+    </cs:spPr>
+  </cs:downBar>
+  <cs:dropLine>
+    <cs:lnRef idx="0"/>
+    <cs:fillRef idx="0"/>
+    <cs:effectRef idx="0"/>
+    <cs:fontRef idx="minor">
+      <a:schemeClr val="tx1"/>
+    </cs:fontRef>
+    <cs:spPr>
+      <a:ln w="9525" cap="flat" cmpd="sng" algn="ctr">
+        <a:solidFill>
+          <a:schemeClr val="tx1">
+            <a:lumMod val="35000"/>
+            <a:lumOff val="65000"/>
+          </a:schemeClr>
+        </a:solidFill>
+        <a:round/>
+      </a:ln>
+    </cs:spPr>
+  </cs:dropLine>
+  <cs:errorBar>
+    <cs:lnRef idx="0"/>
+    <cs:fillRef idx="0"/>
+    <cs:effectRef idx="0"/>
+    <cs:fontRef idx="minor">
+      <a:schemeClr val="tx1"/>
+    </cs:fontRef>
+    <cs:spPr>
+      <a:ln w="9525" cap="flat" cmpd="sng" algn="ctr">
+        <a:solidFill>
+          <a:schemeClr val="tx1">
+            <a:lumMod val="65000"/>
+            <a:lumOff val="35000"/>
+          </a:schemeClr>
+        </a:solidFill>
+        <a:round/>
+      </a:ln>
+    </cs:spPr>
+  </cs:errorBar>
+  <cs:floor>
+    <cs:lnRef idx="0"/>
+    <cs:fillRef idx="0"/>
+    <cs:effectRef idx="0"/>
+    <cs:fontRef idx="minor">
+      <a:schemeClr val="tx1"/>
+    </cs:fontRef>
+    <cs:spPr>
+      <a:noFill/>
+      <a:ln>
+        <a:noFill/>
+      </a:ln>
+    </cs:spPr>
+  </cs:floor>
+  <cs:gridlineMajor>
+    <cs:lnRef idx="0"/>
+    <cs:fillRef idx="0"/>
+    <cs:effectRef idx="0"/>
+    <cs:fontRef idx="minor">
+      <a:schemeClr val="tx1"/>
+    </cs:fontRef>
+    <cs:spPr>
+      <a:ln w="9525" cap="flat" cmpd="sng" algn="ctr">
+        <a:solidFill>
+          <a:schemeClr val="tx1">
+            <a:lumMod val="15000"/>
+            <a:lumOff val="85000"/>
+          </a:schemeClr>
+        </a:solidFill>
+        <a:round/>
+      </a:ln>
+    </cs:spPr>
+  </cs:gridlineMajor>
+  <cs:gridlineMinor>
+    <cs:lnRef idx="0"/>
+    <cs:fillRef idx="0"/>
+    <cs:effectRef idx="0"/>
+    <cs:fontRef idx="minor">
+      <a:schemeClr val="tx1"/>
+    </cs:fontRef>
+    <cs:spPr>
+      <a:ln w="9525" cap="flat" cmpd="sng" algn="ctr">
+        <a:solidFill>
+          <a:schemeClr val="tx1">
+            <a:lumMod val="5000"/>
+            <a:lumOff val="95000"/>
+          </a:schemeClr>
+        </a:solidFill>
+        <a:round/>
+      </a:ln>
+    </cs:spPr>
+  </cs:gridlineMinor>
+  <cs:hiLoLine>
+    <cs:lnRef idx="0"/>
+    <cs:fillRef idx="0"/>
+    <cs:effectRef idx="0"/>
+    <cs:fontRef idx="minor">
+      <a:schemeClr val="tx1"/>
+    </cs:fontRef>
+    <cs:spPr>
+      <a:ln w="9525" cap="flat" cmpd="sng" algn="ctr">
+        <a:solidFill>
+          <a:schemeClr val="tx1">
+            <a:lumMod val="75000"/>
+            <a:lumOff val="25000"/>
+          </a:schemeClr>
+        </a:solidFill>
+        <a:round/>
+      </a:ln>
+    </cs:spPr>
+  </cs:hiLoLine>
+  <cs:leaderLine>
+    <cs:lnRef idx="0"/>
+    <cs:fillRef idx="0"/>
+    <cs:effectRef idx="0"/>
+    <cs:fontRef idx="minor">
+      <a:schemeClr val="tx1"/>
+    </cs:fontRef>
+    <cs:spPr>
+      <a:ln w="9525" cap="flat" cmpd="sng" algn="ctr">
+        <a:solidFill>
+          <a:schemeClr val="tx1">
+            <a:lumMod val="35000"/>
+            <a:lumOff val="65000"/>
+          </a:schemeClr>
+        </a:solidFill>
+        <a:round/>
+      </a:ln>
+    </cs:spPr>
+  </cs:leaderLine>
+  <cs:legend>
+    <cs:lnRef idx="0"/>
+    <cs:fillRef idx="0"/>
+    <cs:effectRef idx="0"/>
+    <cs:fontRef idx="minor">
+      <a:schemeClr val="tx1">
+        <a:lumMod val="65000"/>
+        <a:lumOff val="35000"/>
+      </a:schemeClr>
+    </cs:fontRef>
+    <cs:defRPr sz="900" kern="1200"/>
+  </cs:legend>
+  <cs:plotArea mods="allowNoFillOverride allowNoLineOverride">
+    <cs:lnRef idx="0"/>
+    <cs:fillRef idx="0"/>
+    <cs:effectRef idx="0"/>
+    <cs:fontRef idx="minor">
+      <a:schemeClr val="tx1"/>
+    </cs:fontRef>
+  </cs:plotArea>
+  <cs:plotArea3D mods="allowNoFillOverride allowNoLineOverride">
+    <cs:lnRef idx="0"/>
+    <cs:fillRef idx="0"/>
+    <cs:effectRef idx="0"/>
+    <cs:fontRef idx="minor">
+      <a:schemeClr val="tx1"/>
+    </cs:fontRef>
+  </cs:plotArea3D>
+  <cs:seriesAxis>
+    <cs:lnRef idx="0"/>
+    <cs:fillRef idx="0"/>
+    <cs:effectRef idx="0"/>
+    <cs:fontRef idx="minor">
+      <a:schemeClr val="tx1">
+        <a:lumMod val="65000"/>
+        <a:lumOff val="35000"/>
+      </a:schemeClr>
+    </cs:fontRef>
+    <cs:defRPr sz="900" kern="1200"/>
+  </cs:seriesAxis>
+  <cs:seriesLine>
+    <cs:lnRef idx="0"/>
+    <cs:fillRef idx="0"/>
+    <cs:effectRef idx="0"/>
+    <cs:fontRef idx="minor">
+      <a:schemeClr val="tx1"/>
+    </cs:fontRef>
+    <cs:spPr>
+      <a:ln w="9525" cap="flat" cmpd="sng" algn="ctr">
+        <a:solidFill>
+          <a:schemeClr val="tx1">
+            <a:lumMod val="35000"/>
+            <a:lumOff val="65000"/>
+          </a:schemeClr>
+        </a:solidFill>
+        <a:round/>
+      </a:ln>
+    </cs:spPr>
+  </cs:seriesLine>
+  <cs:title>
+    <cs:lnRef idx="0"/>
+    <cs:fillRef idx="0"/>
+    <cs:effectRef idx="0"/>
+    <cs:fontRef idx="minor">
+      <a:schemeClr val="tx1">
+        <a:lumMod val="65000"/>
+        <a:lumOff val="35000"/>
+      </a:schemeClr>
+    </cs:fontRef>
+    <cs:defRPr sz="1400" b="0" kern="1200" spc="0" baseline="0"/>
+  </cs:title>
+  <cs:trendline>
+    <cs:lnRef idx="0">
+      <cs:styleClr val="auto"/>
+    </cs:lnRef>
+    <cs:fillRef idx="0"/>
+    <cs:effectRef idx="0"/>
+    <cs:fontRef idx="minor">
+      <a:schemeClr val="tx1"/>
+    </cs:fontRef>
+    <cs:spPr>
+      <a:ln w="19050" cap="rnd">
+        <a:solidFill>
+          <a:schemeClr val="phClr"/>
+        </a:solidFill>
+        <a:prstDash val="sysDot"/>
+      </a:ln>
+    </cs:spPr>
+  </cs:trendline>
+  <cs:trendlineLabel>
+    <cs:lnRef idx="0"/>
+    <cs:fillRef idx="0"/>
+    <cs:effectRef idx="0"/>
+    <cs:fontRef idx="minor">
+      <a:schemeClr val="tx1">
+        <a:lumMod val="65000"/>
+        <a:lumOff val="35000"/>
+      </a:schemeClr>
+    </cs:fontRef>
+    <cs:defRPr sz="900" kern="1200"/>
+  </cs:trendlineLabel>
+  <cs:upBar>
+    <cs:lnRef idx="0"/>
+    <cs:fillRef idx="0"/>
+    <cs:effectRef idx="0"/>
+    <cs:fontRef idx="minor">
+      <a:schemeClr val="dk1"/>
+    </cs:fontRef>
+    <cs:spPr>
+      <a:solidFill>
+        <a:schemeClr val="lt1"/>
+      </a:solidFill>
+      <a:ln w="9525">
+        <a:solidFill>
+          <a:schemeClr val="tx1">
+            <a:lumMod val="15000"/>
+            <a:lumOff val="85000"/>
+          </a:schemeClr>
+        </a:solidFill>
+      </a:ln>
+    </cs:spPr>
+  </cs:upBar>
+  <cs:valueAxis>
+    <cs:lnRef idx="0"/>
+    <cs:fillRef idx="0"/>
+    <cs:effectRef idx="0"/>
+    <cs:fontRef idx="minor">
+      <a:schemeClr val="tx1">
+        <a:lumMod val="65000"/>
+        <a:lumOff val="35000"/>
+      </a:schemeClr>
+    </cs:fontRef>
+    <cs:defRPr sz="900" kern="1200"/>
+  </cs:valueAxis>
+  <cs:wall>
+    <cs:lnRef idx="0"/>
+    <cs:fillRef idx="0"/>
+    <cs:effectRef idx="0"/>
+    <cs:fontRef idx="minor">
+      <a:schemeClr val="tx1"/>
+    </cs:fontRef>
+    <cs:spPr>
+      <a:noFill/>
+      <a:ln>
+        <a:noFill/>
+      </a:ln>
+    </cs:spPr>
+  </cs:wall>
+</cs:chartStyle>
+</file>
+
 <file path=ppt/slideLayouts/slideLayout1.xml><?xml version="1.0" encoding="utf-8"?>
 <p:sldLayout xmlns:a="http://schemas.openxmlformats.org/drawingml/2006/main" xmlns:r="http://schemas.openxmlformats.org/officeDocument/2006/relationships" xmlns:p="http://schemas.openxmlformats.org/presentationml/2006/main" type="title" preserve="1">
   <p:cSld name="Title Slide">
@@ -242,7 +5210,7 @@
           <a:p>
             <a:fld id="{55538382-1426-4B10-BF4C-891458BF681E}" type="datetimeFigureOut">
               <a:rPr lang="en-US" smtClean="0"/>
-              <a:t>7/20/2017</a:t>
+              <a:t>7/21/2017</a:t>
             </a:fld>
             <a:endParaRPr lang="en-US"/>
           </a:p>
@@ -410,7 +5378,7 @@
           <a:p>
             <a:fld id="{55538382-1426-4B10-BF4C-891458BF681E}" type="datetimeFigureOut">
               <a:rPr lang="en-US" smtClean="0"/>
-              <a:t>7/20/2017</a:t>
+              <a:t>7/21/2017</a:t>
             </a:fld>
             <a:endParaRPr lang="en-US"/>
           </a:p>
@@ -588,7 +5556,7 @@
           <a:p>
             <a:fld id="{55538382-1426-4B10-BF4C-891458BF681E}" type="datetimeFigureOut">
               <a:rPr lang="en-US" smtClean="0"/>
-              <a:t>7/20/2017</a:t>
+              <a:t>7/21/2017</a:t>
             </a:fld>
             <a:endParaRPr lang="en-US"/>
           </a:p>
@@ -1119,7 +6087,7 @@
           <a:p>
             <a:fld id="{55538382-1426-4B10-BF4C-891458BF681E}" type="datetimeFigureOut">
               <a:rPr lang="en-US" smtClean="0"/>
-              <a:t>7/20/2017</a:t>
+              <a:t>7/21/2017</a:t>
             </a:fld>
             <a:endParaRPr lang="en-US"/>
           </a:p>
@@ -1364,7 +6332,7 @@
           <a:p>
             <a:fld id="{55538382-1426-4B10-BF4C-891458BF681E}" type="datetimeFigureOut">
               <a:rPr lang="en-US" smtClean="0"/>
-              <a:t>7/20/2017</a:t>
+              <a:t>7/21/2017</a:t>
             </a:fld>
             <a:endParaRPr lang="en-US"/>
           </a:p>
@@ -1593,7 +6561,7 @@
           <a:p>
             <a:fld id="{55538382-1426-4B10-BF4C-891458BF681E}" type="datetimeFigureOut">
               <a:rPr lang="en-US" smtClean="0"/>
-              <a:t>7/20/2017</a:t>
+              <a:t>7/21/2017</a:t>
             </a:fld>
             <a:endParaRPr lang="en-US"/>
           </a:p>
@@ -1957,7 +6925,7 @@
           <a:p>
             <a:fld id="{55538382-1426-4B10-BF4C-891458BF681E}" type="datetimeFigureOut">
               <a:rPr lang="en-US" smtClean="0"/>
-              <a:t>7/20/2017</a:t>
+              <a:t>7/21/2017</a:t>
             </a:fld>
             <a:endParaRPr lang="en-US"/>
           </a:p>
@@ -2074,7 +7042,7 @@
           <a:p>
             <a:fld id="{55538382-1426-4B10-BF4C-891458BF681E}" type="datetimeFigureOut">
               <a:rPr lang="en-US" smtClean="0"/>
-              <a:t>7/20/2017</a:t>
+              <a:t>7/21/2017</a:t>
             </a:fld>
             <a:endParaRPr lang="en-US"/>
           </a:p>
@@ -2169,7 +7137,7 @@
           <a:p>
             <a:fld id="{55538382-1426-4B10-BF4C-891458BF681E}" type="datetimeFigureOut">
               <a:rPr lang="en-US" smtClean="0"/>
-              <a:t>7/20/2017</a:t>
+              <a:t>7/21/2017</a:t>
             </a:fld>
             <a:endParaRPr lang="en-US"/>
           </a:p>
@@ -2444,7 +7412,7 @@
           <a:p>
             <a:fld id="{55538382-1426-4B10-BF4C-891458BF681E}" type="datetimeFigureOut">
               <a:rPr lang="en-US" smtClean="0"/>
-              <a:t>7/20/2017</a:t>
+              <a:t>7/21/2017</a:t>
             </a:fld>
             <a:endParaRPr lang="en-US"/>
           </a:p>
@@ -2696,7 +7664,7 @@
           <a:p>
             <a:fld id="{55538382-1426-4B10-BF4C-891458BF681E}" type="datetimeFigureOut">
               <a:rPr lang="en-US" smtClean="0"/>
-              <a:t>7/20/2017</a:t>
+              <a:t>7/21/2017</a:t>
             </a:fld>
             <a:endParaRPr lang="en-US"/>
           </a:p>
@@ -2907,7 +7875,7 @@
           <a:p>
             <a:fld id="{55538382-1426-4B10-BF4C-891458BF681E}" type="datetimeFigureOut">
               <a:rPr lang="en-US" smtClean="0"/>
-              <a:t>7/20/2017</a:t>
+              <a:t>7/21/2017</a:t>
             </a:fld>
             <a:endParaRPr lang="en-US"/>
           </a:p>
@@ -3360,7 +8328,6 @@
               <a:rPr lang="en-US" dirty="0"/>
               <a:t>http://bit.ly/innoday2017</a:t>
             </a:r>
-            <a:endParaRPr lang="en-US" dirty="0"/>
           </a:p>
         </p:txBody>
       </p:sp>
@@ -3529,7 +8496,322 @@
           <a:bodyPr/>
           <a:lstStyle/>
           <a:p>
-            <a:pPr algn="ctr"/>
+            <a:r>
+              <a:rPr lang="en-US" dirty="0"/>
+              <a:t>Question 1 Results</a:t>
+            </a:r>
+          </a:p>
+        </p:txBody>
+      </p:sp>
+      <p:graphicFrame>
+        <p:nvGraphicFramePr>
+          <p:cNvPr id="3" name="Chart 2">
+            <a:extLst>
+              <a:ext uri="{FF2B5EF4-FFF2-40B4-BE49-F238E27FC236}">
+                <a16:creationId xmlns:a16="http://schemas.microsoft.com/office/drawing/2014/main" id="{1B9F144C-0329-4687-9062-A81F2B68021E}"/>
+              </a:ext>
+            </a:extLst>
+          </p:cNvPr>
+          <p:cNvGraphicFramePr>
+            <a:graphicFrameLocks/>
+          </p:cNvGraphicFramePr>
+          <p:nvPr>
+            <p:extLst>
+              <p:ext uri="{D42A27DB-BD31-4B8C-83A1-F6EECF244321}">
+                <p14:modId xmlns:p14="http://schemas.microsoft.com/office/powerpoint/2010/main" val="2937174160"/>
+              </p:ext>
+            </p:extLst>
+          </p:nvPr>
+        </p:nvGraphicFramePr>
+        <p:xfrm>
+          <a:off x="1662418" y="1260445"/>
+          <a:ext cx="8177868" cy="4906721"/>
+        </p:xfrm>
+        <a:graphic>
+          <a:graphicData uri="http://schemas.openxmlformats.org/drawingml/2006/chart">
+            <c:chart xmlns:c="http://schemas.openxmlformats.org/drawingml/2006/chart" xmlns:r="http://schemas.openxmlformats.org/officeDocument/2006/relationships" r:id="rId2"/>
+          </a:graphicData>
+        </a:graphic>
+      </p:graphicFrame>
+    </p:spTree>
+    <p:extLst>
+      <p:ext uri="{BB962C8B-B14F-4D97-AF65-F5344CB8AC3E}">
+        <p14:creationId xmlns:p14="http://schemas.microsoft.com/office/powerpoint/2010/main" val="1410272878"/>
+      </p:ext>
+    </p:extLst>
+  </p:cSld>
+  <p:clrMapOvr>
+    <a:masterClrMapping/>
+  </p:clrMapOvr>
+</p:sld>
+</file>
+
+<file path=ppt/slides/slide3.xml><?xml version="1.0" encoding="utf-8"?>
+<p:sld xmlns:a="http://schemas.openxmlformats.org/drawingml/2006/main" xmlns:r="http://schemas.openxmlformats.org/officeDocument/2006/relationships" xmlns:p="http://schemas.openxmlformats.org/presentationml/2006/main">
+  <p:cSld>
+    <p:spTree>
+      <p:nvGrpSpPr>
+        <p:cNvPr id="1" name=""/>
+        <p:cNvGrpSpPr/>
+        <p:nvPr/>
+      </p:nvGrpSpPr>
+      <p:grpSpPr>
+        <a:xfrm>
+          <a:off x="0" y="0"/>
+          <a:ext cx="0" cy="0"/>
+          <a:chOff x="0" y="0"/>
+          <a:chExt cx="0" cy="0"/>
+        </a:xfrm>
+      </p:grpSpPr>
+      <p:sp>
+        <p:nvSpPr>
+          <p:cNvPr id="2" name="Title 1"/>
+          <p:cNvSpPr>
+            <a:spLocks noGrp="1"/>
+          </p:cNvSpPr>
+          <p:nvPr>
+            <p:ph type="title"/>
+          </p:nvPr>
+        </p:nvSpPr>
+        <p:spPr/>
+        <p:txBody>
+          <a:bodyPr/>
+          <a:lstStyle/>
+          <a:p>
+            <a:r>
+              <a:rPr lang="en-US" dirty="0"/>
+              <a:t>Question 2 Results</a:t>
+            </a:r>
+          </a:p>
+        </p:txBody>
+      </p:sp>
+      <p:graphicFrame>
+        <p:nvGraphicFramePr>
+          <p:cNvPr id="3" name="Chart 2">
+            <a:extLst/>
+          </p:cNvPr>
+          <p:cNvGraphicFramePr>
+            <a:graphicFrameLocks/>
+          </p:cNvGraphicFramePr>
+          <p:nvPr>
+            <p:extLst>
+              <p:ext uri="{D42A27DB-BD31-4B8C-83A1-F6EECF244321}">
+                <p14:modId xmlns:p14="http://schemas.microsoft.com/office/powerpoint/2010/main" val="4108900771"/>
+              </p:ext>
+            </p:extLst>
+          </p:nvPr>
+        </p:nvGraphicFramePr>
+        <p:xfrm>
+          <a:off x="1662418" y="1260445"/>
+          <a:ext cx="8177868" cy="4906721"/>
+        </p:xfrm>
+        <a:graphic>
+          <a:graphicData uri="http://schemas.openxmlformats.org/drawingml/2006/chart">
+            <c:chart xmlns:c="http://schemas.openxmlformats.org/drawingml/2006/chart" xmlns:r="http://schemas.openxmlformats.org/officeDocument/2006/relationships" r:id="rId2"/>
+          </a:graphicData>
+        </a:graphic>
+      </p:graphicFrame>
+    </p:spTree>
+    <p:extLst>
+      <p:ext uri="{BB962C8B-B14F-4D97-AF65-F5344CB8AC3E}">
+        <p14:creationId xmlns:p14="http://schemas.microsoft.com/office/powerpoint/2010/main" val="2574479273"/>
+      </p:ext>
+    </p:extLst>
+  </p:cSld>
+  <p:clrMapOvr>
+    <a:masterClrMapping/>
+  </p:clrMapOvr>
+</p:sld>
+</file>
+
+<file path=ppt/slides/slide4.xml><?xml version="1.0" encoding="utf-8"?>
+<p:sld xmlns:a="http://schemas.openxmlformats.org/drawingml/2006/main" xmlns:r="http://schemas.openxmlformats.org/officeDocument/2006/relationships" xmlns:p="http://schemas.openxmlformats.org/presentationml/2006/main">
+  <p:cSld>
+    <p:spTree>
+      <p:nvGrpSpPr>
+        <p:cNvPr id="1" name=""/>
+        <p:cNvGrpSpPr/>
+        <p:nvPr/>
+      </p:nvGrpSpPr>
+      <p:grpSpPr>
+        <a:xfrm>
+          <a:off x="0" y="0"/>
+          <a:ext cx="0" cy="0"/>
+          <a:chOff x="0" y="0"/>
+          <a:chExt cx="0" cy="0"/>
+        </a:xfrm>
+      </p:grpSpPr>
+      <p:sp>
+        <p:nvSpPr>
+          <p:cNvPr id="2" name="Title 1"/>
+          <p:cNvSpPr>
+            <a:spLocks noGrp="1"/>
+          </p:cNvSpPr>
+          <p:nvPr>
+            <p:ph type="title"/>
+          </p:nvPr>
+        </p:nvSpPr>
+        <p:spPr/>
+        <p:txBody>
+          <a:bodyPr/>
+          <a:lstStyle/>
+          <a:p>
+            <a:r>
+              <a:rPr lang="en-US" dirty="0"/>
+              <a:t>Question 3 Results</a:t>
+            </a:r>
+          </a:p>
+        </p:txBody>
+      </p:sp>
+      <p:graphicFrame>
+        <p:nvGraphicFramePr>
+          <p:cNvPr id="3" name="Chart 2">
+            <a:extLst/>
+          </p:cNvPr>
+          <p:cNvGraphicFramePr>
+            <a:graphicFrameLocks/>
+          </p:cNvGraphicFramePr>
+          <p:nvPr>
+            <p:extLst>
+              <p:ext uri="{D42A27DB-BD31-4B8C-83A1-F6EECF244321}">
+                <p14:modId xmlns:p14="http://schemas.microsoft.com/office/powerpoint/2010/main" val="4108900771"/>
+              </p:ext>
+            </p:extLst>
+          </p:nvPr>
+        </p:nvGraphicFramePr>
+        <p:xfrm>
+          <a:off x="1662418" y="1260445"/>
+          <a:ext cx="8177868" cy="4906721"/>
+        </p:xfrm>
+        <a:graphic>
+          <a:graphicData uri="http://schemas.openxmlformats.org/drawingml/2006/chart">
+            <c:chart xmlns:c="http://schemas.openxmlformats.org/drawingml/2006/chart" xmlns:r="http://schemas.openxmlformats.org/officeDocument/2006/relationships" r:id="rId2"/>
+          </a:graphicData>
+        </a:graphic>
+      </p:graphicFrame>
+    </p:spTree>
+    <p:extLst>
+      <p:ext uri="{BB962C8B-B14F-4D97-AF65-F5344CB8AC3E}">
+        <p14:creationId xmlns:p14="http://schemas.microsoft.com/office/powerpoint/2010/main" val="912897707"/>
+      </p:ext>
+    </p:extLst>
+  </p:cSld>
+  <p:clrMapOvr>
+    <a:masterClrMapping/>
+  </p:clrMapOvr>
+</p:sld>
+</file>
+
+<file path=ppt/slides/slide5.xml><?xml version="1.0" encoding="utf-8"?>
+<p:sld xmlns:a="http://schemas.openxmlformats.org/drawingml/2006/main" xmlns:r="http://schemas.openxmlformats.org/officeDocument/2006/relationships" xmlns:p="http://schemas.openxmlformats.org/presentationml/2006/main">
+  <p:cSld>
+    <p:spTree>
+      <p:nvGrpSpPr>
+        <p:cNvPr id="1" name=""/>
+        <p:cNvGrpSpPr/>
+        <p:nvPr/>
+      </p:nvGrpSpPr>
+      <p:grpSpPr>
+        <a:xfrm>
+          <a:off x="0" y="0"/>
+          <a:ext cx="0" cy="0"/>
+          <a:chOff x="0" y="0"/>
+          <a:chExt cx="0" cy="0"/>
+        </a:xfrm>
+      </p:grpSpPr>
+      <p:sp>
+        <p:nvSpPr>
+          <p:cNvPr id="2" name="Title 1"/>
+          <p:cNvSpPr>
+            <a:spLocks noGrp="1"/>
+          </p:cNvSpPr>
+          <p:nvPr>
+            <p:ph type="title"/>
+          </p:nvPr>
+        </p:nvSpPr>
+        <p:spPr/>
+        <p:txBody>
+          <a:bodyPr/>
+          <a:lstStyle/>
+          <a:p>
+            <a:r>
+              <a:rPr lang="en-US" dirty="0"/>
+              <a:t>Question 4 Results</a:t>
+            </a:r>
+          </a:p>
+        </p:txBody>
+      </p:sp>
+      <p:graphicFrame>
+        <p:nvGraphicFramePr>
+          <p:cNvPr id="3" name="Chart 2">
+            <a:extLst/>
+          </p:cNvPr>
+          <p:cNvGraphicFramePr>
+            <a:graphicFrameLocks/>
+          </p:cNvGraphicFramePr>
+          <p:nvPr>
+            <p:extLst>
+              <p:ext uri="{D42A27DB-BD31-4B8C-83A1-F6EECF244321}">
+                <p14:modId xmlns:p14="http://schemas.microsoft.com/office/powerpoint/2010/main" val="4108900771"/>
+              </p:ext>
+            </p:extLst>
+          </p:nvPr>
+        </p:nvGraphicFramePr>
+        <p:xfrm>
+          <a:off x="1662418" y="1260445"/>
+          <a:ext cx="8177868" cy="4906721"/>
+        </p:xfrm>
+        <a:graphic>
+          <a:graphicData uri="http://schemas.openxmlformats.org/drawingml/2006/chart">
+            <c:chart xmlns:c="http://schemas.openxmlformats.org/drawingml/2006/chart" xmlns:r="http://schemas.openxmlformats.org/officeDocument/2006/relationships" r:id="rId2"/>
+          </a:graphicData>
+        </a:graphic>
+      </p:graphicFrame>
+    </p:spTree>
+    <p:extLst>
+      <p:ext uri="{BB962C8B-B14F-4D97-AF65-F5344CB8AC3E}">
+        <p14:creationId xmlns:p14="http://schemas.microsoft.com/office/powerpoint/2010/main" val="534484741"/>
+      </p:ext>
+    </p:extLst>
+  </p:cSld>
+  <p:clrMapOvr>
+    <a:masterClrMapping/>
+  </p:clrMapOvr>
+</p:sld>
+</file>
+
+<file path=ppt/slides/slide6.xml><?xml version="1.0" encoding="utf-8"?>
+<p:sld xmlns:a="http://schemas.openxmlformats.org/drawingml/2006/main" xmlns:r="http://schemas.openxmlformats.org/officeDocument/2006/relationships" xmlns:p="http://schemas.openxmlformats.org/presentationml/2006/main">
+  <p:cSld>
+    <p:spTree>
+      <p:nvGrpSpPr>
+        <p:cNvPr id="1" name=""/>
+        <p:cNvGrpSpPr/>
+        <p:nvPr/>
+      </p:nvGrpSpPr>
+      <p:grpSpPr>
+        <a:xfrm>
+          <a:off x="0" y="0"/>
+          <a:ext cx="0" cy="0"/>
+          <a:chOff x="0" y="0"/>
+          <a:chExt cx="0" cy="0"/>
+        </a:xfrm>
+      </p:grpSpPr>
+      <p:sp>
+        <p:nvSpPr>
+          <p:cNvPr id="2" name="Title 1"/>
+          <p:cNvSpPr>
+            <a:spLocks noGrp="1"/>
+          </p:cNvSpPr>
+          <p:nvPr>
+            <p:ph type="title"/>
+          </p:nvPr>
+        </p:nvSpPr>
+        <p:spPr/>
+        <p:txBody>
+          <a:bodyPr/>
+          <a:lstStyle/>
+          <a:p>
             <a:r>
               <a:rPr lang="en-US" dirty="0"/>
               <a:t>Results</a:t>
@@ -3537,143 +8819,24 @@
           </a:p>
         </p:txBody>
       </p:sp>
-      <p:pic>
-        <p:nvPicPr>
-          <p:cNvPr id="12" name="Picture 11"/>
-          <p:cNvPicPr>
-            <a:picLocks noChangeAspect="1"/>
-          </p:cNvPicPr>
-          <p:nvPr/>
-        </p:nvPicPr>
-        <p:blipFill>
-          <a:blip r:embed="rId2">
-            <a:extLst>
-              <a:ext uri="{28A0092B-C50C-407E-A947-70E740481C1C}">
-                <a14:useLocalDpi xmlns:a14="http://schemas.microsoft.com/office/drawing/2010/main" val="0"/>
-              </a:ext>
-            </a:extLst>
-          </a:blip>
-          <a:stretch>
-            <a:fillRect/>
-          </a:stretch>
-        </p:blipFill>
-        <p:spPr>
-          <a:xfrm>
-            <a:off x="690112" y="702805"/>
-            <a:ext cx="5269066" cy="2700396"/>
-          </a:xfrm>
-          <a:prstGeom prst="rect">
-            <a:avLst/>
-          </a:prstGeom>
-        </p:spPr>
-      </p:pic>
-      <p:pic>
-        <p:nvPicPr>
-          <p:cNvPr id="13" name="Picture 12"/>
-          <p:cNvPicPr>
-            <a:picLocks noChangeAspect="1"/>
-          </p:cNvPicPr>
-          <p:nvPr/>
-        </p:nvPicPr>
-        <p:blipFill>
-          <a:blip r:embed="rId3">
-            <a:extLst>
-              <a:ext uri="{28A0092B-C50C-407E-A947-70E740481C1C}">
-                <a14:useLocalDpi xmlns:a14="http://schemas.microsoft.com/office/drawing/2010/main" val="0"/>
-              </a:ext>
-            </a:extLst>
-          </a:blip>
-          <a:stretch>
-            <a:fillRect/>
-          </a:stretch>
-        </p:blipFill>
-        <p:spPr>
-          <a:xfrm>
-            <a:off x="6293132" y="702805"/>
-            <a:ext cx="5269068" cy="2700396"/>
-          </a:xfrm>
-          <a:prstGeom prst="rect">
-            <a:avLst/>
-          </a:prstGeom>
-        </p:spPr>
-      </p:pic>
-      <p:pic>
-        <p:nvPicPr>
-          <p:cNvPr id="14" name="Picture 13"/>
-          <p:cNvPicPr>
-            <a:picLocks noChangeAspect="1"/>
-          </p:cNvPicPr>
-          <p:nvPr/>
-        </p:nvPicPr>
-        <p:blipFill>
-          <a:blip r:embed="rId4">
-            <a:extLst>
-              <a:ext uri="{28A0092B-C50C-407E-A947-70E740481C1C}">
-                <a14:useLocalDpi xmlns:a14="http://schemas.microsoft.com/office/drawing/2010/main" val="0"/>
-              </a:ext>
-            </a:extLst>
-          </a:blip>
-          <a:stretch>
-            <a:fillRect/>
-          </a:stretch>
-        </p:blipFill>
-        <p:spPr>
-          <a:xfrm>
-            <a:off x="690112" y="3574353"/>
-            <a:ext cx="5269068" cy="2700396"/>
-          </a:xfrm>
-          <a:prstGeom prst="rect">
-            <a:avLst/>
-          </a:prstGeom>
-        </p:spPr>
-      </p:pic>
-      <p:pic>
-        <p:nvPicPr>
-          <p:cNvPr id="15" name="Picture 14"/>
-          <p:cNvPicPr>
-            <a:picLocks noChangeAspect="1"/>
-          </p:cNvPicPr>
-          <p:nvPr/>
-        </p:nvPicPr>
-        <p:blipFill>
-          <a:blip r:embed="rId5">
-            <a:extLst>
-              <a:ext uri="{28A0092B-C50C-407E-A947-70E740481C1C}">
-                <a14:useLocalDpi xmlns:a14="http://schemas.microsoft.com/office/drawing/2010/main" val="0"/>
-              </a:ext>
-            </a:extLst>
-          </a:blip>
-          <a:stretch>
-            <a:fillRect/>
-          </a:stretch>
-        </p:blipFill>
-        <p:spPr>
-          <a:xfrm>
-            <a:off x="6293132" y="3574353"/>
-            <a:ext cx="5269066" cy="2700398"/>
-          </a:xfrm>
-          <a:prstGeom prst="rect">
-            <a:avLst/>
-          </a:prstGeom>
-        </p:spPr>
-      </p:pic>
       <p:sp>
         <p:nvSpPr>
-          <p:cNvPr id="21" name="Star: 16 Points 20"/>
+          <p:cNvPr id="5" name="Star: 12 Points 4"/>
           <p:cNvSpPr/>
           <p:nvPr/>
         </p:nvSpPr>
         <p:spPr>
           <a:xfrm>
-            <a:off x="3675871" y="1258197"/>
-            <a:ext cx="4781725" cy="3808602"/>
+            <a:off x="3082658" y="1277667"/>
+            <a:ext cx="6014907" cy="4060271"/>
           </a:xfrm>
-          <a:prstGeom prst="star16">
+          <a:prstGeom prst="star12">
             <a:avLst/>
           </a:prstGeom>
           <a:solidFill>
-            <a:schemeClr val="bg1"/>
+            <a:schemeClr val="accent4"/>
           </a:solidFill>
+          <a:ln w="38100"/>
         </p:spPr>
         <p:style>
           <a:lnRef idx="2">
@@ -3697,98 +8860,210 @@
           <a:p>
             <a:pPr algn="ctr"/>
             <a:r>
-              <a:rPr lang="en-US" dirty="0">
+              <a:rPr lang="en-US" sz="2400" b="1" dirty="0">
+                <a:ln w="9525">
+                  <a:solidFill>
+                    <a:schemeClr val="bg1"/>
+                  </a:solidFill>
+                  <a:prstDash val="solid"/>
+                </a:ln>
                 <a:solidFill>
                   <a:schemeClr val="tx1"/>
                 </a:solidFill>
-              </a:rPr>
-              <a:t>Winner:</a:t>
-            </a:r>
-          </a:p>
-          <a:p>
-            <a:pPr algn="ctr"/>
-            <a:r>
-              <a:rPr lang="en-US" dirty="0">
-                <a:solidFill>
-                  <a:schemeClr val="tx1"/>
-                </a:solidFill>
+                <a:effectLst>
+                  <a:outerShdw blurRad="12700" dist="38100" dir="2700000" algn="tl" rotWithShape="0">
+                    <a:schemeClr val="bg1">
+                      <a:lumMod val="50000"/>
+                    </a:schemeClr>
+                  </a:outerShdw>
+                </a:effectLst>
               </a:rPr>
               <a:t>1</a:t>
             </a:r>
             <a:r>
-              <a:rPr lang="en-US" baseline="30000" dirty="0">
+              <a:rPr lang="en-US" sz="2400" b="1" baseline="30000" dirty="0">
+                <a:ln w="9525">
+                  <a:solidFill>
+                    <a:schemeClr val="bg1"/>
+                  </a:solidFill>
+                  <a:prstDash val="solid"/>
+                </a:ln>
                 <a:solidFill>
                   <a:schemeClr val="tx1"/>
                 </a:solidFill>
+                <a:effectLst>
+                  <a:outerShdw blurRad="12700" dist="38100" dir="2700000" algn="tl" rotWithShape="0">
+                    <a:schemeClr val="bg1">
+                      <a:lumMod val="50000"/>
+                    </a:schemeClr>
+                  </a:outerShdw>
+                </a:effectLst>
               </a:rPr>
               <a:t>st</a:t>
             </a:r>
             <a:r>
-              <a:rPr lang="en-US" dirty="0">
+              <a:rPr lang="en-US" sz="2400" b="1" dirty="0">
+                <a:ln w="9525">
+                  <a:solidFill>
+                    <a:schemeClr val="bg1"/>
+                  </a:solidFill>
+                  <a:prstDash val="solid"/>
+                </a:ln>
                 <a:solidFill>
                   <a:schemeClr val="tx1"/>
                 </a:solidFill>
+                <a:effectLst>
+                  <a:outerShdw blurRad="12700" dist="38100" dir="2700000" algn="tl" rotWithShape="0">
+                    <a:schemeClr val="bg1">
+                      <a:lumMod val="50000"/>
+                    </a:schemeClr>
+                  </a:outerShdw>
+                </a:effectLst>
               </a:rPr>
-              <a:t>. Team Ares </a:t>
+              <a:t>: Team Test </a:t>
             </a:r>
           </a:p>
           <a:p>
             <a:pPr algn="ctr"/>
             <a:r>
-              <a:rPr lang="en-US" dirty="0">
+              <a:rPr lang="en-US" sz="2400" b="1" dirty="0">
+                <a:ln w="9525">
+                  <a:solidFill>
+                    <a:schemeClr val="bg1"/>
+                  </a:solidFill>
+                  <a:prstDash val="solid"/>
+                </a:ln>
                 <a:solidFill>
                   <a:schemeClr val="tx1"/>
                 </a:solidFill>
+                <a:effectLst>
+                  <a:outerShdw blurRad="12700" dist="38100" dir="2700000" algn="tl" rotWithShape="0">
+                    <a:schemeClr val="bg1">
+                      <a:lumMod val="50000"/>
+                    </a:schemeClr>
+                  </a:outerShdw>
+                </a:effectLst>
               </a:rPr>
               <a:t>2</a:t>
             </a:r>
             <a:r>
-              <a:rPr lang="en-US" baseline="30000" dirty="0">
+              <a:rPr lang="en-US" sz="2400" b="1" baseline="30000" dirty="0">
+                <a:ln w="9525">
+                  <a:solidFill>
+                    <a:schemeClr val="bg1"/>
+                  </a:solidFill>
+                  <a:prstDash val="solid"/>
+                </a:ln>
                 <a:solidFill>
                   <a:schemeClr val="tx1"/>
                 </a:solidFill>
+                <a:effectLst>
+                  <a:outerShdw blurRad="12700" dist="38100" dir="2700000" algn="tl" rotWithShape="0">
+                    <a:schemeClr val="bg1">
+                      <a:lumMod val="50000"/>
+                    </a:schemeClr>
+                  </a:outerShdw>
+                </a:effectLst>
               </a:rPr>
               <a:t>nd</a:t>
             </a:r>
             <a:r>
-              <a:rPr lang="en-US" dirty="0">
+              <a:rPr lang="en-US" sz="2400" b="1" dirty="0">
+                <a:ln w="9525">
+                  <a:solidFill>
+                    <a:schemeClr val="bg1"/>
+                  </a:solidFill>
+                  <a:prstDash val="solid"/>
+                </a:ln>
                 <a:solidFill>
                   <a:schemeClr val="tx1"/>
                 </a:solidFill>
+                <a:effectLst>
+                  <a:outerShdw blurRad="12700" dist="38100" dir="2700000" algn="tl" rotWithShape="0">
+                    <a:schemeClr val="bg1">
+                      <a:lumMod val="50000"/>
+                    </a:schemeClr>
+                  </a:outerShdw>
+                </a:effectLst>
               </a:rPr>
-              <a:t>. Team Odin</a:t>
+              <a:t>: Team Ares</a:t>
             </a:r>
           </a:p>
           <a:p>
             <a:pPr algn="ctr"/>
             <a:r>
-              <a:rPr lang="en-US" dirty="0">
+              <a:rPr lang="en-US" sz="2400" b="1" dirty="0">
+                <a:ln w="9525">
+                  <a:solidFill>
+                    <a:schemeClr val="bg1"/>
+                  </a:solidFill>
+                  <a:prstDash val="solid"/>
+                </a:ln>
                 <a:solidFill>
                   <a:schemeClr val="tx1"/>
                 </a:solidFill>
+                <a:effectLst>
+                  <a:outerShdw blurRad="12700" dist="38100" dir="2700000" algn="tl" rotWithShape="0">
+                    <a:schemeClr val="bg1">
+                      <a:lumMod val="50000"/>
+                    </a:schemeClr>
+                  </a:outerShdw>
+                </a:effectLst>
               </a:rPr>
               <a:t>3</a:t>
             </a:r>
             <a:r>
-              <a:rPr lang="en-US" baseline="30000" dirty="0">
+              <a:rPr lang="en-US" sz="2400" b="1" baseline="30000" dirty="0">
+                <a:ln w="9525">
+                  <a:solidFill>
+                    <a:schemeClr val="bg1"/>
+                  </a:solidFill>
+                  <a:prstDash val="solid"/>
+                </a:ln>
                 <a:solidFill>
                   <a:schemeClr val="tx1"/>
                 </a:solidFill>
+                <a:effectLst>
+                  <a:outerShdw blurRad="12700" dist="38100" dir="2700000" algn="tl" rotWithShape="0">
+                    <a:schemeClr val="bg1">
+                      <a:lumMod val="50000"/>
+                    </a:schemeClr>
+                  </a:outerShdw>
+                </a:effectLst>
               </a:rPr>
               <a:t>rd</a:t>
             </a:r>
             <a:r>
-              <a:rPr lang="en-US" dirty="0">
+              <a:rPr lang="en-US" sz="2400" b="1" dirty="0">
+                <a:ln w="9525">
+                  <a:solidFill>
+                    <a:schemeClr val="bg1"/>
+                  </a:solidFill>
+                  <a:prstDash val="solid"/>
+                </a:ln>
                 <a:solidFill>
                   <a:schemeClr val="tx1"/>
                 </a:solidFill>
+                <a:effectLst>
+                  <a:outerShdw blurRad="12700" dist="38100" dir="2700000" algn="tl" rotWithShape="0">
+                    <a:schemeClr val="bg1">
+                      <a:lumMod val="50000"/>
+                    </a:schemeClr>
+                  </a:outerShdw>
+                </a:effectLst>
               </a:rPr>
-              <a:t>. Team Zeus</a:t>
+              <a:t>: Team Odin</a:t>
             </a:r>
           </a:p>
           <a:p>
             <a:pPr algn="ctr"/>
-            <a:endParaRPr lang="en-US" dirty="0">
+            <a:endParaRPr lang="en-US" sz="2400" b="1" dirty="0">
+              <a:ln w="22225">
+                <a:solidFill>
+                  <a:schemeClr val="accent2"/>
+                </a:solidFill>
+                <a:prstDash val="solid"/>
+              </a:ln>
               <a:solidFill>
                 <a:schemeClr val="tx1"/>
               </a:solidFill>
@@ -3799,7 +9074,7 @@
     </p:spTree>
     <p:extLst>
       <p:ext uri="{BB962C8B-B14F-4D97-AF65-F5344CB8AC3E}">
-        <p14:creationId xmlns:p14="http://schemas.microsoft.com/office/powerpoint/2010/main" val="2535631866"/>
+        <p14:creationId xmlns:p14="http://schemas.microsoft.com/office/powerpoint/2010/main" val="2476552916"/>
       </p:ext>
     </p:extLst>
   </p:cSld>
@@ -3840,7 +9115,9 @@
                                           </p:stCondLst>
                                         </p:cTn>
                                         <p:tgtEl>
-                                          <p:spTgt spid="21"/>
+                                          <p:spTgt spid="5">
+                                            <p:bg/>
+                                          </p:spTgt>
                                         </p:tgtEl>
                                         <p:attrNameLst>
                                           <p:attrName>style.visibility</p:attrName>
@@ -3850,6 +9127,270 @@
                                         <p:strVal val="visible"/>
                                       </p:to>
                                     </p:set>
+                                  </p:childTnLst>
+                                </p:cTn>
+                              </p:par>
+                              <p:par>
+                                <p:cTn id="7" presetID="31" presetClass="entr" presetSubtype="0" fill="hold" grpId="0" nodeType="withEffect">
+                                  <p:stCondLst>
+                                    <p:cond delay="0"/>
+                                  </p:stCondLst>
+                                  <p:childTnLst>
+                                    <p:set>
+                                      <p:cBhvr>
+                                        <p:cTn id="8" dur="1" fill="hold">
+                                          <p:stCondLst>
+                                            <p:cond delay="0"/>
+                                          </p:stCondLst>
+                                        </p:cTn>
+                                        <p:tgtEl>
+                                          <p:spTgt spid="5">
+                                            <p:txEl>
+                                              <p:pRg st="0" end="0"/>
+                                            </p:txEl>
+                                          </p:spTgt>
+                                        </p:tgtEl>
+                                        <p:attrNameLst>
+                                          <p:attrName>style.visibility</p:attrName>
+                                        </p:attrNameLst>
+                                      </p:cBhvr>
+                                      <p:to>
+                                        <p:strVal val="visible"/>
+                                      </p:to>
+                                    </p:set>
+                                    <p:anim calcmode="lin" valueType="num">
+                                      <p:cBhvr>
+                                        <p:cTn id="9" dur="1000" fill="hold"/>
+                                        <p:tgtEl>
+                                          <p:spTgt spid="5">
+                                            <p:txEl>
+                                              <p:pRg st="0" end="0"/>
+                                            </p:txEl>
+                                          </p:spTgt>
+                                        </p:tgtEl>
+                                        <p:attrNameLst>
+                                          <p:attrName>ppt_w</p:attrName>
+                                        </p:attrNameLst>
+                                      </p:cBhvr>
+                                      <p:tavLst>
+                                        <p:tav tm="0">
+                                          <p:val>
+                                            <p:fltVal val="0"/>
+                                          </p:val>
+                                        </p:tav>
+                                        <p:tav tm="100000">
+                                          <p:val>
+                                            <p:strVal val="#ppt_w"/>
+                                          </p:val>
+                                        </p:tav>
+                                      </p:tavLst>
+                                    </p:anim>
+                                    <p:anim calcmode="lin" valueType="num">
+                                      <p:cBhvr>
+                                        <p:cTn id="10" dur="1000" fill="hold"/>
+                                        <p:tgtEl>
+                                          <p:spTgt spid="5">
+                                            <p:txEl>
+                                              <p:pRg st="0" end="0"/>
+                                            </p:txEl>
+                                          </p:spTgt>
+                                        </p:tgtEl>
+                                        <p:attrNameLst>
+                                          <p:attrName>ppt_h</p:attrName>
+                                        </p:attrNameLst>
+                                      </p:cBhvr>
+                                      <p:tavLst>
+                                        <p:tav tm="0">
+                                          <p:val>
+                                            <p:fltVal val="0"/>
+                                          </p:val>
+                                        </p:tav>
+                                        <p:tav tm="100000">
+                                          <p:val>
+                                            <p:strVal val="#ppt_h"/>
+                                          </p:val>
+                                        </p:tav>
+                                      </p:tavLst>
+                                    </p:anim>
+                                    <p:anim calcmode="lin" valueType="num">
+                                      <p:cBhvr>
+                                        <p:cTn id="11" dur="1000" fill="hold"/>
+                                        <p:tgtEl>
+                                          <p:spTgt spid="5">
+                                            <p:txEl>
+                                              <p:pRg st="0" end="0"/>
+                                            </p:txEl>
+                                          </p:spTgt>
+                                        </p:tgtEl>
+                                        <p:attrNameLst>
+                                          <p:attrName>style.rotation</p:attrName>
+                                        </p:attrNameLst>
+                                      </p:cBhvr>
+                                      <p:tavLst>
+                                        <p:tav tm="0">
+                                          <p:val>
+                                            <p:fltVal val="90"/>
+                                          </p:val>
+                                        </p:tav>
+                                        <p:tav tm="100000">
+                                          <p:val>
+                                            <p:fltVal val="0"/>
+                                          </p:val>
+                                        </p:tav>
+                                      </p:tavLst>
+                                    </p:anim>
+                                    <p:animEffect transition="in" filter="fade">
+                                      <p:cBhvr>
+                                        <p:cTn id="12" dur="1000"/>
+                                        <p:tgtEl>
+                                          <p:spTgt spid="5">
+                                            <p:txEl>
+                                              <p:pRg st="0" end="0"/>
+                                            </p:txEl>
+                                          </p:spTgt>
+                                        </p:tgtEl>
+                                      </p:cBhvr>
+                                    </p:animEffect>
+                                  </p:childTnLst>
+                                </p:cTn>
+                              </p:par>
+                              <p:par>
+                                <p:cTn id="13" presetID="14" presetClass="entr" presetSubtype="10" fill="hold" grpId="0" nodeType="withEffect">
+                                  <p:stCondLst>
+                                    <p:cond delay="0"/>
+                                  </p:stCondLst>
+                                  <p:childTnLst>
+                                    <p:set>
+                                      <p:cBhvr>
+                                        <p:cTn id="14" dur="1" fill="hold">
+                                          <p:stCondLst>
+                                            <p:cond delay="0"/>
+                                          </p:stCondLst>
+                                        </p:cTn>
+                                        <p:tgtEl>
+                                          <p:spTgt spid="5">
+                                            <p:txEl>
+                                              <p:pRg st="1" end="1"/>
+                                            </p:txEl>
+                                          </p:spTgt>
+                                        </p:tgtEl>
+                                        <p:attrNameLst>
+                                          <p:attrName>style.visibility</p:attrName>
+                                        </p:attrNameLst>
+                                      </p:cBhvr>
+                                      <p:to>
+                                        <p:strVal val="visible"/>
+                                      </p:to>
+                                    </p:set>
+                                    <p:animEffect transition="in" filter="randombar(horizontal)">
+                                      <p:cBhvr>
+                                        <p:cTn id="15" dur="500"/>
+                                        <p:tgtEl>
+                                          <p:spTgt spid="5">
+                                            <p:txEl>
+                                              <p:pRg st="1" end="1"/>
+                                            </p:txEl>
+                                          </p:spTgt>
+                                        </p:tgtEl>
+                                      </p:cBhvr>
+                                    </p:animEffect>
+                                  </p:childTnLst>
+                                </p:cTn>
+                              </p:par>
+                              <p:par>
+                                <p:cTn id="16" presetID="42" presetClass="entr" presetSubtype="0" fill="hold" grpId="0" nodeType="withEffect">
+                                  <p:stCondLst>
+                                    <p:cond delay="0"/>
+                                  </p:stCondLst>
+                                  <p:childTnLst>
+                                    <p:set>
+                                      <p:cBhvr>
+                                        <p:cTn id="17" dur="1" fill="hold">
+                                          <p:stCondLst>
+                                            <p:cond delay="0"/>
+                                          </p:stCondLst>
+                                        </p:cTn>
+                                        <p:tgtEl>
+                                          <p:spTgt spid="5">
+                                            <p:txEl>
+                                              <p:pRg st="2" end="2"/>
+                                            </p:txEl>
+                                          </p:spTgt>
+                                        </p:tgtEl>
+                                        <p:attrNameLst>
+                                          <p:attrName>style.visibility</p:attrName>
+                                        </p:attrNameLst>
+                                      </p:cBhvr>
+                                      <p:to>
+                                        <p:strVal val="visible"/>
+                                      </p:to>
+                                    </p:set>
+                                    <p:animEffect transition="in" filter="fade">
+                                      <p:cBhvr>
+                                        <p:cTn id="18" dur="1000"/>
+                                        <p:tgtEl>
+                                          <p:spTgt spid="5">
+                                            <p:txEl>
+                                              <p:pRg st="2" end="2"/>
+                                            </p:txEl>
+                                          </p:spTgt>
+                                        </p:tgtEl>
+                                      </p:cBhvr>
+                                    </p:animEffect>
+                                    <p:anim calcmode="lin" valueType="num">
+                                      <p:cBhvr>
+                                        <p:cTn id="19" dur="1000" fill="hold"/>
+                                        <p:tgtEl>
+                                          <p:spTgt spid="5">
+                                            <p:txEl>
+                                              <p:pRg st="2" end="2"/>
+                                            </p:txEl>
+                                          </p:spTgt>
+                                        </p:tgtEl>
+                                        <p:attrNameLst>
+                                          <p:attrName>ppt_x</p:attrName>
+                                        </p:attrNameLst>
+                                      </p:cBhvr>
+                                      <p:tavLst>
+                                        <p:tav tm="0">
+                                          <p:val>
+                                            <p:strVal val="#ppt_x"/>
+                                          </p:val>
+                                        </p:tav>
+                                        <p:tav tm="100000">
+                                          <p:val>
+                                            <p:strVal val="#ppt_x"/>
+                                          </p:val>
+                                        </p:tav>
+                                      </p:tavLst>
+                                    </p:anim>
+                                    <p:anim calcmode="lin" valueType="num">
+                                      <p:cBhvr>
+                                        <p:cTn id="20" dur="1000" fill="hold"/>
+                                        <p:tgtEl>
+                                          <p:spTgt spid="5">
+                                            <p:txEl>
+                                              <p:pRg st="2" end="2"/>
+                                            </p:txEl>
+                                          </p:spTgt>
+                                        </p:tgtEl>
+                                        <p:attrNameLst>
+                                          <p:attrName>ppt_y</p:attrName>
+                                        </p:attrNameLst>
+                                      </p:cBhvr>
+                                      <p:tavLst>
+                                        <p:tav tm="0">
+                                          <p:val>
+                                            <p:strVal val="#ppt_y+.1"/>
+                                          </p:val>
+                                        </p:tav>
+                                        <p:tav tm="100000">
+                                          <p:val>
+                                            <p:strVal val="#ppt_y"/>
+                                          </p:val>
+                                        </p:tav>
+                                      </p:tavLst>
+                                    </p:anim>
                                   </p:childTnLst>
                                 </p:cTn>
                               </p:par>
@@ -3881,7 +9422,7 @@
       </p:par>
     </p:tnLst>
     <p:bldLst>
-      <p:bldP spid="21" grpId="0" animBg="1"/>
+      <p:bldP spid="5" grpId="0" uiExpand="1" build="allAtOnce" animBg="1"/>
     </p:bldLst>
   </p:timing>
 </p:sld>
